--- a/presentation/st_yves_2023.pptx
+++ b/presentation/st_yves_2023.pptx
@@ -4,21 +4,33 @@
   <p:sldMasterIdLst>
     <p:sldMasterId id="2147483648" r:id="rId1"/>
   </p:sldMasterIdLst>
+  <p:notesMasterIdLst>
+    <p:notesMasterId r:id="rId25"/>
+  </p:notesMasterIdLst>
   <p:sldIdLst>
     <p:sldId id="256" r:id="rId2"/>
     <p:sldId id="257" r:id="rId3"/>
     <p:sldId id="269" r:id="rId4"/>
-    <p:sldId id="266" r:id="rId5"/>
-    <p:sldId id="267" r:id="rId6"/>
-    <p:sldId id="268" r:id="rId7"/>
-    <p:sldId id="265" r:id="rId8"/>
-    <p:sldId id="264" r:id="rId9"/>
-    <p:sldId id="263" r:id="rId10"/>
-    <p:sldId id="262" r:id="rId11"/>
-    <p:sldId id="261" r:id="rId12"/>
-    <p:sldId id="260" r:id="rId13"/>
-    <p:sldId id="259" r:id="rId14"/>
-    <p:sldId id="258" r:id="rId15"/>
+    <p:sldId id="270" r:id="rId5"/>
+    <p:sldId id="271" r:id="rId6"/>
+    <p:sldId id="272" r:id="rId7"/>
+    <p:sldId id="266" r:id="rId8"/>
+    <p:sldId id="268" r:id="rId9"/>
+    <p:sldId id="277" r:id="rId10"/>
+    <p:sldId id="276" r:id="rId11"/>
+    <p:sldId id="267" r:id="rId12"/>
+    <p:sldId id="275" r:id="rId13"/>
+    <p:sldId id="274" r:id="rId14"/>
+    <p:sldId id="265" r:id="rId15"/>
+    <p:sldId id="264" r:id="rId16"/>
+    <p:sldId id="263" r:id="rId17"/>
+    <p:sldId id="262" r:id="rId18"/>
+    <p:sldId id="278" r:id="rId19"/>
+    <p:sldId id="261" r:id="rId20"/>
+    <p:sldId id="260" r:id="rId21"/>
+    <p:sldId id="273" r:id="rId22"/>
+    <p:sldId id="259" r:id="rId23"/>
+    <p:sldId id="258" r:id="rId24"/>
   </p:sldIdLst>
   <p:sldSz cx="12192000" cy="6858000"/>
   <p:notesSz cx="6858000" cy="9144000"/>
@@ -117,7 +129,2706 @@
       </a:defRPr>
     </a:lvl9pPr>
   </p:defaultTextStyle>
+  <p:extLst>
+    <p:ext uri="{EFAFB233-063F-42B5-8137-9DF3F51BA10A}">
+      <p15:sldGuideLst xmlns:p15="http://schemas.microsoft.com/office/powerpoint/2012/main"/>
+    </p:ext>
+  </p:extLst>
 </p:presentation>
+</file>
+
+<file path=ppt/notesMasters/notesMaster1.xml><?xml version="1.0" encoding="utf-8"?>
+<p:notesMaster xmlns:a="http://schemas.openxmlformats.org/drawingml/2006/main" xmlns:r="http://schemas.openxmlformats.org/officeDocument/2006/relationships" xmlns:p="http://schemas.openxmlformats.org/presentationml/2006/main">
+  <p:cSld>
+    <p:bg>
+      <p:bgRef idx="1001">
+        <a:schemeClr val="bg1"/>
+      </p:bgRef>
+    </p:bg>
+    <p:spTree>
+      <p:nvGrpSpPr>
+        <p:cNvPr id="1" name=""/>
+        <p:cNvGrpSpPr/>
+        <p:nvPr/>
+      </p:nvGrpSpPr>
+      <p:grpSpPr>
+        <a:xfrm>
+          <a:off x="0" y="0"/>
+          <a:ext cx="0" cy="0"/>
+          <a:chOff x="0" y="0"/>
+          <a:chExt cx="0" cy="0"/>
+        </a:xfrm>
+      </p:grpSpPr>
+      <p:sp>
+        <p:nvSpPr>
+          <p:cNvPr id="2" name="Header Placeholder 1"/>
+          <p:cNvSpPr>
+            <a:spLocks noGrp="1"/>
+          </p:cNvSpPr>
+          <p:nvPr>
+            <p:ph type="hdr" sz="quarter"/>
+          </p:nvPr>
+        </p:nvSpPr>
+        <p:spPr>
+          <a:xfrm>
+            <a:off x="0" y="0"/>
+            <a:ext cx="2971800" cy="458788"/>
+          </a:xfrm>
+          <a:prstGeom prst="rect">
+            <a:avLst/>
+          </a:prstGeom>
+        </p:spPr>
+        <p:txBody>
+          <a:bodyPr vert="horz" lIns="91440" tIns="45720" rIns="91440" bIns="45720" rtlCol="0"/>
+          <a:lstStyle>
+            <a:lvl1pPr algn="l">
+              <a:defRPr sz="1200"/>
+            </a:lvl1pPr>
+          </a:lstStyle>
+          <a:p>
+            <a:endParaRPr lang="en-US"/>
+          </a:p>
+        </p:txBody>
+      </p:sp>
+      <p:sp>
+        <p:nvSpPr>
+          <p:cNvPr id="3" name="Date Placeholder 2"/>
+          <p:cNvSpPr>
+            <a:spLocks noGrp="1"/>
+          </p:cNvSpPr>
+          <p:nvPr>
+            <p:ph type="dt" idx="1"/>
+          </p:nvPr>
+        </p:nvSpPr>
+        <p:spPr>
+          <a:xfrm>
+            <a:off x="3884613" y="0"/>
+            <a:ext cx="2971800" cy="458788"/>
+          </a:xfrm>
+          <a:prstGeom prst="rect">
+            <a:avLst/>
+          </a:prstGeom>
+        </p:spPr>
+        <p:txBody>
+          <a:bodyPr vert="horz" lIns="91440" tIns="45720" rIns="91440" bIns="45720" rtlCol="0"/>
+          <a:lstStyle>
+            <a:lvl1pPr algn="r">
+              <a:defRPr sz="1200"/>
+            </a:lvl1pPr>
+          </a:lstStyle>
+          <a:p>
+            <a:fld id="{7D022BE0-21E4-471E-9045-21BC545996DF}" type="datetimeFigureOut">
+              <a:rPr lang="en-US" smtClean="0"/>
+              <a:t>4/30/2024</a:t>
+            </a:fld>
+            <a:endParaRPr lang="en-US"/>
+          </a:p>
+        </p:txBody>
+      </p:sp>
+      <p:sp>
+        <p:nvSpPr>
+          <p:cNvPr id="4" name="Slide Image Placeholder 3"/>
+          <p:cNvSpPr>
+            <a:spLocks noGrp="1" noRot="1" noChangeAspect="1"/>
+          </p:cNvSpPr>
+          <p:nvPr>
+            <p:ph type="sldImg" idx="2"/>
+          </p:nvPr>
+        </p:nvSpPr>
+        <p:spPr>
+          <a:xfrm>
+            <a:off x="685800" y="1143000"/>
+            <a:ext cx="5486400" cy="3086100"/>
+          </a:xfrm>
+          <a:prstGeom prst="rect">
+            <a:avLst/>
+          </a:prstGeom>
+          <a:noFill/>
+          <a:ln w="12700">
+            <a:solidFill>
+              <a:prstClr val="black"/>
+            </a:solidFill>
+          </a:ln>
+        </p:spPr>
+        <p:txBody>
+          <a:bodyPr vert="horz" lIns="91440" tIns="45720" rIns="91440" bIns="45720" rtlCol="0" anchor="ctr"/>
+          <a:lstStyle/>
+          <a:p>
+            <a:endParaRPr lang="en-US"/>
+          </a:p>
+        </p:txBody>
+      </p:sp>
+      <p:sp>
+        <p:nvSpPr>
+          <p:cNvPr id="5" name="Notes Placeholder 4"/>
+          <p:cNvSpPr>
+            <a:spLocks noGrp="1"/>
+          </p:cNvSpPr>
+          <p:nvPr>
+            <p:ph type="body" sz="quarter" idx="3"/>
+          </p:nvPr>
+        </p:nvSpPr>
+        <p:spPr>
+          <a:xfrm>
+            <a:off x="685800" y="4400550"/>
+            <a:ext cx="5486400" cy="3600450"/>
+          </a:xfrm>
+          <a:prstGeom prst="rect">
+            <a:avLst/>
+          </a:prstGeom>
+        </p:spPr>
+        <p:txBody>
+          <a:bodyPr vert="horz" lIns="91440" tIns="45720" rIns="91440" bIns="45720" rtlCol="0"/>
+          <a:lstStyle/>
+          <a:p>
+            <a:pPr lvl="0"/>
+            <a:r>
+              <a:rPr lang="en-US"/>
+              <a:t>Click to edit Master text styles</a:t>
+            </a:r>
+          </a:p>
+          <a:p>
+            <a:pPr lvl="1"/>
+            <a:r>
+              <a:rPr lang="en-US"/>
+              <a:t>Second level</a:t>
+            </a:r>
+          </a:p>
+          <a:p>
+            <a:pPr lvl="2"/>
+            <a:r>
+              <a:rPr lang="en-US"/>
+              <a:t>Third level</a:t>
+            </a:r>
+          </a:p>
+          <a:p>
+            <a:pPr lvl="3"/>
+            <a:r>
+              <a:rPr lang="en-US"/>
+              <a:t>Fourth level</a:t>
+            </a:r>
+          </a:p>
+          <a:p>
+            <a:pPr lvl="4"/>
+            <a:r>
+              <a:rPr lang="en-US"/>
+              <a:t>Fifth level</a:t>
+            </a:r>
+          </a:p>
+        </p:txBody>
+      </p:sp>
+      <p:sp>
+        <p:nvSpPr>
+          <p:cNvPr id="6" name="Footer Placeholder 5"/>
+          <p:cNvSpPr>
+            <a:spLocks noGrp="1"/>
+          </p:cNvSpPr>
+          <p:nvPr>
+            <p:ph type="ftr" sz="quarter" idx="4"/>
+          </p:nvPr>
+        </p:nvSpPr>
+        <p:spPr>
+          <a:xfrm>
+            <a:off x="0" y="8685213"/>
+            <a:ext cx="2971800" cy="458787"/>
+          </a:xfrm>
+          <a:prstGeom prst="rect">
+            <a:avLst/>
+          </a:prstGeom>
+        </p:spPr>
+        <p:txBody>
+          <a:bodyPr vert="horz" lIns="91440" tIns="45720" rIns="91440" bIns="45720" rtlCol="0" anchor="b"/>
+          <a:lstStyle>
+            <a:lvl1pPr algn="l">
+              <a:defRPr sz="1200"/>
+            </a:lvl1pPr>
+          </a:lstStyle>
+          <a:p>
+            <a:endParaRPr lang="en-US"/>
+          </a:p>
+        </p:txBody>
+      </p:sp>
+      <p:sp>
+        <p:nvSpPr>
+          <p:cNvPr id="7" name="Slide Number Placeholder 6"/>
+          <p:cNvSpPr>
+            <a:spLocks noGrp="1"/>
+          </p:cNvSpPr>
+          <p:nvPr>
+            <p:ph type="sldNum" sz="quarter" idx="5"/>
+          </p:nvPr>
+        </p:nvSpPr>
+        <p:spPr>
+          <a:xfrm>
+            <a:off x="3884613" y="8685213"/>
+            <a:ext cx="2971800" cy="458787"/>
+          </a:xfrm>
+          <a:prstGeom prst="rect">
+            <a:avLst/>
+          </a:prstGeom>
+        </p:spPr>
+        <p:txBody>
+          <a:bodyPr vert="horz" lIns="91440" tIns="45720" rIns="91440" bIns="45720" rtlCol="0" anchor="b"/>
+          <a:lstStyle>
+            <a:lvl1pPr algn="r">
+              <a:defRPr sz="1200"/>
+            </a:lvl1pPr>
+          </a:lstStyle>
+          <a:p>
+            <a:fld id="{A8FDC817-106E-4BF9-A5B2-12D71C6A70B5}" type="slidenum">
+              <a:rPr lang="en-US" smtClean="0"/>
+              <a:t>‹#›</a:t>
+            </a:fld>
+            <a:endParaRPr lang="en-US"/>
+          </a:p>
+        </p:txBody>
+      </p:sp>
+    </p:spTree>
+    <p:extLst>
+      <p:ext uri="{BB962C8B-B14F-4D97-AF65-F5344CB8AC3E}">
+        <p14:creationId xmlns:p14="http://schemas.microsoft.com/office/powerpoint/2010/main" val="1168142740"/>
+      </p:ext>
+    </p:extLst>
+  </p:cSld>
+  <p:clrMap bg1="lt1" tx1="dk1" bg2="lt2" tx2="dk2" accent1="accent1" accent2="accent2" accent3="accent3" accent4="accent4" accent5="accent5" accent6="accent6" hlink="hlink" folHlink="folHlink"/>
+  <p:notesStyle>
+    <a:lvl1pPr marL="0" algn="l" defTabSz="914400" rtl="0" eaLnBrk="1" latinLnBrk="0" hangingPunct="1">
+      <a:defRPr sz="1200" kern="1200">
+        <a:solidFill>
+          <a:schemeClr val="tx1"/>
+        </a:solidFill>
+        <a:latin typeface="+mn-lt"/>
+        <a:ea typeface="+mn-ea"/>
+        <a:cs typeface="+mn-cs"/>
+      </a:defRPr>
+    </a:lvl1pPr>
+    <a:lvl2pPr marL="457200" algn="l" defTabSz="914400" rtl="0" eaLnBrk="1" latinLnBrk="0" hangingPunct="1">
+      <a:defRPr sz="1200" kern="1200">
+        <a:solidFill>
+          <a:schemeClr val="tx1"/>
+        </a:solidFill>
+        <a:latin typeface="+mn-lt"/>
+        <a:ea typeface="+mn-ea"/>
+        <a:cs typeface="+mn-cs"/>
+      </a:defRPr>
+    </a:lvl2pPr>
+    <a:lvl3pPr marL="914400" algn="l" defTabSz="914400" rtl="0" eaLnBrk="1" latinLnBrk="0" hangingPunct="1">
+      <a:defRPr sz="1200" kern="1200">
+        <a:solidFill>
+          <a:schemeClr val="tx1"/>
+        </a:solidFill>
+        <a:latin typeface="+mn-lt"/>
+        <a:ea typeface="+mn-ea"/>
+        <a:cs typeface="+mn-cs"/>
+      </a:defRPr>
+    </a:lvl3pPr>
+    <a:lvl4pPr marL="1371600" algn="l" defTabSz="914400" rtl="0" eaLnBrk="1" latinLnBrk="0" hangingPunct="1">
+      <a:defRPr sz="1200" kern="1200">
+        <a:solidFill>
+          <a:schemeClr val="tx1"/>
+        </a:solidFill>
+        <a:latin typeface="+mn-lt"/>
+        <a:ea typeface="+mn-ea"/>
+        <a:cs typeface="+mn-cs"/>
+      </a:defRPr>
+    </a:lvl4pPr>
+    <a:lvl5pPr marL="1828800" algn="l" defTabSz="914400" rtl="0" eaLnBrk="1" latinLnBrk="0" hangingPunct="1">
+      <a:defRPr sz="1200" kern="1200">
+        <a:solidFill>
+          <a:schemeClr val="tx1"/>
+        </a:solidFill>
+        <a:latin typeface="+mn-lt"/>
+        <a:ea typeface="+mn-ea"/>
+        <a:cs typeface="+mn-cs"/>
+      </a:defRPr>
+    </a:lvl5pPr>
+    <a:lvl6pPr marL="2286000" algn="l" defTabSz="914400" rtl="0" eaLnBrk="1" latinLnBrk="0" hangingPunct="1">
+      <a:defRPr sz="1200" kern="1200">
+        <a:solidFill>
+          <a:schemeClr val="tx1"/>
+        </a:solidFill>
+        <a:latin typeface="+mn-lt"/>
+        <a:ea typeface="+mn-ea"/>
+        <a:cs typeface="+mn-cs"/>
+      </a:defRPr>
+    </a:lvl6pPr>
+    <a:lvl7pPr marL="2743200" algn="l" defTabSz="914400" rtl="0" eaLnBrk="1" latinLnBrk="0" hangingPunct="1">
+      <a:defRPr sz="1200" kern="1200">
+        <a:solidFill>
+          <a:schemeClr val="tx1"/>
+        </a:solidFill>
+        <a:latin typeface="+mn-lt"/>
+        <a:ea typeface="+mn-ea"/>
+        <a:cs typeface="+mn-cs"/>
+      </a:defRPr>
+    </a:lvl7pPr>
+    <a:lvl8pPr marL="3200400" algn="l" defTabSz="914400" rtl="0" eaLnBrk="1" latinLnBrk="0" hangingPunct="1">
+      <a:defRPr sz="1200" kern="1200">
+        <a:solidFill>
+          <a:schemeClr val="tx1"/>
+        </a:solidFill>
+        <a:latin typeface="+mn-lt"/>
+        <a:ea typeface="+mn-ea"/>
+        <a:cs typeface="+mn-cs"/>
+      </a:defRPr>
+    </a:lvl8pPr>
+    <a:lvl9pPr marL="3657600" algn="l" defTabSz="914400" rtl="0" eaLnBrk="1" latinLnBrk="0" hangingPunct="1">
+      <a:defRPr sz="1200" kern="1200">
+        <a:solidFill>
+          <a:schemeClr val="tx1"/>
+        </a:solidFill>
+        <a:latin typeface="+mn-lt"/>
+        <a:ea typeface="+mn-ea"/>
+        <a:cs typeface="+mn-cs"/>
+      </a:defRPr>
+    </a:lvl9pPr>
+  </p:notesStyle>
+</p:notesMaster>
+</file>
+
+<file path=ppt/notesSlides/notesSlide1.xml><?xml version="1.0" encoding="utf-8"?>
+<p:notes xmlns:a="http://schemas.openxmlformats.org/drawingml/2006/main" xmlns:r="http://schemas.openxmlformats.org/officeDocument/2006/relationships" xmlns:p="http://schemas.openxmlformats.org/presentationml/2006/main">
+  <p:cSld>
+    <p:spTree>
+      <p:nvGrpSpPr>
+        <p:cNvPr id="1" name=""/>
+        <p:cNvGrpSpPr/>
+        <p:nvPr/>
+      </p:nvGrpSpPr>
+      <p:grpSpPr>
+        <a:xfrm>
+          <a:off x="0" y="0"/>
+          <a:ext cx="0" cy="0"/>
+          <a:chOff x="0" y="0"/>
+          <a:chExt cx="0" cy="0"/>
+        </a:xfrm>
+      </p:grpSpPr>
+      <p:sp>
+        <p:nvSpPr>
+          <p:cNvPr id="2" name="Slide Image Placeholder 1"/>
+          <p:cNvSpPr>
+            <a:spLocks noGrp="1" noRot="1" noChangeAspect="1"/>
+          </p:cNvSpPr>
+          <p:nvPr>
+            <p:ph type="sldImg"/>
+          </p:nvPr>
+        </p:nvSpPr>
+        <p:spPr/>
+      </p:sp>
+      <p:sp>
+        <p:nvSpPr>
+          <p:cNvPr id="3" name="Notes Placeholder 2"/>
+          <p:cNvSpPr>
+            <a:spLocks noGrp="1"/>
+          </p:cNvSpPr>
+          <p:nvPr>
+            <p:ph type="body" idx="1"/>
+          </p:nvPr>
+        </p:nvSpPr>
+        <p:spPr/>
+        <p:txBody>
+          <a:bodyPr/>
+          <a:lstStyle/>
+          <a:p>
+            <a:pPr algn="l"/>
+            <a:endParaRPr lang="en-US" dirty="0"/>
+          </a:p>
+        </p:txBody>
+      </p:sp>
+      <p:sp>
+        <p:nvSpPr>
+          <p:cNvPr id="4" name="Slide Number Placeholder 3"/>
+          <p:cNvSpPr>
+            <a:spLocks noGrp="1"/>
+          </p:cNvSpPr>
+          <p:nvPr>
+            <p:ph type="sldNum" sz="quarter" idx="5"/>
+          </p:nvPr>
+        </p:nvSpPr>
+        <p:spPr/>
+        <p:txBody>
+          <a:bodyPr/>
+          <a:lstStyle/>
+          <a:p>
+            <a:fld id="{A8FDC817-106E-4BF9-A5B2-12D71C6A70B5}" type="slidenum">
+              <a:rPr lang="en-US" smtClean="0"/>
+              <a:t>2</a:t>
+            </a:fld>
+            <a:endParaRPr lang="en-US"/>
+          </a:p>
+        </p:txBody>
+      </p:sp>
+    </p:spTree>
+    <p:extLst>
+      <p:ext uri="{BB962C8B-B14F-4D97-AF65-F5344CB8AC3E}">
+        <p14:creationId xmlns:p14="http://schemas.microsoft.com/office/powerpoint/2010/main" val="435401046"/>
+      </p:ext>
+    </p:extLst>
+  </p:cSld>
+  <p:clrMapOvr>
+    <a:masterClrMapping/>
+  </p:clrMapOvr>
+</p:notes>
+</file>
+
+<file path=ppt/notesSlides/notesSlide10.xml><?xml version="1.0" encoding="utf-8"?>
+<p:notes xmlns:a="http://schemas.openxmlformats.org/drawingml/2006/main" xmlns:r="http://schemas.openxmlformats.org/officeDocument/2006/relationships" xmlns:p="http://schemas.openxmlformats.org/presentationml/2006/main">
+  <p:cSld>
+    <p:spTree>
+      <p:nvGrpSpPr>
+        <p:cNvPr id="1" name=""/>
+        <p:cNvGrpSpPr/>
+        <p:nvPr/>
+      </p:nvGrpSpPr>
+      <p:grpSpPr>
+        <a:xfrm>
+          <a:off x="0" y="0"/>
+          <a:ext cx="0" cy="0"/>
+          <a:chOff x="0" y="0"/>
+          <a:chExt cx="0" cy="0"/>
+        </a:xfrm>
+      </p:grpSpPr>
+      <p:sp>
+        <p:nvSpPr>
+          <p:cNvPr id="2" name="Slide Image Placeholder 1"/>
+          <p:cNvSpPr>
+            <a:spLocks noGrp="1" noRot="1" noChangeAspect="1"/>
+          </p:cNvSpPr>
+          <p:nvPr>
+            <p:ph type="sldImg"/>
+          </p:nvPr>
+        </p:nvSpPr>
+        <p:spPr/>
+      </p:sp>
+      <p:sp>
+        <p:nvSpPr>
+          <p:cNvPr id="3" name="Notes Placeholder 2"/>
+          <p:cNvSpPr>
+            <a:spLocks noGrp="1"/>
+          </p:cNvSpPr>
+          <p:nvPr>
+            <p:ph type="body" idx="1"/>
+          </p:nvPr>
+        </p:nvSpPr>
+        <p:spPr/>
+        <p:txBody>
+          <a:bodyPr/>
+          <a:lstStyle/>
+          <a:p>
+            <a:pPr algn="l"/>
+            <a:r>
+              <a:rPr lang="en-US" sz="1800" b="0" i="0" u="none" strike="noStrike" baseline="0" dirty="0">
+                <a:latin typeface="AdvOTdd63dae3"/>
+              </a:rPr>
+              <a:t>For each voxel, read-out heads were</a:t>
+            </a:r>
+          </a:p>
+          <a:p>
+            <a:pPr algn="l"/>
+            <a:r>
+              <a:rPr lang="en-US" sz="1800" b="0" i="0" u="none" strike="noStrike" baseline="0" dirty="0">
+                <a:latin typeface="AdvOTdd63dae3"/>
+              </a:rPr>
+              <a:t>permitted to sample from all layers of the DNN, thus giving encoding</a:t>
+            </a:r>
+          </a:p>
+          <a:p>
+            <a:pPr algn="l"/>
+            <a:r>
+              <a:rPr lang="en-US" sz="1800" b="0" i="0" u="none" strike="noStrike" baseline="0" dirty="0">
+                <a:latin typeface="AdvOTdd63dae3"/>
+              </a:rPr>
+              <a:t>models the </a:t>
+            </a:r>
+            <a:r>
+              <a:rPr lang="en-US" sz="1800" b="0" i="0" u="none" strike="noStrike" baseline="0" dirty="0">
+                <a:latin typeface="AdvOTdd63dae3+fb"/>
+              </a:rPr>
+              <a:t>fl</a:t>
+            </a:r>
+            <a:r>
+              <a:rPr lang="en-US" sz="1800" b="0" i="0" u="none" strike="noStrike" baseline="0" dirty="0">
+                <a:latin typeface="AdvOTdd63dae3"/>
+              </a:rPr>
+              <a:t>exibility to learn representations that formed whatever</a:t>
+            </a:r>
+          </a:p>
+          <a:p>
+            <a:pPr algn="l"/>
+            <a:r>
+              <a:rPr lang="en-US" sz="1800" b="0" i="0" u="none" strike="noStrike" baseline="0" dirty="0">
+                <a:latin typeface="AdvOTdd63dae3"/>
+              </a:rPr>
+              <a:t>kind of hierarchy was needed to most accurately predict brain activity.</a:t>
+            </a:r>
+            <a:endParaRPr lang="en-US" dirty="0"/>
+          </a:p>
+        </p:txBody>
+      </p:sp>
+      <p:sp>
+        <p:nvSpPr>
+          <p:cNvPr id="4" name="Slide Number Placeholder 3"/>
+          <p:cNvSpPr>
+            <a:spLocks noGrp="1"/>
+          </p:cNvSpPr>
+          <p:nvPr>
+            <p:ph type="sldNum" sz="quarter" idx="5"/>
+          </p:nvPr>
+        </p:nvSpPr>
+        <p:spPr/>
+        <p:txBody>
+          <a:bodyPr/>
+          <a:lstStyle/>
+          <a:p>
+            <a:fld id="{A8FDC817-106E-4BF9-A5B2-12D71C6A70B5}" type="slidenum">
+              <a:rPr lang="en-US" smtClean="0"/>
+              <a:t>11</a:t>
+            </a:fld>
+            <a:endParaRPr lang="en-US"/>
+          </a:p>
+        </p:txBody>
+      </p:sp>
+    </p:spTree>
+    <p:extLst>
+      <p:ext uri="{BB962C8B-B14F-4D97-AF65-F5344CB8AC3E}">
+        <p14:creationId xmlns:p14="http://schemas.microsoft.com/office/powerpoint/2010/main" val="2250526722"/>
+      </p:ext>
+    </p:extLst>
+  </p:cSld>
+  <p:clrMapOvr>
+    <a:masterClrMapping/>
+  </p:clrMapOvr>
+</p:notes>
+</file>
+
+<file path=ppt/notesSlides/notesSlide11.xml><?xml version="1.0" encoding="utf-8"?>
+<p:notes xmlns:a="http://schemas.openxmlformats.org/drawingml/2006/main" xmlns:r="http://schemas.openxmlformats.org/officeDocument/2006/relationships" xmlns:p="http://schemas.openxmlformats.org/presentationml/2006/main">
+  <p:cSld>
+    <p:spTree>
+      <p:nvGrpSpPr>
+        <p:cNvPr id="1" name=""/>
+        <p:cNvGrpSpPr/>
+        <p:nvPr/>
+      </p:nvGrpSpPr>
+      <p:grpSpPr>
+        <a:xfrm>
+          <a:off x="0" y="0"/>
+          <a:ext cx="0" cy="0"/>
+          <a:chOff x="0" y="0"/>
+          <a:chExt cx="0" cy="0"/>
+        </a:xfrm>
+      </p:grpSpPr>
+      <p:sp>
+        <p:nvSpPr>
+          <p:cNvPr id="2" name="Slide Image Placeholder 1"/>
+          <p:cNvSpPr>
+            <a:spLocks noGrp="1" noRot="1" noChangeAspect="1"/>
+          </p:cNvSpPr>
+          <p:nvPr>
+            <p:ph type="sldImg"/>
+          </p:nvPr>
+        </p:nvSpPr>
+        <p:spPr/>
+      </p:sp>
+      <p:sp>
+        <p:nvSpPr>
+          <p:cNvPr id="3" name="Notes Placeholder 2"/>
+          <p:cNvSpPr>
+            <a:spLocks noGrp="1"/>
+          </p:cNvSpPr>
+          <p:nvPr>
+            <p:ph type="body" idx="1"/>
+          </p:nvPr>
+        </p:nvSpPr>
+        <p:spPr/>
+        <p:txBody>
+          <a:bodyPr/>
+          <a:lstStyle/>
+          <a:p>
+            <a:r>
+              <a:rPr lang="en-US" dirty="0"/>
+              <a:t>P is prediction, right?</a:t>
+            </a:r>
+          </a:p>
+        </p:txBody>
+      </p:sp>
+      <p:sp>
+        <p:nvSpPr>
+          <p:cNvPr id="4" name="Slide Number Placeholder 3"/>
+          <p:cNvSpPr>
+            <a:spLocks noGrp="1"/>
+          </p:cNvSpPr>
+          <p:nvPr>
+            <p:ph type="sldNum" sz="quarter" idx="5"/>
+          </p:nvPr>
+        </p:nvSpPr>
+        <p:spPr/>
+        <p:txBody>
+          <a:bodyPr/>
+          <a:lstStyle/>
+          <a:p>
+            <a:fld id="{A8FDC817-106E-4BF9-A5B2-12D71C6A70B5}" type="slidenum">
+              <a:rPr lang="en-US" smtClean="0"/>
+              <a:t>12</a:t>
+            </a:fld>
+            <a:endParaRPr lang="en-US"/>
+          </a:p>
+        </p:txBody>
+      </p:sp>
+    </p:spTree>
+    <p:extLst>
+      <p:ext uri="{BB962C8B-B14F-4D97-AF65-F5344CB8AC3E}">
+        <p14:creationId xmlns:p14="http://schemas.microsoft.com/office/powerpoint/2010/main" val="3379888384"/>
+      </p:ext>
+    </p:extLst>
+  </p:cSld>
+  <p:clrMapOvr>
+    <a:masterClrMapping/>
+  </p:clrMapOvr>
+</p:notes>
+</file>
+
+<file path=ppt/notesSlides/notesSlide12.xml><?xml version="1.0" encoding="utf-8"?>
+<p:notes xmlns:a="http://schemas.openxmlformats.org/drawingml/2006/main" xmlns:r="http://schemas.openxmlformats.org/officeDocument/2006/relationships" xmlns:p="http://schemas.openxmlformats.org/presentationml/2006/main">
+  <p:cSld>
+    <p:spTree>
+      <p:nvGrpSpPr>
+        <p:cNvPr id="1" name=""/>
+        <p:cNvGrpSpPr/>
+        <p:nvPr/>
+      </p:nvGrpSpPr>
+      <p:grpSpPr>
+        <a:xfrm>
+          <a:off x="0" y="0"/>
+          <a:ext cx="0" cy="0"/>
+          <a:chOff x="0" y="0"/>
+          <a:chExt cx="0" cy="0"/>
+        </a:xfrm>
+      </p:grpSpPr>
+      <p:sp>
+        <p:nvSpPr>
+          <p:cNvPr id="2" name="Slide Image Placeholder 1"/>
+          <p:cNvSpPr>
+            <a:spLocks noGrp="1" noRot="1" noChangeAspect="1"/>
+          </p:cNvSpPr>
+          <p:nvPr>
+            <p:ph type="sldImg"/>
+          </p:nvPr>
+        </p:nvSpPr>
+        <p:spPr/>
+      </p:sp>
+      <p:sp>
+        <p:nvSpPr>
+          <p:cNvPr id="3" name="Notes Placeholder 2"/>
+          <p:cNvSpPr>
+            <a:spLocks noGrp="1"/>
+          </p:cNvSpPr>
+          <p:nvPr>
+            <p:ph type="body" idx="1"/>
+          </p:nvPr>
+        </p:nvSpPr>
+        <p:spPr/>
+        <p:txBody>
+          <a:bodyPr/>
+          <a:lstStyle/>
+          <a:p>
+            <a:r>
+              <a:rPr lang="en-US" dirty="0" err="1"/>
+              <a:t>Xt</a:t>
+            </a:r>
+            <a:r>
+              <a:rPr lang="en-US" dirty="0"/>
+              <a:t> = stimulus for trial t</a:t>
+            </a:r>
+          </a:p>
+          <a:p>
+            <a:r>
+              <a:rPr lang="en-US" dirty="0"/>
+              <a:t>Eta layers</a:t>
+            </a:r>
+          </a:p>
+          <a:p>
+            <a:r>
+              <a:rPr lang="en-US" dirty="0"/>
+              <a:t>G is the pooling field for each voxel, size as position selected from a fixed grid of candidates</a:t>
+            </a:r>
+          </a:p>
+          <a:p>
+            <a:r>
+              <a:rPr lang="en-US" dirty="0"/>
+              <a:t>Grey boxes are feature maps, which are multiplied and summed to obtain a single value for each voxel</a:t>
+            </a:r>
+          </a:p>
+          <a:p>
+            <a:r>
+              <a:rPr lang="en-US" dirty="0"/>
+              <a:t>These are multiplied by weight and biases to get a prediction </a:t>
+            </a:r>
+            <a:r>
+              <a:rPr lang="en-US" dirty="0" err="1"/>
+              <a:t>r_tv</a:t>
+            </a:r>
+            <a:r>
+              <a:rPr lang="en-US" dirty="0"/>
+              <a:t> for brain activity on the trial</a:t>
+            </a:r>
+          </a:p>
+        </p:txBody>
+      </p:sp>
+      <p:sp>
+        <p:nvSpPr>
+          <p:cNvPr id="4" name="Slide Number Placeholder 3"/>
+          <p:cNvSpPr>
+            <a:spLocks noGrp="1"/>
+          </p:cNvSpPr>
+          <p:nvPr>
+            <p:ph type="sldNum" sz="quarter" idx="5"/>
+          </p:nvPr>
+        </p:nvSpPr>
+        <p:spPr/>
+        <p:txBody>
+          <a:bodyPr/>
+          <a:lstStyle/>
+          <a:p>
+            <a:fld id="{A8FDC817-106E-4BF9-A5B2-12D71C6A70B5}" type="slidenum">
+              <a:rPr lang="en-US" smtClean="0"/>
+              <a:t>13</a:t>
+            </a:fld>
+            <a:endParaRPr lang="en-US"/>
+          </a:p>
+        </p:txBody>
+      </p:sp>
+    </p:spTree>
+    <p:extLst>
+      <p:ext uri="{BB962C8B-B14F-4D97-AF65-F5344CB8AC3E}">
+        <p14:creationId xmlns:p14="http://schemas.microsoft.com/office/powerpoint/2010/main" val="4087956710"/>
+      </p:ext>
+    </p:extLst>
+  </p:cSld>
+  <p:clrMapOvr>
+    <a:masterClrMapping/>
+  </p:clrMapOvr>
+</p:notes>
+</file>
+
+<file path=ppt/notesSlides/notesSlide13.xml><?xml version="1.0" encoding="utf-8"?>
+<p:notes xmlns:a="http://schemas.openxmlformats.org/drawingml/2006/main" xmlns:r="http://schemas.openxmlformats.org/officeDocument/2006/relationships" xmlns:p="http://schemas.openxmlformats.org/presentationml/2006/main">
+  <p:cSld>
+    <p:spTree>
+      <p:nvGrpSpPr>
+        <p:cNvPr id="1" name=""/>
+        <p:cNvGrpSpPr/>
+        <p:nvPr/>
+      </p:nvGrpSpPr>
+      <p:grpSpPr>
+        <a:xfrm>
+          <a:off x="0" y="0"/>
+          <a:ext cx="0" cy="0"/>
+          <a:chOff x="0" y="0"/>
+          <a:chExt cx="0" cy="0"/>
+        </a:xfrm>
+      </p:grpSpPr>
+      <p:sp>
+        <p:nvSpPr>
+          <p:cNvPr id="2" name="Slide Image Placeholder 1"/>
+          <p:cNvSpPr>
+            <a:spLocks noGrp="1" noRot="1" noChangeAspect="1"/>
+          </p:cNvSpPr>
+          <p:nvPr>
+            <p:ph type="sldImg"/>
+          </p:nvPr>
+        </p:nvSpPr>
+        <p:spPr/>
+      </p:sp>
+      <p:sp>
+        <p:nvSpPr>
+          <p:cNvPr id="3" name="Notes Placeholder 2"/>
+          <p:cNvSpPr>
+            <a:spLocks noGrp="1"/>
+          </p:cNvSpPr>
+          <p:nvPr>
+            <p:ph type="body" idx="1"/>
+          </p:nvPr>
+        </p:nvSpPr>
+        <p:spPr/>
+        <p:txBody>
+          <a:bodyPr/>
+          <a:lstStyle/>
+          <a:p>
+            <a:r>
+              <a:rPr lang="en-US" dirty="0" err="1"/>
+              <a:t>Gpf</a:t>
+            </a:r>
+            <a:r>
+              <a:rPr lang="en-US" dirty="0"/>
+              <a:t> = gaussian pooling field</a:t>
+            </a:r>
+          </a:p>
+          <a:p>
+            <a:r>
+              <a:rPr lang="en-US" dirty="0" err="1"/>
+              <a:t>Fpf</a:t>
+            </a:r>
+            <a:r>
+              <a:rPr lang="en-US" dirty="0"/>
+              <a:t> = flexible pooling field</a:t>
+            </a:r>
+          </a:p>
+        </p:txBody>
+      </p:sp>
+      <p:sp>
+        <p:nvSpPr>
+          <p:cNvPr id="4" name="Slide Number Placeholder 3"/>
+          <p:cNvSpPr>
+            <a:spLocks noGrp="1"/>
+          </p:cNvSpPr>
+          <p:nvPr>
+            <p:ph type="sldNum" sz="quarter" idx="5"/>
+          </p:nvPr>
+        </p:nvSpPr>
+        <p:spPr/>
+        <p:txBody>
+          <a:bodyPr/>
+          <a:lstStyle/>
+          <a:p>
+            <a:fld id="{A8FDC817-106E-4BF9-A5B2-12D71C6A70B5}" type="slidenum">
+              <a:rPr lang="en-US" smtClean="0"/>
+              <a:t>14</a:t>
+            </a:fld>
+            <a:endParaRPr lang="en-US"/>
+          </a:p>
+        </p:txBody>
+      </p:sp>
+    </p:spTree>
+    <p:extLst>
+      <p:ext uri="{BB962C8B-B14F-4D97-AF65-F5344CB8AC3E}">
+        <p14:creationId xmlns:p14="http://schemas.microsoft.com/office/powerpoint/2010/main" val="856299702"/>
+      </p:ext>
+    </p:extLst>
+  </p:cSld>
+  <p:clrMapOvr>
+    <a:masterClrMapping/>
+  </p:clrMapOvr>
+</p:notes>
+</file>
+
+<file path=ppt/notesSlides/notesSlide14.xml><?xml version="1.0" encoding="utf-8"?>
+<p:notes xmlns:a="http://schemas.openxmlformats.org/drawingml/2006/main" xmlns:r="http://schemas.openxmlformats.org/officeDocument/2006/relationships" xmlns:p="http://schemas.openxmlformats.org/presentationml/2006/main">
+  <p:cSld>
+    <p:spTree>
+      <p:nvGrpSpPr>
+        <p:cNvPr id="1" name=""/>
+        <p:cNvGrpSpPr/>
+        <p:nvPr/>
+      </p:nvGrpSpPr>
+      <p:grpSpPr>
+        <a:xfrm>
+          <a:off x="0" y="0"/>
+          <a:ext cx="0" cy="0"/>
+          <a:chOff x="0" y="0"/>
+          <a:chExt cx="0" cy="0"/>
+        </a:xfrm>
+      </p:grpSpPr>
+      <p:sp>
+        <p:nvSpPr>
+          <p:cNvPr id="2" name="Slide Image Placeholder 1"/>
+          <p:cNvSpPr>
+            <a:spLocks noGrp="1" noRot="1" noChangeAspect="1"/>
+          </p:cNvSpPr>
+          <p:nvPr>
+            <p:ph type="sldImg"/>
+          </p:nvPr>
+        </p:nvSpPr>
+        <p:spPr/>
+      </p:sp>
+      <p:sp>
+        <p:nvSpPr>
+          <p:cNvPr id="3" name="Notes Placeholder 2"/>
+          <p:cNvSpPr>
+            <a:spLocks noGrp="1"/>
+          </p:cNvSpPr>
+          <p:nvPr>
+            <p:ph type="body" idx="1"/>
+          </p:nvPr>
+        </p:nvSpPr>
+        <p:spPr/>
+        <p:txBody>
+          <a:bodyPr/>
+          <a:lstStyle/>
+          <a:p>
+            <a:r>
+              <a:rPr lang="en-US" b="0" i="0" dirty="0">
+                <a:solidFill>
+                  <a:srgbClr val="ECECEC"/>
+                </a:solidFill>
+                <a:effectLst/>
+                <a:highlight>
+                  <a:srgbClr val="212121"/>
+                </a:highlight>
+                <a:latin typeface="Söhne"/>
+              </a:rPr>
+              <a:t>Noise ceiling: upper limit of model performance determined by the inherent noise in the data</a:t>
+            </a:r>
+            <a:endParaRPr lang="en-US" dirty="0"/>
+          </a:p>
+          <a:p>
+            <a:endParaRPr lang="en-US" dirty="0"/>
+          </a:p>
+          <a:p>
+            <a:r>
+              <a:rPr lang="en-US" dirty="0"/>
+              <a:t>The takeaway at this point in the paper is that the </a:t>
+            </a:r>
+            <a:r>
+              <a:rPr lang="en-US" dirty="0" err="1"/>
+              <a:t>Gnet</a:t>
+            </a:r>
+            <a:r>
+              <a:rPr lang="en-US" dirty="0"/>
+              <a:t> model outperforms </a:t>
+            </a:r>
+            <a:r>
+              <a:rPr lang="en-US" dirty="0" err="1"/>
+              <a:t>Alexnet</a:t>
+            </a:r>
+            <a:r>
+              <a:rPr lang="en-US" dirty="0"/>
+              <a:t> and is a trustworthy tool for predicting stimulus-triggered brain activity </a:t>
+            </a:r>
+          </a:p>
+          <a:p>
+            <a:endParaRPr lang="en-US" dirty="0"/>
+          </a:p>
+          <a:p>
+            <a:r>
+              <a:rPr lang="en-US" dirty="0" err="1"/>
+              <a:t>Poportion</a:t>
+            </a:r>
+            <a:r>
+              <a:rPr lang="en-US" dirty="0"/>
+              <a:t> of </a:t>
+            </a:r>
+            <a:r>
+              <a:rPr lang="en-US" dirty="0" err="1"/>
+              <a:t>exaplainable</a:t>
+            </a:r>
+            <a:r>
+              <a:rPr lang="en-US" dirty="0"/>
+              <a:t> variance explained = R^2_model/R^2_noiseceiling</a:t>
+            </a:r>
+          </a:p>
+          <a:p>
+            <a:endParaRPr lang="en-US" dirty="0"/>
+          </a:p>
+          <a:p>
+            <a:r>
+              <a:rPr lang="en-US" dirty="0"/>
+              <a:t>Gabor wavelet model is a control</a:t>
+            </a:r>
+          </a:p>
+          <a:p>
+            <a:endParaRPr lang="en-US" dirty="0"/>
+          </a:p>
+          <a:p>
+            <a:r>
+              <a:rPr lang="en-US" dirty="0"/>
+              <a:t>We conclude that our encoding models based upon brain</a:t>
+            </a:r>
+          </a:p>
+          <a:p>
+            <a:r>
+              <a:rPr lang="en-US" dirty="0"/>
+              <a:t>Optimized networks are as trustworthy a tool for testing hypotheses</a:t>
+            </a:r>
+          </a:p>
+          <a:p>
+            <a:r>
+              <a:rPr lang="en-US" dirty="0"/>
+              <a:t>about representations encoded in human brain activity as any currently</a:t>
+            </a:r>
+          </a:p>
+          <a:p>
+            <a:r>
+              <a:rPr lang="en-US" dirty="0"/>
+              <a:t>existing network-based encoding model</a:t>
+            </a:r>
+          </a:p>
+          <a:p>
+            <a:endParaRPr lang="en-US" dirty="0"/>
+          </a:p>
+          <a:p>
+            <a:r>
+              <a:rPr lang="en-US" dirty="0"/>
+              <a:t>What is </a:t>
+            </a:r>
+            <a:r>
+              <a:rPr lang="en-US" dirty="0" err="1"/>
+              <a:t>gpf</a:t>
+            </a:r>
+            <a:r>
+              <a:rPr lang="en-US" dirty="0"/>
+              <a:t> and </a:t>
+            </a:r>
+            <a:r>
+              <a:rPr lang="en-US" dirty="0" err="1"/>
+              <a:t>fpf</a:t>
+            </a:r>
+            <a:r>
+              <a:rPr lang="en-US" dirty="0"/>
+              <a:t>?: gaussian pooling field and flexible pooling field</a:t>
+            </a:r>
+          </a:p>
+        </p:txBody>
+      </p:sp>
+      <p:sp>
+        <p:nvSpPr>
+          <p:cNvPr id="4" name="Slide Number Placeholder 3"/>
+          <p:cNvSpPr>
+            <a:spLocks noGrp="1"/>
+          </p:cNvSpPr>
+          <p:nvPr>
+            <p:ph type="sldNum" sz="quarter" idx="5"/>
+          </p:nvPr>
+        </p:nvSpPr>
+        <p:spPr/>
+        <p:txBody>
+          <a:bodyPr/>
+          <a:lstStyle/>
+          <a:p>
+            <a:fld id="{A8FDC817-106E-4BF9-A5B2-12D71C6A70B5}" type="slidenum">
+              <a:rPr lang="en-US" smtClean="0"/>
+              <a:t>15</a:t>
+            </a:fld>
+            <a:endParaRPr lang="en-US"/>
+          </a:p>
+        </p:txBody>
+      </p:sp>
+    </p:spTree>
+    <p:extLst>
+      <p:ext uri="{BB962C8B-B14F-4D97-AF65-F5344CB8AC3E}">
+        <p14:creationId xmlns:p14="http://schemas.microsoft.com/office/powerpoint/2010/main" val="2795279614"/>
+      </p:ext>
+    </p:extLst>
+  </p:cSld>
+  <p:clrMapOvr>
+    <a:masterClrMapping/>
+  </p:clrMapOvr>
+</p:notes>
+</file>
+
+<file path=ppt/notesSlides/notesSlide15.xml><?xml version="1.0" encoding="utf-8"?>
+<p:notes xmlns:a="http://schemas.openxmlformats.org/drawingml/2006/main" xmlns:r="http://schemas.openxmlformats.org/officeDocument/2006/relationships" xmlns:p="http://schemas.openxmlformats.org/presentationml/2006/main">
+  <p:cSld>
+    <p:spTree>
+      <p:nvGrpSpPr>
+        <p:cNvPr id="1" name=""/>
+        <p:cNvGrpSpPr/>
+        <p:nvPr/>
+      </p:nvGrpSpPr>
+      <p:grpSpPr>
+        <a:xfrm>
+          <a:off x="0" y="0"/>
+          <a:ext cx="0" cy="0"/>
+          <a:chOff x="0" y="0"/>
+          <a:chExt cx="0" cy="0"/>
+        </a:xfrm>
+      </p:grpSpPr>
+      <p:sp>
+        <p:nvSpPr>
+          <p:cNvPr id="2" name="Slide Image Placeholder 1"/>
+          <p:cNvSpPr>
+            <a:spLocks noGrp="1" noRot="1" noChangeAspect="1"/>
+          </p:cNvSpPr>
+          <p:nvPr>
+            <p:ph type="sldImg"/>
+          </p:nvPr>
+        </p:nvSpPr>
+        <p:spPr/>
+      </p:sp>
+      <p:sp>
+        <p:nvSpPr>
+          <p:cNvPr id="3" name="Notes Placeholder 2"/>
+          <p:cNvSpPr>
+            <a:spLocks noGrp="1"/>
+          </p:cNvSpPr>
+          <p:nvPr>
+            <p:ph type="body" idx="1"/>
+          </p:nvPr>
+        </p:nvSpPr>
+        <p:spPr/>
+        <p:txBody>
+          <a:bodyPr/>
+          <a:lstStyle/>
+          <a:p>
+            <a:r>
+              <a:rPr lang="en-US" dirty="0"/>
+              <a:t>The relationship between DNN architecture and representation can be quite tenuous: Fig 4 shows that DNNs with very different architectures (jointly trained versus ROI-trained)</a:t>
+            </a:r>
+          </a:p>
+          <a:p>
+            <a:r>
+              <a:rPr lang="en-US" dirty="0"/>
+              <a:t>and objective functions yield nearly identical accuracy when read-out into predictions of brain activity. Though it’s worth nothing that win rate was 68.9% in V4</a:t>
+            </a:r>
+          </a:p>
+          <a:p>
+            <a:endParaRPr lang="en-US" dirty="0"/>
+          </a:p>
+          <a:p>
+            <a:pPr algn="l"/>
+            <a:r>
+              <a:rPr lang="en-US" dirty="0"/>
+              <a:t>From text: “</a:t>
+            </a:r>
+            <a:r>
+              <a:rPr lang="en-US" sz="1800" b="0" i="0" u="none" strike="noStrike" baseline="0" dirty="0">
+                <a:latin typeface="AdvOTdd63dae3"/>
+              </a:rPr>
+              <a:t>although GNet8r and GNet8j have very different architecture, they are equally plausible models of </a:t>
+            </a:r>
+            <a:r>
+              <a:rPr lang="en-US" sz="1800" b="0" i="0" u="none" strike="noStrike" baseline="0" dirty="0">
+                <a:latin typeface="AdvOTcc1f6510.I"/>
+              </a:rPr>
+              <a:t>representation </a:t>
+            </a:r>
+            <a:r>
+              <a:rPr lang="en-US" sz="1800" b="0" i="0" u="none" strike="noStrike" baseline="0" dirty="0">
+                <a:latin typeface="AdvOTdd63dae3"/>
+              </a:rPr>
+              <a:t>in V1</a:t>
+            </a:r>
+            <a:r>
+              <a:rPr lang="en-US" sz="1800" b="0" i="0" u="none" strike="noStrike" baseline="0" dirty="0">
+                <a:latin typeface="AdvOTdd63dae3+20"/>
+              </a:rPr>
+              <a:t>–</a:t>
+            </a:r>
+            <a:r>
+              <a:rPr lang="en-US" sz="1800" b="0" i="0" u="none" strike="noStrike" baseline="0" dirty="0">
+                <a:latin typeface="AdvOTdd63dae3"/>
+              </a:rPr>
+              <a:t>V4”</a:t>
+            </a:r>
+            <a:endParaRPr lang="en-US" dirty="0"/>
+          </a:p>
+          <a:p>
+            <a:r>
+              <a:rPr lang="en-US" dirty="0" err="1"/>
+              <a:t>Fpf</a:t>
+            </a:r>
+            <a:r>
+              <a:rPr lang="en-US" dirty="0"/>
+              <a:t> = flexible pooling field</a:t>
+            </a:r>
+          </a:p>
+        </p:txBody>
+      </p:sp>
+      <p:sp>
+        <p:nvSpPr>
+          <p:cNvPr id="4" name="Slide Number Placeholder 3"/>
+          <p:cNvSpPr>
+            <a:spLocks noGrp="1"/>
+          </p:cNvSpPr>
+          <p:nvPr>
+            <p:ph type="sldNum" sz="quarter" idx="5"/>
+          </p:nvPr>
+        </p:nvSpPr>
+        <p:spPr/>
+        <p:txBody>
+          <a:bodyPr/>
+          <a:lstStyle/>
+          <a:p>
+            <a:fld id="{A8FDC817-106E-4BF9-A5B2-12D71C6A70B5}" type="slidenum">
+              <a:rPr lang="en-US" smtClean="0"/>
+              <a:t>16</a:t>
+            </a:fld>
+            <a:endParaRPr lang="en-US"/>
+          </a:p>
+        </p:txBody>
+      </p:sp>
+    </p:spTree>
+    <p:extLst>
+      <p:ext uri="{BB962C8B-B14F-4D97-AF65-F5344CB8AC3E}">
+        <p14:creationId xmlns:p14="http://schemas.microsoft.com/office/powerpoint/2010/main" val="3332932732"/>
+      </p:ext>
+    </p:extLst>
+  </p:cSld>
+  <p:clrMapOvr>
+    <a:masterClrMapping/>
+  </p:clrMapOvr>
+</p:notes>
+</file>
+
+<file path=ppt/notesSlides/notesSlide16.xml><?xml version="1.0" encoding="utf-8"?>
+<p:notes xmlns:a="http://schemas.openxmlformats.org/drawingml/2006/main" xmlns:r="http://schemas.openxmlformats.org/officeDocument/2006/relationships" xmlns:p="http://schemas.openxmlformats.org/presentationml/2006/main">
+  <p:cSld>
+    <p:spTree>
+      <p:nvGrpSpPr>
+        <p:cNvPr id="1" name=""/>
+        <p:cNvGrpSpPr/>
+        <p:nvPr/>
+      </p:nvGrpSpPr>
+      <p:grpSpPr>
+        <a:xfrm>
+          <a:off x="0" y="0"/>
+          <a:ext cx="0" cy="0"/>
+          <a:chOff x="0" y="0"/>
+          <a:chExt cx="0" cy="0"/>
+        </a:xfrm>
+      </p:grpSpPr>
+      <p:sp>
+        <p:nvSpPr>
+          <p:cNvPr id="2" name="Slide Image Placeholder 1"/>
+          <p:cNvSpPr>
+            <a:spLocks noGrp="1" noRot="1" noChangeAspect="1"/>
+          </p:cNvSpPr>
+          <p:nvPr>
+            <p:ph type="sldImg"/>
+          </p:nvPr>
+        </p:nvSpPr>
+        <p:spPr/>
+      </p:sp>
+      <p:sp>
+        <p:nvSpPr>
+          <p:cNvPr id="3" name="Notes Placeholder 2"/>
+          <p:cNvSpPr>
+            <a:spLocks noGrp="1"/>
+          </p:cNvSpPr>
+          <p:nvPr>
+            <p:ph type="body" idx="1"/>
+          </p:nvPr>
+        </p:nvSpPr>
+        <p:spPr/>
+        <p:txBody>
+          <a:bodyPr/>
+          <a:lstStyle/>
+          <a:p>
+            <a:r>
+              <a:rPr lang="en-US" dirty="0"/>
+              <a:t>Retinotopic maps reconstructed, maybe get the grid search image</a:t>
+            </a:r>
+          </a:p>
+        </p:txBody>
+      </p:sp>
+      <p:sp>
+        <p:nvSpPr>
+          <p:cNvPr id="4" name="Slide Number Placeholder 3"/>
+          <p:cNvSpPr>
+            <a:spLocks noGrp="1"/>
+          </p:cNvSpPr>
+          <p:nvPr>
+            <p:ph type="sldNum" sz="quarter" idx="5"/>
+          </p:nvPr>
+        </p:nvSpPr>
+        <p:spPr/>
+        <p:txBody>
+          <a:bodyPr/>
+          <a:lstStyle/>
+          <a:p>
+            <a:fld id="{A8FDC817-106E-4BF9-A5B2-12D71C6A70B5}" type="slidenum">
+              <a:rPr lang="en-US" smtClean="0"/>
+              <a:t>17</a:t>
+            </a:fld>
+            <a:endParaRPr lang="en-US"/>
+          </a:p>
+        </p:txBody>
+      </p:sp>
+    </p:spTree>
+    <p:extLst>
+      <p:ext uri="{BB962C8B-B14F-4D97-AF65-F5344CB8AC3E}">
+        <p14:creationId xmlns:p14="http://schemas.microsoft.com/office/powerpoint/2010/main" val="820205771"/>
+      </p:ext>
+    </p:extLst>
+  </p:cSld>
+  <p:clrMapOvr>
+    <a:masterClrMapping/>
+  </p:clrMapOvr>
+</p:notes>
+</file>
+
+<file path=ppt/notesSlides/notesSlide17.xml><?xml version="1.0" encoding="utf-8"?>
+<p:notes xmlns:a="http://schemas.openxmlformats.org/drawingml/2006/main" xmlns:r="http://schemas.openxmlformats.org/officeDocument/2006/relationships" xmlns:p="http://schemas.openxmlformats.org/presentationml/2006/main">
+  <p:cSld>
+    <p:spTree>
+      <p:nvGrpSpPr>
+        <p:cNvPr id="1" name=""/>
+        <p:cNvGrpSpPr/>
+        <p:nvPr/>
+      </p:nvGrpSpPr>
+      <p:grpSpPr>
+        <a:xfrm>
+          <a:off x="0" y="0"/>
+          <a:ext cx="0" cy="0"/>
+          <a:chOff x="0" y="0"/>
+          <a:chExt cx="0" cy="0"/>
+        </a:xfrm>
+      </p:grpSpPr>
+      <p:sp>
+        <p:nvSpPr>
+          <p:cNvPr id="2" name="Slide Image Placeholder 1"/>
+          <p:cNvSpPr>
+            <a:spLocks noGrp="1" noRot="1" noChangeAspect="1"/>
+          </p:cNvSpPr>
+          <p:nvPr>
+            <p:ph type="sldImg"/>
+          </p:nvPr>
+        </p:nvSpPr>
+        <p:spPr/>
+      </p:sp>
+      <p:sp>
+        <p:nvSpPr>
+          <p:cNvPr id="3" name="Notes Placeholder 2"/>
+          <p:cNvSpPr>
+            <a:spLocks noGrp="1"/>
+          </p:cNvSpPr>
+          <p:nvPr>
+            <p:ph type="body" idx="1"/>
+          </p:nvPr>
+        </p:nvSpPr>
+        <p:spPr/>
+        <p:txBody>
+          <a:bodyPr/>
+          <a:lstStyle/>
+          <a:p>
+            <a:r>
+              <a:rPr lang="en-US" dirty="0"/>
+              <a:t>Retinotopic maps reconstructed, maybe get the grid search image</a:t>
+            </a:r>
+          </a:p>
+        </p:txBody>
+      </p:sp>
+      <p:sp>
+        <p:nvSpPr>
+          <p:cNvPr id="4" name="Slide Number Placeholder 3"/>
+          <p:cNvSpPr>
+            <a:spLocks noGrp="1"/>
+          </p:cNvSpPr>
+          <p:nvPr>
+            <p:ph type="sldNum" sz="quarter" idx="5"/>
+          </p:nvPr>
+        </p:nvSpPr>
+        <p:spPr/>
+        <p:txBody>
+          <a:bodyPr/>
+          <a:lstStyle/>
+          <a:p>
+            <a:fld id="{A8FDC817-106E-4BF9-A5B2-12D71C6A70B5}" type="slidenum">
+              <a:rPr lang="en-US" smtClean="0"/>
+              <a:t>18</a:t>
+            </a:fld>
+            <a:endParaRPr lang="en-US"/>
+          </a:p>
+        </p:txBody>
+      </p:sp>
+    </p:spTree>
+    <p:extLst>
+      <p:ext uri="{BB962C8B-B14F-4D97-AF65-F5344CB8AC3E}">
+        <p14:creationId xmlns:p14="http://schemas.microsoft.com/office/powerpoint/2010/main" val="519902038"/>
+      </p:ext>
+    </p:extLst>
+  </p:cSld>
+  <p:clrMapOvr>
+    <a:masterClrMapping/>
+  </p:clrMapOvr>
+</p:notes>
+</file>
+
+<file path=ppt/notesSlides/notesSlide18.xml><?xml version="1.0" encoding="utf-8"?>
+<p:notes xmlns:a="http://schemas.openxmlformats.org/drawingml/2006/main" xmlns:r="http://schemas.openxmlformats.org/officeDocument/2006/relationships" xmlns:p="http://schemas.openxmlformats.org/presentationml/2006/main">
+  <p:cSld>
+    <p:spTree>
+      <p:nvGrpSpPr>
+        <p:cNvPr id="1" name=""/>
+        <p:cNvGrpSpPr/>
+        <p:nvPr/>
+      </p:nvGrpSpPr>
+      <p:grpSpPr>
+        <a:xfrm>
+          <a:off x="0" y="0"/>
+          <a:ext cx="0" cy="0"/>
+          <a:chOff x="0" y="0"/>
+          <a:chExt cx="0" cy="0"/>
+        </a:xfrm>
+      </p:grpSpPr>
+      <p:sp>
+        <p:nvSpPr>
+          <p:cNvPr id="2" name="Slide Image Placeholder 1"/>
+          <p:cNvSpPr>
+            <a:spLocks noGrp="1" noRot="1" noChangeAspect="1"/>
+          </p:cNvSpPr>
+          <p:nvPr>
+            <p:ph type="sldImg"/>
+          </p:nvPr>
+        </p:nvSpPr>
+        <p:spPr/>
+      </p:sp>
+      <p:sp>
+        <p:nvSpPr>
+          <p:cNvPr id="3" name="Notes Placeholder 2"/>
+          <p:cNvSpPr>
+            <a:spLocks noGrp="1"/>
+          </p:cNvSpPr>
+          <p:nvPr>
+            <p:ph type="body" idx="1"/>
+          </p:nvPr>
+        </p:nvSpPr>
+        <p:spPr/>
+        <p:txBody>
+          <a:bodyPr/>
+          <a:lstStyle/>
+          <a:p>
+            <a:r>
+              <a:rPr lang="en-US" dirty="0"/>
+              <a:t>The idea is that a higher node in an entailment hierarchy has all the information it needs to predict activity in a lower node. So predictions are perfect above the diagonal. On the other hand, in a completely non entailment  </a:t>
+            </a:r>
+          </a:p>
+        </p:txBody>
+      </p:sp>
+      <p:sp>
+        <p:nvSpPr>
+          <p:cNvPr id="4" name="Slide Number Placeholder 3"/>
+          <p:cNvSpPr>
+            <a:spLocks noGrp="1"/>
+          </p:cNvSpPr>
+          <p:nvPr>
+            <p:ph type="sldNum" sz="quarter" idx="5"/>
+          </p:nvPr>
+        </p:nvSpPr>
+        <p:spPr/>
+        <p:txBody>
+          <a:bodyPr/>
+          <a:lstStyle/>
+          <a:p>
+            <a:fld id="{A8FDC817-106E-4BF9-A5B2-12D71C6A70B5}" type="slidenum">
+              <a:rPr lang="en-US" smtClean="0"/>
+              <a:t>21</a:t>
+            </a:fld>
+            <a:endParaRPr lang="en-US"/>
+          </a:p>
+        </p:txBody>
+      </p:sp>
+    </p:spTree>
+    <p:extLst>
+      <p:ext uri="{BB962C8B-B14F-4D97-AF65-F5344CB8AC3E}">
+        <p14:creationId xmlns:p14="http://schemas.microsoft.com/office/powerpoint/2010/main" val="2631943829"/>
+      </p:ext>
+    </p:extLst>
+  </p:cSld>
+  <p:clrMapOvr>
+    <a:masterClrMapping/>
+  </p:clrMapOvr>
+</p:notes>
+</file>
+
+<file path=ppt/notesSlides/notesSlide2.xml><?xml version="1.0" encoding="utf-8"?>
+<p:notes xmlns:a="http://schemas.openxmlformats.org/drawingml/2006/main" xmlns:r="http://schemas.openxmlformats.org/officeDocument/2006/relationships" xmlns:p="http://schemas.openxmlformats.org/presentationml/2006/main">
+  <p:cSld>
+    <p:spTree>
+      <p:nvGrpSpPr>
+        <p:cNvPr id="1" name=""/>
+        <p:cNvGrpSpPr/>
+        <p:nvPr/>
+      </p:nvGrpSpPr>
+      <p:grpSpPr>
+        <a:xfrm>
+          <a:off x="0" y="0"/>
+          <a:ext cx="0" cy="0"/>
+          <a:chOff x="0" y="0"/>
+          <a:chExt cx="0" cy="0"/>
+        </a:xfrm>
+      </p:grpSpPr>
+      <p:sp>
+        <p:nvSpPr>
+          <p:cNvPr id="2" name="Slide Image Placeholder 1"/>
+          <p:cNvSpPr>
+            <a:spLocks noGrp="1" noRot="1" noChangeAspect="1"/>
+          </p:cNvSpPr>
+          <p:nvPr>
+            <p:ph type="sldImg"/>
+          </p:nvPr>
+        </p:nvSpPr>
+        <p:spPr/>
+      </p:sp>
+      <p:sp>
+        <p:nvSpPr>
+          <p:cNvPr id="3" name="Notes Placeholder 2"/>
+          <p:cNvSpPr>
+            <a:spLocks noGrp="1"/>
+          </p:cNvSpPr>
+          <p:nvPr>
+            <p:ph type="body" idx="1"/>
+          </p:nvPr>
+        </p:nvSpPr>
+        <p:spPr/>
+        <p:txBody>
+          <a:bodyPr/>
+          <a:lstStyle/>
+          <a:p>
+            <a:pPr algn="l"/>
+            <a:r>
+              <a:rPr lang="en-US" sz="1200" b="0" i="0" u="none" strike="noStrike" baseline="0" dirty="0">
+                <a:solidFill>
+                  <a:srgbClr val="000000"/>
+                </a:solidFill>
+                <a:latin typeface="AdvOTdd63dae3"/>
+              </a:rPr>
+              <a:t>In a </a:t>
+            </a:r>
+            <a:r>
+              <a:rPr lang="en-US" sz="1200" b="0" i="0" u="none" strike="noStrike" baseline="0" dirty="0">
+                <a:solidFill>
+                  <a:srgbClr val="000000"/>
+                </a:solidFill>
+                <a:latin typeface="AdvOTcc1f6510.I"/>
+              </a:rPr>
+              <a:t>compositional hierarchy </a:t>
+            </a:r>
+            <a:r>
+              <a:rPr lang="en-US" sz="1200" b="0" i="0" u="none" strike="noStrike" baseline="0" dirty="0">
+                <a:solidFill>
+                  <a:srgbClr val="000000"/>
+                </a:solidFill>
+                <a:latin typeface="AdvOTdd63dae3"/>
+              </a:rPr>
+              <a:t>higher-level representations require</a:t>
+            </a:r>
+          </a:p>
+          <a:p>
+            <a:pPr algn="l"/>
+            <a:r>
+              <a:rPr lang="en-US" sz="1200" b="0" i="0" u="none" strike="noStrike" baseline="0" dirty="0">
+                <a:solidFill>
+                  <a:srgbClr val="000000"/>
+                </a:solidFill>
+                <a:latin typeface="AdvOTdd63dae3"/>
+              </a:rPr>
+              <a:t>more nonlinear processing steps to compute than lower-level representations</a:t>
+            </a:r>
+          </a:p>
+          <a:p>
+            <a:pPr algn="l"/>
+            <a:r>
+              <a:rPr lang="en-US" sz="1200" b="0" i="0" u="none" strike="noStrike" baseline="0" dirty="0">
+                <a:solidFill>
+                  <a:srgbClr val="000000"/>
+                </a:solidFill>
+                <a:latin typeface="AdvOTdd63dae3"/>
+              </a:rPr>
+              <a:t>(Fig. </a:t>
+            </a:r>
+            <a:r>
+              <a:rPr lang="en-US" sz="1200" b="0" i="0" u="none" strike="noStrike" baseline="0" dirty="0">
+                <a:solidFill>
+                  <a:srgbClr val="0066CD"/>
+                </a:solidFill>
+                <a:latin typeface="AdvOTdd63dae3"/>
+              </a:rPr>
+              <a:t>1</a:t>
+            </a:r>
+            <a:r>
+              <a:rPr lang="en-US" sz="1200" b="0" i="0" u="none" strike="noStrike" baseline="0" dirty="0">
+                <a:solidFill>
+                  <a:srgbClr val="000000"/>
+                </a:solidFill>
+                <a:latin typeface="AdvOTdd63dae3"/>
+              </a:rPr>
+              <a:t>a). This kind of hierarchy has been offered as an</a:t>
+            </a:r>
+          </a:p>
+          <a:p>
+            <a:pPr algn="l"/>
+            <a:r>
+              <a:rPr lang="en-US" sz="1200" b="0" i="0" u="none" strike="noStrike" baseline="0" dirty="0">
+                <a:solidFill>
+                  <a:srgbClr val="000000"/>
+                </a:solidFill>
+                <a:latin typeface="AdvOTdd63dae3"/>
+              </a:rPr>
+              <a:t>explanation for the </a:t>
+            </a:r>
+            <a:r>
+              <a:rPr lang="en-US" sz="1200" b="0" i="0" u="none" strike="noStrike" baseline="0" dirty="0">
+                <a:solidFill>
+                  <a:srgbClr val="000000"/>
+                </a:solidFill>
+                <a:latin typeface="AdvOTdd63dae3+20"/>
+              </a:rPr>
+              <a:t>“</a:t>
+            </a:r>
+            <a:r>
+              <a:rPr lang="en-US" sz="1200" b="0" i="0" u="none" strike="noStrike" baseline="0" dirty="0">
+                <a:solidFill>
+                  <a:srgbClr val="000000"/>
+                </a:solidFill>
+                <a:latin typeface="AdvOTdd63dae3"/>
+              </a:rPr>
+              <a:t>gradient of complexity</a:t>
+            </a:r>
+            <a:r>
+              <a:rPr lang="en-US" sz="1200" b="0" i="0" u="none" strike="noStrike" baseline="0" dirty="0">
+                <a:solidFill>
+                  <a:srgbClr val="000000"/>
+                </a:solidFill>
+                <a:latin typeface="AdvOTdd63dae3+20"/>
+              </a:rPr>
+              <a:t>” </a:t>
+            </a:r>
+            <a:r>
+              <a:rPr lang="en-US" sz="1200" b="0" i="0" u="none" strike="noStrike" baseline="0" dirty="0">
+                <a:solidFill>
+                  <a:srgbClr val="000000"/>
+                </a:solidFill>
+                <a:latin typeface="AdvOTdd63dae3"/>
+              </a:rPr>
+              <a:t>of representations in the</a:t>
+            </a:r>
+          </a:p>
+          <a:p>
+            <a:pPr algn="l"/>
+            <a:r>
+              <a:rPr lang="en-US" sz="1200" b="0" i="0" u="none" strike="noStrike" baseline="0" dirty="0">
+                <a:solidFill>
+                  <a:srgbClr val="000000"/>
+                </a:solidFill>
+                <a:latin typeface="AdvOTdd63dae3"/>
+              </a:rPr>
+              <a:t>primate visual system</a:t>
+            </a:r>
+            <a:endParaRPr lang="en-US" dirty="0"/>
+          </a:p>
+          <a:p>
+            <a:endParaRPr lang="en-US" dirty="0"/>
+          </a:p>
+        </p:txBody>
+      </p:sp>
+      <p:sp>
+        <p:nvSpPr>
+          <p:cNvPr id="4" name="Slide Number Placeholder 3"/>
+          <p:cNvSpPr>
+            <a:spLocks noGrp="1"/>
+          </p:cNvSpPr>
+          <p:nvPr>
+            <p:ph type="sldNum" sz="quarter" idx="5"/>
+          </p:nvPr>
+        </p:nvSpPr>
+        <p:spPr/>
+        <p:txBody>
+          <a:bodyPr/>
+          <a:lstStyle/>
+          <a:p>
+            <a:fld id="{A8FDC817-106E-4BF9-A5B2-12D71C6A70B5}" type="slidenum">
+              <a:rPr lang="en-US" smtClean="0"/>
+              <a:t>3</a:t>
+            </a:fld>
+            <a:endParaRPr lang="en-US"/>
+          </a:p>
+        </p:txBody>
+      </p:sp>
+    </p:spTree>
+    <p:extLst>
+      <p:ext uri="{BB962C8B-B14F-4D97-AF65-F5344CB8AC3E}">
+        <p14:creationId xmlns:p14="http://schemas.microsoft.com/office/powerpoint/2010/main" val="85827541"/>
+      </p:ext>
+    </p:extLst>
+  </p:cSld>
+  <p:clrMapOvr>
+    <a:masterClrMapping/>
+  </p:clrMapOvr>
+</p:notes>
+</file>
+
+<file path=ppt/notesSlides/notesSlide3.xml><?xml version="1.0" encoding="utf-8"?>
+<p:notes xmlns:a="http://schemas.openxmlformats.org/drawingml/2006/main" xmlns:r="http://schemas.openxmlformats.org/officeDocument/2006/relationships" xmlns:p="http://schemas.openxmlformats.org/presentationml/2006/main">
+  <p:cSld>
+    <p:spTree>
+      <p:nvGrpSpPr>
+        <p:cNvPr id="1" name=""/>
+        <p:cNvGrpSpPr/>
+        <p:nvPr/>
+      </p:nvGrpSpPr>
+      <p:grpSpPr>
+        <a:xfrm>
+          <a:off x="0" y="0"/>
+          <a:ext cx="0" cy="0"/>
+          <a:chOff x="0" y="0"/>
+          <a:chExt cx="0" cy="0"/>
+        </a:xfrm>
+      </p:grpSpPr>
+      <p:sp>
+        <p:nvSpPr>
+          <p:cNvPr id="2" name="Slide Image Placeholder 1"/>
+          <p:cNvSpPr>
+            <a:spLocks noGrp="1" noRot="1" noChangeAspect="1"/>
+          </p:cNvSpPr>
+          <p:nvPr>
+            <p:ph type="sldImg"/>
+          </p:nvPr>
+        </p:nvSpPr>
+        <p:spPr/>
+      </p:sp>
+      <p:sp>
+        <p:nvSpPr>
+          <p:cNvPr id="3" name="Notes Placeholder 2"/>
+          <p:cNvSpPr>
+            <a:spLocks noGrp="1"/>
+          </p:cNvSpPr>
+          <p:nvPr>
+            <p:ph type="body" idx="1"/>
+          </p:nvPr>
+        </p:nvSpPr>
+        <p:spPr/>
+        <p:txBody>
+          <a:bodyPr/>
+          <a:lstStyle/>
+          <a:p>
+            <a:pPr algn="l"/>
+            <a:r>
+              <a:rPr lang="en-US" sz="1800" b="0" i="0" u="none" strike="noStrike" baseline="0" dirty="0">
+                <a:solidFill>
+                  <a:srgbClr val="000000"/>
+                </a:solidFill>
+                <a:latin typeface="AdvOTdd63dae3"/>
+              </a:rPr>
+              <a:t>In an </a:t>
+            </a:r>
+            <a:r>
+              <a:rPr lang="en-US" sz="1800" b="0" i="0" u="none" strike="noStrike" baseline="0" dirty="0">
+                <a:solidFill>
+                  <a:srgbClr val="000000"/>
+                </a:solidFill>
+                <a:latin typeface="AdvOTcc1f6510.I"/>
+              </a:rPr>
+              <a:t>entailment hierarchy </a:t>
+            </a:r>
+            <a:r>
+              <a:rPr lang="en-US" sz="1800" b="0" i="0" u="none" strike="noStrike" baseline="0" dirty="0">
+                <a:solidFill>
+                  <a:srgbClr val="000000"/>
+                </a:solidFill>
+                <a:latin typeface="AdvOTdd63dae3"/>
+              </a:rPr>
+              <a:t>low-level representations act as</a:t>
+            </a:r>
+          </a:p>
+          <a:p>
+            <a:pPr algn="l"/>
+            <a:r>
+              <a:rPr lang="en-US" sz="1800" b="0" i="0" u="none" strike="noStrike" baseline="0" dirty="0">
+                <a:solidFill>
+                  <a:srgbClr val="000000"/>
+                </a:solidFill>
+                <a:latin typeface="AdvOTdd63dae3"/>
+              </a:rPr>
+              <a:t>necessary pre-processing stages for higher-level representations</a:t>
+            </a:r>
+          </a:p>
+          <a:p>
+            <a:pPr algn="l"/>
+            <a:r>
+              <a:rPr lang="en-US" sz="1800" b="0" i="0" u="none" strike="noStrike" baseline="0" dirty="0">
+                <a:solidFill>
+                  <a:srgbClr val="000000"/>
+                </a:solidFill>
+                <a:latin typeface="AdvOTdd63dae3"/>
+              </a:rPr>
+              <a:t>(Fig. </a:t>
+            </a:r>
+            <a:r>
+              <a:rPr lang="en-US" sz="1800" b="0" i="0" u="none" strike="noStrike" baseline="0" dirty="0">
+                <a:solidFill>
+                  <a:srgbClr val="0066CD"/>
+                </a:solidFill>
+                <a:latin typeface="AdvOTdd63dae3"/>
+              </a:rPr>
+              <a:t>1</a:t>
+            </a:r>
+            <a:r>
+              <a:rPr lang="en-US" sz="1800" b="0" i="0" u="none" strike="noStrike" baseline="0" dirty="0">
+                <a:solidFill>
+                  <a:srgbClr val="000000"/>
+                </a:solidFill>
+                <a:latin typeface="AdvOTdd63dae3"/>
+              </a:rPr>
+              <a:t>b). We refer to this as </a:t>
+            </a:r>
+            <a:r>
+              <a:rPr lang="en-US" sz="1800" b="0" i="0" u="none" strike="noStrike" baseline="0" dirty="0">
+                <a:solidFill>
+                  <a:srgbClr val="000000"/>
+                </a:solidFill>
+                <a:latin typeface="AdvOTdd63dae3+20"/>
+              </a:rPr>
+              <a:t>“</a:t>
+            </a:r>
+            <a:r>
+              <a:rPr lang="en-US" sz="1800" b="0" i="0" u="none" strike="noStrike" baseline="0" dirty="0">
+                <a:solidFill>
+                  <a:srgbClr val="000000"/>
+                </a:solidFill>
+                <a:latin typeface="AdvOTdd63dae3"/>
+              </a:rPr>
+              <a:t>entailment</a:t>
+            </a:r>
+            <a:r>
+              <a:rPr lang="en-US" sz="1800" b="0" i="0" u="none" strike="noStrike" baseline="0" dirty="0">
+                <a:solidFill>
+                  <a:srgbClr val="000000"/>
+                </a:solidFill>
+                <a:latin typeface="AdvOTdd63dae3+20"/>
+              </a:rPr>
+              <a:t>” </a:t>
+            </a:r>
+            <a:r>
+              <a:rPr lang="en-US" sz="1800" b="0" i="0" u="none" strike="noStrike" baseline="0" dirty="0">
+                <a:solidFill>
+                  <a:srgbClr val="000000"/>
+                </a:solidFill>
+                <a:latin typeface="AdvOTdd63dae3"/>
+              </a:rPr>
+              <a:t>because it implies that a</a:t>
+            </a:r>
+          </a:p>
+          <a:p>
+            <a:pPr algn="l"/>
+            <a:r>
+              <a:rPr lang="en-US" sz="1800" b="0" i="0" u="none" strike="noStrike" baseline="0" dirty="0">
+                <a:solidFill>
+                  <a:srgbClr val="000000"/>
+                </a:solidFill>
+                <a:latin typeface="AdvOTdd63dae3"/>
+              </a:rPr>
+              <a:t>successful DNN model of a higher brain area would have to include</a:t>
+            </a:r>
+          </a:p>
+          <a:p>
+            <a:pPr algn="l"/>
+            <a:r>
+              <a:rPr lang="en-US" sz="1800" b="0" i="0" u="none" strike="noStrike" baseline="0" dirty="0">
+                <a:solidFill>
+                  <a:srgbClr val="000000"/>
+                </a:solidFill>
+                <a:latin typeface="AdvOTdd63dae3"/>
+              </a:rPr>
+              <a:t>layers that successfully model lower brain areas</a:t>
+            </a:r>
+          </a:p>
+          <a:p>
+            <a:pPr algn="l"/>
+            <a:endParaRPr lang="en-US" sz="1800" b="0" i="0" u="none" strike="noStrike" baseline="0" dirty="0">
+              <a:solidFill>
+                <a:srgbClr val="000000"/>
+              </a:solidFill>
+              <a:latin typeface="AdvOTdd63dae3"/>
+            </a:endParaRPr>
+          </a:p>
+          <a:p>
+            <a:pPr algn="l"/>
+            <a:r>
+              <a:rPr lang="en-US" sz="1800" b="0" i="0" u="none" strike="noStrike" baseline="0" dirty="0">
+                <a:solidFill>
+                  <a:srgbClr val="000000"/>
+                </a:solidFill>
+                <a:latin typeface="AdvOTdd63dae3"/>
+              </a:rPr>
+              <a:t>One of the main pieces of evidence that the primate visual system is an entailment hierarchy is that lesioning primary visual cortex reduces activity in higher areas.</a:t>
+            </a:r>
+            <a:endParaRPr lang="en-US" dirty="0"/>
+          </a:p>
+        </p:txBody>
+      </p:sp>
+      <p:sp>
+        <p:nvSpPr>
+          <p:cNvPr id="4" name="Slide Number Placeholder 3"/>
+          <p:cNvSpPr>
+            <a:spLocks noGrp="1"/>
+          </p:cNvSpPr>
+          <p:nvPr>
+            <p:ph type="sldNum" sz="quarter" idx="5"/>
+          </p:nvPr>
+        </p:nvSpPr>
+        <p:spPr/>
+        <p:txBody>
+          <a:bodyPr/>
+          <a:lstStyle/>
+          <a:p>
+            <a:fld id="{A8FDC817-106E-4BF9-A5B2-12D71C6A70B5}" type="slidenum">
+              <a:rPr lang="en-US" smtClean="0"/>
+              <a:t>4</a:t>
+            </a:fld>
+            <a:endParaRPr lang="en-US"/>
+          </a:p>
+        </p:txBody>
+      </p:sp>
+    </p:spTree>
+    <p:extLst>
+      <p:ext uri="{BB962C8B-B14F-4D97-AF65-F5344CB8AC3E}">
+        <p14:creationId xmlns:p14="http://schemas.microsoft.com/office/powerpoint/2010/main" val="14128009"/>
+      </p:ext>
+    </p:extLst>
+  </p:cSld>
+  <p:clrMapOvr>
+    <a:masterClrMapping/>
+  </p:clrMapOvr>
+</p:notes>
+</file>
+
+<file path=ppt/notesSlides/notesSlide4.xml><?xml version="1.0" encoding="utf-8"?>
+<p:notes xmlns:a="http://schemas.openxmlformats.org/drawingml/2006/main" xmlns:r="http://schemas.openxmlformats.org/officeDocument/2006/relationships" xmlns:p="http://schemas.openxmlformats.org/presentationml/2006/main">
+  <p:cSld>
+    <p:spTree>
+      <p:nvGrpSpPr>
+        <p:cNvPr id="1" name=""/>
+        <p:cNvGrpSpPr/>
+        <p:nvPr/>
+      </p:nvGrpSpPr>
+      <p:grpSpPr>
+        <a:xfrm>
+          <a:off x="0" y="0"/>
+          <a:ext cx="0" cy="0"/>
+          <a:chOff x="0" y="0"/>
+          <a:chExt cx="0" cy="0"/>
+        </a:xfrm>
+      </p:grpSpPr>
+      <p:sp>
+        <p:nvSpPr>
+          <p:cNvPr id="2" name="Slide Image Placeholder 1"/>
+          <p:cNvSpPr>
+            <a:spLocks noGrp="1" noRot="1" noChangeAspect="1"/>
+          </p:cNvSpPr>
+          <p:nvPr>
+            <p:ph type="sldImg"/>
+          </p:nvPr>
+        </p:nvSpPr>
+        <p:spPr/>
+      </p:sp>
+      <p:sp>
+        <p:nvSpPr>
+          <p:cNvPr id="3" name="Notes Placeholder 2"/>
+          <p:cNvSpPr>
+            <a:spLocks noGrp="1"/>
+          </p:cNvSpPr>
+          <p:nvPr>
+            <p:ph type="body" idx="1"/>
+          </p:nvPr>
+        </p:nvSpPr>
+        <p:spPr/>
+        <p:txBody>
+          <a:bodyPr/>
+          <a:lstStyle/>
+          <a:p>
+            <a:pPr algn="l"/>
+            <a:r>
+              <a:rPr lang="en-US" sz="1800" b="0" i="0" u="none" strike="noStrike" baseline="0" dirty="0">
+                <a:solidFill>
+                  <a:srgbClr val="000000"/>
+                </a:solidFill>
+                <a:latin typeface="AdvOTdd63dae3"/>
+              </a:rPr>
+              <a:t>In an </a:t>
+            </a:r>
+            <a:r>
+              <a:rPr lang="en-US" sz="1800" b="0" i="0" u="none" strike="noStrike" baseline="0" dirty="0">
+                <a:solidFill>
+                  <a:srgbClr val="000000"/>
+                </a:solidFill>
+                <a:latin typeface="AdvOTcc1f6510.I"/>
+              </a:rPr>
+              <a:t>integration hierarchy</a:t>
+            </a:r>
+            <a:r>
+              <a:rPr lang="en-US" sz="1800" b="0" i="0" u="none" strike="noStrike" baseline="0" dirty="0">
+                <a:solidFill>
+                  <a:srgbClr val="000000"/>
+                </a:solidFill>
+                <a:latin typeface="AdvOTdd63dae3"/>
+              </a:rPr>
+              <a:t>, the spatial integration windows (i.e.,</a:t>
+            </a:r>
+          </a:p>
+          <a:p>
+            <a:pPr algn="l"/>
+            <a:r>
+              <a:rPr lang="en-US" sz="1800" b="0" i="0" u="none" strike="noStrike" baseline="0" dirty="0">
+                <a:solidFill>
+                  <a:srgbClr val="000000"/>
+                </a:solidFill>
+                <a:latin typeface="AdvOTdd63dae3"/>
+              </a:rPr>
+              <a:t>receptive </a:t>
+            </a:r>
+            <a:r>
+              <a:rPr lang="en-US" sz="1800" b="0" i="0" u="none" strike="noStrike" baseline="0" dirty="0">
+                <a:solidFill>
+                  <a:srgbClr val="000000"/>
+                </a:solidFill>
+                <a:latin typeface="AdvOTdd63dae3+fb"/>
+              </a:rPr>
+              <a:t>fi</a:t>
+            </a:r>
+            <a:r>
+              <a:rPr lang="en-US" sz="1800" b="0" i="0" u="none" strike="noStrike" baseline="0" dirty="0">
+                <a:solidFill>
+                  <a:srgbClr val="000000"/>
+                </a:solidFill>
+                <a:latin typeface="AdvOTdd63dae3"/>
+              </a:rPr>
+              <a:t>eld size) that underlie some representations are larger than</a:t>
+            </a:r>
+          </a:p>
+          <a:p>
+            <a:pPr algn="l"/>
+            <a:r>
+              <a:rPr lang="en-US" sz="1800" b="0" i="0" u="none" strike="noStrike" baseline="0" dirty="0">
+                <a:solidFill>
+                  <a:srgbClr val="000000"/>
+                </a:solidFill>
+                <a:latin typeface="AdvOTdd63dae3"/>
+              </a:rPr>
+              <a:t>others (Fig. </a:t>
+            </a:r>
+            <a:r>
+              <a:rPr lang="en-US" sz="1800" b="0" i="0" u="none" strike="noStrike" baseline="0" dirty="0">
+                <a:solidFill>
+                  <a:srgbClr val="0066CD"/>
+                </a:solidFill>
+                <a:latin typeface="AdvOTdd63dae3"/>
+              </a:rPr>
+              <a:t>1</a:t>
+            </a:r>
+            <a:r>
+              <a:rPr lang="en-US" sz="1800" b="0" i="0" u="none" strike="noStrike" baseline="0" dirty="0">
+                <a:solidFill>
+                  <a:srgbClr val="000000"/>
+                </a:solidFill>
+                <a:latin typeface="AdvOTdd63dae3"/>
+              </a:rPr>
+              <a:t>c). The expansion of receptive </a:t>
+            </a:r>
+            <a:r>
+              <a:rPr lang="en-US" sz="1800" b="0" i="0" u="none" strike="noStrike" baseline="0" dirty="0">
+                <a:solidFill>
+                  <a:srgbClr val="000000"/>
+                </a:solidFill>
+                <a:latin typeface="AdvOTdd63dae3+fb"/>
+              </a:rPr>
+              <a:t>fi</a:t>
+            </a:r>
+            <a:r>
+              <a:rPr lang="en-US" sz="1800" b="0" i="0" u="none" strike="noStrike" baseline="0" dirty="0">
+                <a:solidFill>
+                  <a:srgbClr val="000000"/>
+                </a:solidFill>
+                <a:latin typeface="AdvOTdd63dae3"/>
+              </a:rPr>
+              <a:t>eld sizes with progression</a:t>
+            </a:r>
+          </a:p>
+          <a:p>
+            <a:pPr algn="l"/>
+            <a:r>
+              <a:rPr lang="en-US" sz="1800" b="0" i="0" u="none" strike="noStrike" baseline="0" dirty="0">
+                <a:solidFill>
+                  <a:srgbClr val="000000"/>
+                </a:solidFill>
+                <a:latin typeface="AdvOTdd63dae3"/>
+              </a:rPr>
+              <a:t>from lower to higher visual areas is arguably the most salient kind of</a:t>
+            </a:r>
+          </a:p>
+          <a:p>
+            <a:pPr algn="l"/>
+            <a:r>
+              <a:rPr lang="en-US" sz="1800" b="0" i="0" u="none" strike="noStrike" baseline="0" dirty="0">
+                <a:solidFill>
+                  <a:srgbClr val="000000"/>
+                </a:solidFill>
+                <a:latin typeface="AdvOTdd63dae3"/>
+              </a:rPr>
+              <a:t>hierarchy in the visual system</a:t>
+            </a:r>
+          </a:p>
+          <a:p>
+            <a:pPr algn="l"/>
+            <a:endParaRPr lang="en-US" sz="1800" b="0" i="0" u="none" strike="noStrike" baseline="0" dirty="0">
+              <a:solidFill>
+                <a:srgbClr val="000000"/>
+              </a:solidFill>
+              <a:latin typeface="AdvOTdd63dae3"/>
+            </a:endParaRPr>
+          </a:p>
+          <a:p>
+            <a:pPr algn="l"/>
+            <a:r>
+              <a:rPr lang="en-US" sz="1800" b="0" i="0" u="none" strike="noStrike" baseline="0" dirty="0">
+                <a:solidFill>
+                  <a:srgbClr val="000000"/>
+                </a:solidFill>
+                <a:latin typeface="AdvOTdd63dae3"/>
+              </a:rPr>
+              <a:t>Maybe get more on this</a:t>
+            </a:r>
+            <a:endParaRPr lang="en-US" dirty="0"/>
+          </a:p>
+        </p:txBody>
+      </p:sp>
+      <p:sp>
+        <p:nvSpPr>
+          <p:cNvPr id="4" name="Slide Number Placeholder 3"/>
+          <p:cNvSpPr>
+            <a:spLocks noGrp="1"/>
+          </p:cNvSpPr>
+          <p:nvPr>
+            <p:ph type="sldNum" sz="quarter" idx="5"/>
+          </p:nvPr>
+        </p:nvSpPr>
+        <p:spPr/>
+        <p:txBody>
+          <a:bodyPr/>
+          <a:lstStyle/>
+          <a:p>
+            <a:fld id="{A8FDC817-106E-4BF9-A5B2-12D71C6A70B5}" type="slidenum">
+              <a:rPr lang="en-US" smtClean="0"/>
+              <a:t>5</a:t>
+            </a:fld>
+            <a:endParaRPr lang="en-US"/>
+          </a:p>
+        </p:txBody>
+      </p:sp>
+    </p:spTree>
+    <p:extLst>
+      <p:ext uri="{BB962C8B-B14F-4D97-AF65-F5344CB8AC3E}">
+        <p14:creationId xmlns:p14="http://schemas.microsoft.com/office/powerpoint/2010/main" val="3734391290"/>
+      </p:ext>
+    </p:extLst>
+  </p:cSld>
+  <p:clrMapOvr>
+    <a:masterClrMapping/>
+  </p:clrMapOvr>
+</p:notes>
+</file>
+
+<file path=ppt/notesSlides/notesSlide5.xml><?xml version="1.0" encoding="utf-8"?>
+<p:notes xmlns:a="http://schemas.openxmlformats.org/drawingml/2006/main" xmlns:r="http://schemas.openxmlformats.org/officeDocument/2006/relationships" xmlns:p="http://schemas.openxmlformats.org/presentationml/2006/main">
+  <p:cSld>
+    <p:spTree>
+      <p:nvGrpSpPr>
+        <p:cNvPr id="1" name=""/>
+        <p:cNvGrpSpPr/>
+        <p:nvPr/>
+      </p:nvGrpSpPr>
+      <p:grpSpPr>
+        <a:xfrm>
+          <a:off x="0" y="0"/>
+          <a:ext cx="0" cy="0"/>
+          <a:chOff x="0" y="0"/>
+          <a:chExt cx="0" cy="0"/>
+        </a:xfrm>
+      </p:grpSpPr>
+      <p:sp>
+        <p:nvSpPr>
+          <p:cNvPr id="2" name="Slide Image Placeholder 1"/>
+          <p:cNvSpPr>
+            <a:spLocks noGrp="1" noRot="1" noChangeAspect="1"/>
+          </p:cNvSpPr>
+          <p:nvPr>
+            <p:ph type="sldImg"/>
+          </p:nvPr>
+        </p:nvSpPr>
+        <p:spPr/>
+      </p:sp>
+      <p:sp>
+        <p:nvSpPr>
+          <p:cNvPr id="3" name="Notes Placeholder 2"/>
+          <p:cNvSpPr>
+            <a:spLocks noGrp="1"/>
+          </p:cNvSpPr>
+          <p:nvPr>
+            <p:ph type="body" idx="1"/>
+          </p:nvPr>
+        </p:nvSpPr>
+        <p:spPr/>
+        <p:txBody>
+          <a:bodyPr/>
+          <a:lstStyle/>
+          <a:p>
+            <a:pPr algn="l"/>
+            <a:r>
+              <a:rPr lang="en-US" sz="1800" b="0" i="0" u="none" strike="noStrike" baseline="0" dirty="0">
+                <a:latin typeface="AdvOTdd63dae3"/>
+              </a:rPr>
+              <a:t>Although a purely feedforward DNN (e.g., </a:t>
+            </a:r>
+            <a:r>
+              <a:rPr lang="en-US" sz="1800" b="0" i="0" u="none" strike="noStrike" baseline="0" dirty="0" err="1">
+                <a:latin typeface="AdvOTdd63dae3"/>
+              </a:rPr>
+              <a:t>AlexNet</a:t>
+            </a:r>
+            <a:r>
+              <a:rPr lang="en-US" sz="1800" b="0" i="0" u="none" strike="noStrike" baseline="0" dirty="0">
+                <a:latin typeface="AdvOTdd63dae3"/>
+              </a:rPr>
+              <a:t>)most naturally</a:t>
+            </a:r>
+          </a:p>
+          <a:p>
+            <a:pPr algn="l"/>
+            <a:r>
+              <a:rPr lang="en-US" sz="1800" b="0" i="0" u="none" strike="noStrike" baseline="0" dirty="0">
+                <a:latin typeface="AdvOTdd63dae3"/>
+              </a:rPr>
+              <a:t>embodies all three kinds of hierarchy, each kind of hierarchy could be</a:t>
+            </a:r>
+          </a:p>
+          <a:p>
+            <a:pPr algn="l"/>
+            <a:r>
+              <a:rPr lang="en-US" sz="1800" b="0" i="0" u="none" strike="noStrike" baseline="0" dirty="0">
+                <a:latin typeface="AdvOTdd63dae3"/>
+              </a:rPr>
+              <a:t>formed by units in DNNs with a wide variety of different architectures,</a:t>
+            </a:r>
+          </a:p>
+          <a:p>
+            <a:pPr algn="l"/>
+            <a:r>
+              <a:rPr lang="en-US" sz="1800" b="0" i="0" u="none" strike="noStrike" baseline="0" dirty="0">
+                <a:latin typeface="AdvOTdd63dae3"/>
+              </a:rPr>
+              <a:t>including DNNs with recurrent connections, skip connections, or</a:t>
+            </a:r>
+          </a:p>
+          <a:p>
+            <a:pPr algn="l"/>
+            <a:r>
+              <a:rPr lang="en-US" sz="1800" b="0" i="0" u="none" strike="noStrike" baseline="0" dirty="0">
+                <a:latin typeface="AdvOTdd63dae3"/>
+              </a:rPr>
+              <a:t>multiple, independent branches</a:t>
+            </a:r>
+            <a:endParaRPr lang="en-US" dirty="0"/>
+          </a:p>
+        </p:txBody>
+      </p:sp>
+      <p:sp>
+        <p:nvSpPr>
+          <p:cNvPr id="4" name="Slide Number Placeholder 3"/>
+          <p:cNvSpPr>
+            <a:spLocks noGrp="1"/>
+          </p:cNvSpPr>
+          <p:nvPr>
+            <p:ph type="sldNum" sz="quarter" idx="5"/>
+          </p:nvPr>
+        </p:nvSpPr>
+        <p:spPr/>
+        <p:txBody>
+          <a:bodyPr/>
+          <a:lstStyle/>
+          <a:p>
+            <a:fld id="{A8FDC817-106E-4BF9-A5B2-12D71C6A70B5}" type="slidenum">
+              <a:rPr lang="en-US" smtClean="0"/>
+              <a:t>6</a:t>
+            </a:fld>
+            <a:endParaRPr lang="en-US"/>
+          </a:p>
+        </p:txBody>
+      </p:sp>
+    </p:spTree>
+    <p:extLst>
+      <p:ext uri="{BB962C8B-B14F-4D97-AF65-F5344CB8AC3E}">
+        <p14:creationId xmlns:p14="http://schemas.microsoft.com/office/powerpoint/2010/main" val="2744427675"/>
+      </p:ext>
+    </p:extLst>
+  </p:cSld>
+  <p:clrMapOvr>
+    <a:masterClrMapping/>
+  </p:clrMapOvr>
+</p:notes>
+</file>
+
+<file path=ppt/notesSlides/notesSlide6.xml><?xml version="1.0" encoding="utf-8"?>
+<p:notes xmlns:a="http://schemas.openxmlformats.org/drawingml/2006/main" xmlns:r="http://schemas.openxmlformats.org/officeDocument/2006/relationships" xmlns:p="http://schemas.openxmlformats.org/presentationml/2006/main">
+  <p:cSld>
+    <p:spTree>
+      <p:nvGrpSpPr>
+        <p:cNvPr id="1" name=""/>
+        <p:cNvGrpSpPr/>
+        <p:nvPr/>
+      </p:nvGrpSpPr>
+      <p:grpSpPr>
+        <a:xfrm>
+          <a:off x="0" y="0"/>
+          <a:ext cx="0" cy="0"/>
+          <a:chOff x="0" y="0"/>
+          <a:chExt cx="0" cy="0"/>
+        </a:xfrm>
+      </p:grpSpPr>
+      <p:sp>
+        <p:nvSpPr>
+          <p:cNvPr id="2" name="Slide Image Placeholder 1"/>
+          <p:cNvSpPr>
+            <a:spLocks noGrp="1" noRot="1" noChangeAspect="1"/>
+          </p:cNvSpPr>
+          <p:nvPr>
+            <p:ph type="sldImg"/>
+          </p:nvPr>
+        </p:nvSpPr>
+        <p:spPr/>
+      </p:sp>
+      <p:sp>
+        <p:nvSpPr>
+          <p:cNvPr id="3" name="Notes Placeholder 2"/>
+          <p:cNvSpPr>
+            <a:spLocks noGrp="1"/>
+          </p:cNvSpPr>
+          <p:nvPr>
+            <p:ph type="body" idx="1"/>
+          </p:nvPr>
+        </p:nvSpPr>
+        <p:spPr/>
+        <p:txBody>
+          <a:bodyPr/>
+          <a:lstStyle/>
+          <a:p>
+            <a:r>
+              <a:rPr lang="en-US" dirty="0" err="1"/>
+              <a:t>Xt</a:t>
+            </a:r>
+            <a:r>
+              <a:rPr lang="en-US" dirty="0"/>
+              <a:t> = stimulus for trial t</a:t>
+            </a:r>
+          </a:p>
+          <a:p>
+            <a:r>
+              <a:rPr lang="en-US" dirty="0"/>
+              <a:t>Eta layers</a:t>
+            </a:r>
+          </a:p>
+          <a:p>
+            <a:r>
+              <a:rPr lang="en-US" dirty="0"/>
+              <a:t>G is the pooling field for each voxel, size as position selected from a fixed grid of candidates</a:t>
+            </a:r>
+          </a:p>
+          <a:p>
+            <a:r>
+              <a:rPr lang="en-US" dirty="0"/>
+              <a:t>Grey boxes are feature maps, which are multiplied and summed to obtain a single value for each voxel</a:t>
+            </a:r>
+          </a:p>
+          <a:p>
+            <a:r>
+              <a:rPr lang="en-US" dirty="0"/>
+              <a:t>These are multiplied by weight and biases to get a prediction </a:t>
+            </a:r>
+            <a:r>
+              <a:rPr lang="en-US" dirty="0" err="1"/>
+              <a:t>r_tv</a:t>
+            </a:r>
+            <a:r>
+              <a:rPr lang="en-US" dirty="0"/>
+              <a:t> for brain activity on the trial</a:t>
+            </a:r>
+          </a:p>
+        </p:txBody>
+      </p:sp>
+      <p:sp>
+        <p:nvSpPr>
+          <p:cNvPr id="4" name="Slide Number Placeholder 3"/>
+          <p:cNvSpPr>
+            <a:spLocks noGrp="1"/>
+          </p:cNvSpPr>
+          <p:nvPr>
+            <p:ph type="sldNum" sz="quarter" idx="5"/>
+          </p:nvPr>
+        </p:nvSpPr>
+        <p:spPr/>
+        <p:txBody>
+          <a:bodyPr/>
+          <a:lstStyle/>
+          <a:p>
+            <a:fld id="{A8FDC817-106E-4BF9-A5B2-12D71C6A70B5}" type="slidenum">
+              <a:rPr lang="en-US" smtClean="0"/>
+              <a:t>7</a:t>
+            </a:fld>
+            <a:endParaRPr lang="en-US"/>
+          </a:p>
+        </p:txBody>
+      </p:sp>
+    </p:spTree>
+    <p:extLst>
+      <p:ext uri="{BB962C8B-B14F-4D97-AF65-F5344CB8AC3E}">
+        <p14:creationId xmlns:p14="http://schemas.microsoft.com/office/powerpoint/2010/main" val="1381932969"/>
+      </p:ext>
+    </p:extLst>
+  </p:cSld>
+  <p:clrMapOvr>
+    <a:masterClrMapping/>
+  </p:clrMapOvr>
+</p:notes>
+</file>
+
+<file path=ppt/notesSlides/notesSlide7.xml><?xml version="1.0" encoding="utf-8"?>
+<p:notes xmlns:a="http://schemas.openxmlformats.org/drawingml/2006/main" xmlns:r="http://schemas.openxmlformats.org/officeDocument/2006/relationships" xmlns:p="http://schemas.openxmlformats.org/presentationml/2006/main">
+  <p:cSld>
+    <p:spTree>
+      <p:nvGrpSpPr>
+        <p:cNvPr id="1" name=""/>
+        <p:cNvGrpSpPr/>
+        <p:nvPr/>
+      </p:nvGrpSpPr>
+      <p:grpSpPr>
+        <a:xfrm>
+          <a:off x="0" y="0"/>
+          <a:ext cx="0" cy="0"/>
+          <a:chOff x="0" y="0"/>
+          <a:chExt cx="0" cy="0"/>
+        </a:xfrm>
+      </p:grpSpPr>
+      <p:sp>
+        <p:nvSpPr>
+          <p:cNvPr id="2" name="Slide Image Placeholder 1"/>
+          <p:cNvSpPr>
+            <a:spLocks noGrp="1" noRot="1" noChangeAspect="1"/>
+          </p:cNvSpPr>
+          <p:nvPr>
+            <p:ph type="sldImg"/>
+          </p:nvPr>
+        </p:nvSpPr>
+        <p:spPr/>
+      </p:sp>
+      <p:sp>
+        <p:nvSpPr>
+          <p:cNvPr id="3" name="Notes Placeholder 2"/>
+          <p:cNvSpPr>
+            <a:spLocks noGrp="1"/>
+          </p:cNvSpPr>
+          <p:nvPr>
+            <p:ph type="body" idx="1"/>
+          </p:nvPr>
+        </p:nvSpPr>
+        <p:spPr/>
+        <p:txBody>
+          <a:bodyPr/>
+          <a:lstStyle/>
+          <a:p>
+            <a:r>
+              <a:rPr lang="en-US" dirty="0"/>
+              <a:t>P is prediction, right?</a:t>
+            </a:r>
+          </a:p>
+        </p:txBody>
+      </p:sp>
+      <p:sp>
+        <p:nvSpPr>
+          <p:cNvPr id="4" name="Slide Number Placeholder 3"/>
+          <p:cNvSpPr>
+            <a:spLocks noGrp="1"/>
+          </p:cNvSpPr>
+          <p:nvPr>
+            <p:ph type="sldNum" sz="quarter" idx="5"/>
+          </p:nvPr>
+        </p:nvSpPr>
+        <p:spPr/>
+        <p:txBody>
+          <a:bodyPr/>
+          <a:lstStyle/>
+          <a:p>
+            <a:fld id="{A8FDC817-106E-4BF9-A5B2-12D71C6A70B5}" type="slidenum">
+              <a:rPr lang="en-US" smtClean="0"/>
+              <a:t>8</a:t>
+            </a:fld>
+            <a:endParaRPr lang="en-US"/>
+          </a:p>
+        </p:txBody>
+      </p:sp>
+    </p:spTree>
+    <p:extLst>
+      <p:ext uri="{BB962C8B-B14F-4D97-AF65-F5344CB8AC3E}">
+        <p14:creationId xmlns:p14="http://schemas.microsoft.com/office/powerpoint/2010/main" val="3621583375"/>
+      </p:ext>
+    </p:extLst>
+  </p:cSld>
+  <p:clrMapOvr>
+    <a:masterClrMapping/>
+  </p:clrMapOvr>
+</p:notes>
+</file>
+
+<file path=ppt/notesSlides/notesSlide8.xml><?xml version="1.0" encoding="utf-8"?>
+<p:notes xmlns:a="http://schemas.openxmlformats.org/drawingml/2006/main" xmlns:r="http://schemas.openxmlformats.org/officeDocument/2006/relationships" xmlns:p="http://schemas.openxmlformats.org/presentationml/2006/main">
+  <p:cSld>
+    <p:spTree>
+      <p:nvGrpSpPr>
+        <p:cNvPr id="1" name=""/>
+        <p:cNvGrpSpPr/>
+        <p:nvPr/>
+      </p:nvGrpSpPr>
+      <p:grpSpPr>
+        <a:xfrm>
+          <a:off x="0" y="0"/>
+          <a:ext cx="0" cy="0"/>
+          <a:chOff x="0" y="0"/>
+          <a:chExt cx="0" cy="0"/>
+        </a:xfrm>
+      </p:grpSpPr>
+      <p:sp>
+        <p:nvSpPr>
+          <p:cNvPr id="2" name="Slide Image Placeholder 1"/>
+          <p:cNvSpPr>
+            <a:spLocks noGrp="1" noRot="1" noChangeAspect="1"/>
+          </p:cNvSpPr>
+          <p:nvPr>
+            <p:ph type="sldImg"/>
+          </p:nvPr>
+        </p:nvSpPr>
+        <p:spPr/>
+      </p:sp>
+      <p:sp>
+        <p:nvSpPr>
+          <p:cNvPr id="3" name="Notes Placeholder 2"/>
+          <p:cNvSpPr>
+            <a:spLocks noGrp="1"/>
+          </p:cNvSpPr>
+          <p:nvPr>
+            <p:ph type="body" idx="1"/>
+          </p:nvPr>
+        </p:nvSpPr>
+        <p:spPr/>
+        <p:txBody>
+          <a:bodyPr/>
+          <a:lstStyle/>
+          <a:p>
+            <a:r>
+              <a:rPr lang="en-US" dirty="0"/>
+              <a:t>P is prediction, right?</a:t>
+            </a:r>
+          </a:p>
+        </p:txBody>
+      </p:sp>
+      <p:sp>
+        <p:nvSpPr>
+          <p:cNvPr id="4" name="Slide Number Placeholder 3"/>
+          <p:cNvSpPr>
+            <a:spLocks noGrp="1"/>
+          </p:cNvSpPr>
+          <p:nvPr>
+            <p:ph type="sldNum" sz="quarter" idx="5"/>
+          </p:nvPr>
+        </p:nvSpPr>
+        <p:spPr/>
+        <p:txBody>
+          <a:bodyPr/>
+          <a:lstStyle/>
+          <a:p>
+            <a:fld id="{A8FDC817-106E-4BF9-A5B2-12D71C6A70B5}" type="slidenum">
+              <a:rPr lang="en-US" smtClean="0"/>
+              <a:t>9</a:t>
+            </a:fld>
+            <a:endParaRPr lang="en-US"/>
+          </a:p>
+        </p:txBody>
+      </p:sp>
+    </p:spTree>
+    <p:extLst>
+      <p:ext uri="{BB962C8B-B14F-4D97-AF65-F5344CB8AC3E}">
+        <p14:creationId xmlns:p14="http://schemas.microsoft.com/office/powerpoint/2010/main" val="1961009764"/>
+      </p:ext>
+    </p:extLst>
+  </p:cSld>
+  <p:clrMapOvr>
+    <a:masterClrMapping/>
+  </p:clrMapOvr>
+</p:notes>
+</file>
+
+<file path=ppt/notesSlides/notesSlide9.xml><?xml version="1.0" encoding="utf-8"?>
+<p:notes xmlns:a="http://schemas.openxmlformats.org/drawingml/2006/main" xmlns:r="http://schemas.openxmlformats.org/officeDocument/2006/relationships" xmlns:p="http://schemas.openxmlformats.org/presentationml/2006/main">
+  <p:cSld>
+    <p:spTree>
+      <p:nvGrpSpPr>
+        <p:cNvPr id="1" name=""/>
+        <p:cNvGrpSpPr/>
+        <p:nvPr/>
+      </p:nvGrpSpPr>
+      <p:grpSpPr>
+        <a:xfrm>
+          <a:off x="0" y="0"/>
+          <a:ext cx="0" cy="0"/>
+          <a:chOff x="0" y="0"/>
+          <a:chExt cx="0" cy="0"/>
+        </a:xfrm>
+      </p:grpSpPr>
+      <p:sp>
+        <p:nvSpPr>
+          <p:cNvPr id="2" name="Slide Image Placeholder 1"/>
+          <p:cNvSpPr>
+            <a:spLocks noGrp="1" noRot="1" noChangeAspect="1"/>
+          </p:cNvSpPr>
+          <p:nvPr>
+            <p:ph type="sldImg"/>
+          </p:nvPr>
+        </p:nvSpPr>
+        <p:spPr/>
+      </p:sp>
+      <p:sp>
+        <p:nvSpPr>
+          <p:cNvPr id="3" name="Notes Placeholder 2"/>
+          <p:cNvSpPr>
+            <a:spLocks noGrp="1"/>
+          </p:cNvSpPr>
+          <p:nvPr>
+            <p:ph type="body" idx="1"/>
+          </p:nvPr>
+        </p:nvSpPr>
+        <p:spPr/>
+        <p:txBody>
+          <a:bodyPr/>
+          <a:lstStyle/>
+          <a:p>
+            <a:r>
+              <a:rPr lang="en-US" dirty="0"/>
+              <a:t>P is prediction, right?</a:t>
+            </a:r>
+          </a:p>
+        </p:txBody>
+      </p:sp>
+      <p:sp>
+        <p:nvSpPr>
+          <p:cNvPr id="4" name="Slide Number Placeholder 3"/>
+          <p:cNvSpPr>
+            <a:spLocks noGrp="1"/>
+          </p:cNvSpPr>
+          <p:nvPr>
+            <p:ph type="sldNum" sz="quarter" idx="5"/>
+          </p:nvPr>
+        </p:nvSpPr>
+        <p:spPr/>
+        <p:txBody>
+          <a:bodyPr/>
+          <a:lstStyle/>
+          <a:p>
+            <a:fld id="{A8FDC817-106E-4BF9-A5B2-12D71C6A70B5}" type="slidenum">
+              <a:rPr lang="en-US" smtClean="0"/>
+              <a:t>10</a:t>
+            </a:fld>
+            <a:endParaRPr lang="en-US"/>
+          </a:p>
+        </p:txBody>
+      </p:sp>
+    </p:spTree>
+    <p:extLst>
+      <p:ext uri="{BB962C8B-B14F-4D97-AF65-F5344CB8AC3E}">
+        <p14:creationId xmlns:p14="http://schemas.microsoft.com/office/powerpoint/2010/main" val="226219748"/>
+      </p:ext>
+    </p:extLst>
+  </p:cSld>
+  <p:clrMapOvr>
+    <a:masterClrMapping/>
+  </p:clrMapOvr>
+</p:notes>
 </file>
 
 <file path=ppt/slideLayouts/slideLayout1.xml><?xml version="1.0" encoding="utf-8"?>
@@ -267,7 +2978,7 @@
           <a:p>
             <a:fld id="{D4DD3164-AB71-46BF-ABF7-D5851E719574}" type="datetimeFigureOut">
               <a:rPr lang="en-US" smtClean="0"/>
-              <a:t>4/29/2024</a:t>
+              <a:t>4/30/2024</a:t>
             </a:fld>
             <a:endParaRPr lang="en-US"/>
           </a:p>
@@ -465,7 +3176,7 @@
           <a:p>
             <a:fld id="{D4DD3164-AB71-46BF-ABF7-D5851E719574}" type="datetimeFigureOut">
               <a:rPr lang="en-US" smtClean="0"/>
-              <a:t>4/29/2024</a:t>
+              <a:t>4/30/2024</a:t>
             </a:fld>
             <a:endParaRPr lang="en-US"/>
           </a:p>
@@ -673,7 +3384,7 @@
           <a:p>
             <a:fld id="{D4DD3164-AB71-46BF-ABF7-D5851E719574}" type="datetimeFigureOut">
               <a:rPr lang="en-US" smtClean="0"/>
-              <a:t>4/29/2024</a:t>
+              <a:t>4/30/2024</a:t>
             </a:fld>
             <a:endParaRPr lang="en-US"/>
           </a:p>
@@ -871,7 +3582,7 @@
           <a:p>
             <a:fld id="{D4DD3164-AB71-46BF-ABF7-D5851E719574}" type="datetimeFigureOut">
               <a:rPr lang="en-US" smtClean="0"/>
-              <a:t>4/29/2024</a:t>
+              <a:t>4/30/2024</a:t>
             </a:fld>
             <a:endParaRPr lang="en-US"/>
           </a:p>
@@ -1146,7 +3857,7 @@
           <a:p>
             <a:fld id="{D4DD3164-AB71-46BF-ABF7-D5851E719574}" type="datetimeFigureOut">
               <a:rPr lang="en-US" smtClean="0"/>
-              <a:t>4/29/2024</a:t>
+              <a:t>4/30/2024</a:t>
             </a:fld>
             <a:endParaRPr lang="en-US"/>
           </a:p>
@@ -1411,7 +4122,7 @@
           <a:p>
             <a:fld id="{D4DD3164-AB71-46BF-ABF7-D5851E719574}" type="datetimeFigureOut">
               <a:rPr lang="en-US" smtClean="0"/>
-              <a:t>4/29/2024</a:t>
+              <a:t>4/30/2024</a:t>
             </a:fld>
             <a:endParaRPr lang="en-US"/>
           </a:p>
@@ -1823,7 +4534,7 @@
           <a:p>
             <a:fld id="{D4DD3164-AB71-46BF-ABF7-D5851E719574}" type="datetimeFigureOut">
               <a:rPr lang="en-US" smtClean="0"/>
-              <a:t>4/29/2024</a:t>
+              <a:t>4/30/2024</a:t>
             </a:fld>
             <a:endParaRPr lang="en-US"/>
           </a:p>
@@ -1964,7 +4675,7 @@
           <a:p>
             <a:fld id="{D4DD3164-AB71-46BF-ABF7-D5851E719574}" type="datetimeFigureOut">
               <a:rPr lang="en-US" smtClean="0"/>
-              <a:t>4/29/2024</a:t>
+              <a:t>4/30/2024</a:t>
             </a:fld>
             <a:endParaRPr lang="en-US"/>
           </a:p>
@@ -2077,7 +4788,7 @@
           <a:p>
             <a:fld id="{D4DD3164-AB71-46BF-ABF7-D5851E719574}" type="datetimeFigureOut">
               <a:rPr lang="en-US" smtClean="0"/>
-              <a:t>4/29/2024</a:t>
+              <a:t>4/30/2024</a:t>
             </a:fld>
             <a:endParaRPr lang="en-US"/>
           </a:p>
@@ -2388,7 +5099,7 @@
           <a:p>
             <a:fld id="{D4DD3164-AB71-46BF-ABF7-D5851E719574}" type="datetimeFigureOut">
               <a:rPr lang="en-US" smtClean="0"/>
-              <a:t>4/29/2024</a:t>
+              <a:t>4/30/2024</a:t>
             </a:fld>
             <a:endParaRPr lang="en-US"/>
           </a:p>
@@ -2676,7 +5387,7 @@
           <a:p>
             <a:fld id="{D4DD3164-AB71-46BF-ABF7-D5851E719574}" type="datetimeFigureOut">
               <a:rPr lang="en-US" smtClean="0"/>
-              <a:t>4/29/2024</a:t>
+              <a:t>4/30/2024</a:t>
             </a:fld>
             <a:endParaRPr lang="en-US"/>
           </a:p>
@@ -2917,7 +5628,7 @@
           <a:p>
             <a:fld id="{D4DD3164-AB71-46BF-ABF7-D5851E719574}" type="datetimeFigureOut">
               <a:rPr lang="en-US" smtClean="0"/>
-              <a:t>4/29/2024</a:t>
+              <a:t>4/30/2024</a:t>
             </a:fld>
             <a:endParaRPr lang="en-US"/>
           </a:p>
@@ -3495,6 +6206,1008 @@
           <a:chExt cx="0" cy="0"/>
         </a:xfrm>
       </p:grpSpPr>
+      <p:pic>
+        <p:nvPicPr>
+          <p:cNvPr id="8" name="Picture 7">
+            <a:extLst>
+              <a:ext uri="{FF2B5EF4-FFF2-40B4-BE49-F238E27FC236}">
+                <a16:creationId xmlns:a16="http://schemas.microsoft.com/office/drawing/2014/main" id="{12FA49F2-383A-0B61-8F0A-1C64EA18F72A}"/>
+              </a:ext>
+            </a:extLst>
+          </p:cNvPr>
+          <p:cNvPicPr>
+            <a:picLocks noChangeAspect="1"/>
+          </p:cNvPicPr>
+          <p:nvPr/>
+        </p:nvPicPr>
+        <p:blipFill rotWithShape="1">
+          <a:blip r:embed="rId3"/>
+          <a:srcRect t="24674"/>
+          <a:stretch/>
+        </p:blipFill>
+        <p:spPr>
+          <a:xfrm>
+            <a:off x="2375968" y="2047657"/>
+            <a:ext cx="7440063" cy="2762686"/>
+          </a:xfrm>
+          <a:prstGeom prst="rect">
+            <a:avLst/>
+          </a:prstGeom>
+        </p:spPr>
+      </p:pic>
+      <p:sp>
+        <p:nvSpPr>
+          <p:cNvPr id="11" name="Rectangle 10">
+            <a:extLst>
+              <a:ext uri="{FF2B5EF4-FFF2-40B4-BE49-F238E27FC236}">
+                <a16:creationId xmlns:a16="http://schemas.microsoft.com/office/drawing/2014/main" id="{F6D6067B-BE49-542B-EDD8-15CEE280C6E3}"/>
+              </a:ext>
+            </a:extLst>
+          </p:cNvPr>
+          <p:cNvSpPr/>
+          <p:nvPr/>
+        </p:nvSpPr>
+        <p:spPr>
+          <a:xfrm>
+            <a:off x="1805651" y="1122744"/>
+            <a:ext cx="3680749" cy="4386805"/>
+          </a:xfrm>
+          <a:prstGeom prst="rect">
+            <a:avLst/>
+          </a:prstGeom>
+          <a:solidFill>
+            <a:schemeClr val="bg1">
+              <a:alpha val="67000"/>
+            </a:schemeClr>
+          </a:solidFill>
+          <a:ln>
+            <a:noFill/>
+          </a:ln>
+        </p:spPr>
+        <p:style>
+          <a:lnRef idx="2">
+            <a:schemeClr val="accent1">
+              <a:shade val="15000"/>
+            </a:schemeClr>
+          </a:lnRef>
+          <a:fillRef idx="1">
+            <a:schemeClr val="accent1"/>
+          </a:fillRef>
+          <a:effectRef idx="0">
+            <a:schemeClr val="accent1"/>
+          </a:effectRef>
+          <a:fontRef idx="minor">
+            <a:schemeClr val="lt1"/>
+          </a:fontRef>
+        </p:style>
+        <p:txBody>
+          <a:bodyPr rtlCol="0" anchor="ctr"/>
+          <a:lstStyle/>
+          <a:p>
+            <a:pPr algn="ctr"/>
+            <a:endParaRPr lang="en-US"/>
+          </a:p>
+        </p:txBody>
+      </p:sp>
+      <p:sp>
+        <p:nvSpPr>
+          <p:cNvPr id="12" name="Rectangle 11">
+            <a:extLst>
+              <a:ext uri="{FF2B5EF4-FFF2-40B4-BE49-F238E27FC236}">
+                <a16:creationId xmlns:a16="http://schemas.microsoft.com/office/drawing/2014/main" id="{9C8DAA9B-F644-6D14-F8AF-002A5946AB42}"/>
+              </a:ext>
+            </a:extLst>
+          </p:cNvPr>
+          <p:cNvSpPr/>
+          <p:nvPr/>
+        </p:nvSpPr>
+        <p:spPr>
+          <a:xfrm>
+            <a:off x="5486400" y="1122743"/>
+            <a:ext cx="4525701" cy="2118167"/>
+          </a:xfrm>
+          <a:prstGeom prst="rect">
+            <a:avLst/>
+          </a:prstGeom>
+          <a:solidFill>
+            <a:schemeClr val="bg1">
+              <a:alpha val="67000"/>
+            </a:schemeClr>
+          </a:solidFill>
+          <a:ln>
+            <a:noFill/>
+          </a:ln>
+        </p:spPr>
+        <p:style>
+          <a:lnRef idx="2">
+            <a:schemeClr val="accent1">
+              <a:shade val="15000"/>
+            </a:schemeClr>
+          </a:lnRef>
+          <a:fillRef idx="1">
+            <a:schemeClr val="accent1"/>
+          </a:fillRef>
+          <a:effectRef idx="0">
+            <a:schemeClr val="accent1"/>
+          </a:effectRef>
+          <a:fontRef idx="minor">
+            <a:schemeClr val="lt1"/>
+          </a:fontRef>
+        </p:style>
+        <p:txBody>
+          <a:bodyPr rtlCol="0" anchor="ctr"/>
+          <a:lstStyle/>
+          <a:p>
+            <a:pPr algn="ctr"/>
+            <a:endParaRPr lang="en-US"/>
+          </a:p>
+        </p:txBody>
+      </p:sp>
+      <p:sp>
+        <p:nvSpPr>
+          <p:cNvPr id="2" name="Rectangle 1">
+            <a:extLst>
+              <a:ext uri="{FF2B5EF4-FFF2-40B4-BE49-F238E27FC236}">
+                <a16:creationId xmlns:a16="http://schemas.microsoft.com/office/drawing/2014/main" id="{0EA2DBC6-83B4-E43F-6111-68393F921E7A}"/>
+              </a:ext>
+            </a:extLst>
+          </p:cNvPr>
+          <p:cNvSpPr/>
+          <p:nvPr/>
+        </p:nvSpPr>
+        <p:spPr>
+          <a:xfrm>
+            <a:off x="5486399" y="3634451"/>
+            <a:ext cx="4988689" cy="2500131"/>
+          </a:xfrm>
+          <a:prstGeom prst="rect">
+            <a:avLst/>
+          </a:prstGeom>
+          <a:solidFill>
+            <a:schemeClr val="bg1">
+              <a:alpha val="67000"/>
+            </a:schemeClr>
+          </a:solidFill>
+          <a:ln>
+            <a:noFill/>
+          </a:ln>
+        </p:spPr>
+        <p:style>
+          <a:lnRef idx="2">
+            <a:schemeClr val="accent1">
+              <a:shade val="15000"/>
+            </a:schemeClr>
+          </a:lnRef>
+          <a:fillRef idx="1">
+            <a:schemeClr val="accent1"/>
+          </a:fillRef>
+          <a:effectRef idx="0">
+            <a:schemeClr val="accent1"/>
+          </a:effectRef>
+          <a:fontRef idx="minor">
+            <a:schemeClr val="lt1"/>
+          </a:fontRef>
+        </p:style>
+        <p:txBody>
+          <a:bodyPr rtlCol="0" anchor="ctr"/>
+          <a:lstStyle/>
+          <a:p>
+            <a:pPr algn="ctr"/>
+            <a:endParaRPr lang="en-US"/>
+          </a:p>
+        </p:txBody>
+      </p:sp>
+      <p:sp>
+        <p:nvSpPr>
+          <p:cNvPr id="3" name="Rectangle 2">
+            <a:extLst>
+              <a:ext uri="{FF2B5EF4-FFF2-40B4-BE49-F238E27FC236}">
+                <a16:creationId xmlns:a16="http://schemas.microsoft.com/office/drawing/2014/main" id="{3473282E-7B09-D52C-ABDE-276906F0C711}"/>
+              </a:ext>
+            </a:extLst>
+          </p:cNvPr>
+          <p:cNvSpPr/>
+          <p:nvPr/>
+        </p:nvSpPr>
+        <p:spPr>
+          <a:xfrm>
+            <a:off x="7141580" y="3240910"/>
+            <a:ext cx="2789498" cy="376181"/>
+          </a:xfrm>
+          <a:prstGeom prst="rect">
+            <a:avLst/>
+          </a:prstGeom>
+          <a:solidFill>
+            <a:schemeClr val="bg1">
+              <a:alpha val="67000"/>
+            </a:schemeClr>
+          </a:solidFill>
+          <a:ln>
+            <a:noFill/>
+          </a:ln>
+        </p:spPr>
+        <p:style>
+          <a:lnRef idx="2">
+            <a:schemeClr val="accent1">
+              <a:shade val="15000"/>
+            </a:schemeClr>
+          </a:lnRef>
+          <a:fillRef idx="1">
+            <a:schemeClr val="accent1"/>
+          </a:fillRef>
+          <a:effectRef idx="0">
+            <a:schemeClr val="accent1"/>
+          </a:effectRef>
+          <a:fontRef idx="minor">
+            <a:schemeClr val="lt1"/>
+          </a:fontRef>
+        </p:style>
+        <p:txBody>
+          <a:bodyPr rtlCol="0" anchor="ctr"/>
+          <a:lstStyle/>
+          <a:p>
+            <a:pPr algn="ctr"/>
+            <a:endParaRPr lang="en-US"/>
+          </a:p>
+        </p:txBody>
+      </p:sp>
+    </p:spTree>
+    <p:extLst>
+      <p:ext uri="{BB962C8B-B14F-4D97-AF65-F5344CB8AC3E}">
+        <p14:creationId xmlns:p14="http://schemas.microsoft.com/office/powerpoint/2010/main" val="3304129327"/>
+      </p:ext>
+    </p:extLst>
+  </p:cSld>
+  <p:clrMapOvr>
+    <a:masterClrMapping/>
+  </p:clrMapOvr>
+</p:sld>
+</file>
+
+<file path=ppt/slides/slide11.xml><?xml version="1.0" encoding="utf-8"?>
+<p:sld xmlns:a="http://schemas.openxmlformats.org/drawingml/2006/main" xmlns:r="http://schemas.openxmlformats.org/officeDocument/2006/relationships" xmlns:p="http://schemas.openxmlformats.org/presentationml/2006/main">
+  <p:cSld>
+    <p:spTree>
+      <p:nvGrpSpPr>
+        <p:cNvPr id="1" name=""/>
+        <p:cNvGrpSpPr/>
+        <p:nvPr/>
+      </p:nvGrpSpPr>
+      <p:grpSpPr>
+        <a:xfrm>
+          <a:off x="0" y="0"/>
+          <a:ext cx="0" cy="0"/>
+          <a:chOff x="0" y="0"/>
+          <a:chExt cx="0" cy="0"/>
+        </a:xfrm>
+      </p:grpSpPr>
+      <p:sp>
+        <p:nvSpPr>
+          <p:cNvPr id="2" name="Title 1">
+            <a:extLst>
+              <a:ext uri="{FF2B5EF4-FFF2-40B4-BE49-F238E27FC236}">
+                <a16:creationId xmlns:a16="http://schemas.microsoft.com/office/drawing/2014/main" id="{B525207E-764D-A68A-2324-98DF94948AA1}"/>
+              </a:ext>
+            </a:extLst>
+          </p:cNvPr>
+          <p:cNvSpPr>
+            <a:spLocks noGrp="1"/>
+          </p:cNvSpPr>
+          <p:nvPr>
+            <p:ph type="title"/>
+          </p:nvPr>
+        </p:nvSpPr>
+        <p:spPr>
+          <a:xfrm>
+            <a:off x="838200" y="0"/>
+            <a:ext cx="10515600" cy="1325563"/>
+          </a:xfrm>
+        </p:spPr>
+        <p:txBody>
+          <a:bodyPr>
+            <a:normAutofit/>
+          </a:bodyPr>
+          <a:lstStyle/>
+          <a:p>
+            <a:r>
+              <a:rPr lang="en-US" dirty="0">
+                <a:solidFill>
+                  <a:schemeClr val="bg1">
+                    <a:lumMod val="75000"/>
+                  </a:schemeClr>
+                </a:solidFill>
+              </a:rPr>
+              <a:t>Fig. 2 (Training)</a:t>
+            </a:r>
+          </a:p>
+        </p:txBody>
+      </p:sp>
+      <p:pic>
+        <p:nvPicPr>
+          <p:cNvPr id="8" name="Picture 7">
+            <a:extLst>
+              <a:ext uri="{FF2B5EF4-FFF2-40B4-BE49-F238E27FC236}">
+                <a16:creationId xmlns:a16="http://schemas.microsoft.com/office/drawing/2014/main" id="{B35D2DE0-39D9-9D39-750A-7CDDC8CCB8E2}"/>
+              </a:ext>
+            </a:extLst>
+          </p:cNvPr>
+          <p:cNvPicPr>
+            <a:picLocks noChangeAspect="1"/>
+          </p:cNvPicPr>
+          <p:nvPr/>
+        </p:nvPicPr>
+        <p:blipFill>
+          <a:blip r:embed="rId3"/>
+          <a:stretch>
+            <a:fillRect/>
+          </a:stretch>
+        </p:blipFill>
+        <p:spPr>
+          <a:xfrm>
+            <a:off x="808887" y="2375150"/>
+            <a:ext cx="10574226" cy="2107700"/>
+          </a:xfrm>
+          <a:prstGeom prst="rect">
+            <a:avLst/>
+          </a:prstGeom>
+        </p:spPr>
+      </p:pic>
+      <p:sp>
+        <p:nvSpPr>
+          <p:cNvPr id="3" name="Rectangle 2">
+            <a:extLst>
+              <a:ext uri="{FF2B5EF4-FFF2-40B4-BE49-F238E27FC236}">
+                <a16:creationId xmlns:a16="http://schemas.microsoft.com/office/drawing/2014/main" id="{A62A4687-2383-3DA3-50C8-443EE1EEBC16}"/>
+              </a:ext>
+            </a:extLst>
+          </p:cNvPr>
+          <p:cNvSpPr/>
+          <p:nvPr/>
+        </p:nvSpPr>
+        <p:spPr>
+          <a:xfrm>
+            <a:off x="5394036" y="4211782"/>
+            <a:ext cx="2078182" cy="387927"/>
+          </a:xfrm>
+          <a:prstGeom prst="rect">
+            <a:avLst/>
+          </a:prstGeom>
+          <a:solidFill>
+            <a:schemeClr val="bg1"/>
+          </a:solidFill>
+          <a:ln>
+            <a:noFill/>
+          </a:ln>
+        </p:spPr>
+        <p:style>
+          <a:lnRef idx="2">
+            <a:schemeClr val="accent1">
+              <a:shade val="15000"/>
+            </a:schemeClr>
+          </a:lnRef>
+          <a:fillRef idx="1">
+            <a:schemeClr val="accent1"/>
+          </a:fillRef>
+          <a:effectRef idx="0">
+            <a:schemeClr val="accent1"/>
+          </a:effectRef>
+          <a:fontRef idx="minor">
+            <a:schemeClr val="lt1"/>
+          </a:fontRef>
+        </p:style>
+        <p:txBody>
+          <a:bodyPr rtlCol="0" anchor="ctr"/>
+          <a:lstStyle/>
+          <a:p>
+            <a:pPr algn="ctr"/>
+            <a:endParaRPr lang="en-US"/>
+          </a:p>
+        </p:txBody>
+      </p:sp>
+    </p:spTree>
+    <p:extLst>
+      <p:ext uri="{BB962C8B-B14F-4D97-AF65-F5344CB8AC3E}">
+        <p14:creationId xmlns:p14="http://schemas.microsoft.com/office/powerpoint/2010/main" val="1007435924"/>
+      </p:ext>
+    </p:extLst>
+  </p:cSld>
+  <p:clrMapOvr>
+    <a:masterClrMapping/>
+  </p:clrMapOvr>
+</p:sld>
+</file>
+
+<file path=ppt/slides/slide12.xml><?xml version="1.0" encoding="utf-8"?>
+<p:sld xmlns:a="http://schemas.openxmlformats.org/drawingml/2006/main" xmlns:r="http://schemas.openxmlformats.org/officeDocument/2006/relationships" xmlns:p="http://schemas.openxmlformats.org/presentationml/2006/main">
+  <p:cSld>
+    <p:spTree>
+      <p:nvGrpSpPr>
+        <p:cNvPr id="1" name=""/>
+        <p:cNvGrpSpPr/>
+        <p:nvPr/>
+      </p:nvGrpSpPr>
+      <p:grpSpPr>
+        <a:xfrm>
+          <a:off x="0" y="0"/>
+          <a:ext cx="0" cy="0"/>
+          <a:chOff x="0" y="0"/>
+          <a:chExt cx="0" cy="0"/>
+        </a:xfrm>
+      </p:grpSpPr>
+      <p:pic>
+        <p:nvPicPr>
+          <p:cNvPr id="10" name="Picture 9">
+            <a:extLst>
+              <a:ext uri="{FF2B5EF4-FFF2-40B4-BE49-F238E27FC236}">
+                <a16:creationId xmlns:a16="http://schemas.microsoft.com/office/drawing/2014/main" id="{95BEE857-B119-ED4A-BBEC-7AABD445F489}"/>
+              </a:ext>
+            </a:extLst>
+          </p:cNvPr>
+          <p:cNvPicPr>
+            <a:picLocks noChangeAspect="1"/>
+          </p:cNvPicPr>
+          <p:nvPr/>
+        </p:nvPicPr>
+        <p:blipFill>
+          <a:blip r:embed="rId3"/>
+          <a:stretch>
+            <a:fillRect/>
+          </a:stretch>
+        </p:blipFill>
+        <p:spPr>
+          <a:xfrm>
+            <a:off x="829588" y="1043999"/>
+            <a:ext cx="10524212" cy="4815560"/>
+          </a:xfrm>
+          <a:prstGeom prst="rect">
+            <a:avLst/>
+          </a:prstGeom>
+        </p:spPr>
+      </p:pic>
+      <p:sp>
+        <p:nvSpPr>
+          <p:cNvPr id="3" name="Rectangle 2">
+            <a:extLst>
+              <a:ext uri="{FF2B5EF4-FFF2-40B4-BE49-F238E27FC236}">
+                <a16:creationId xmlns:a16="http://schemas.microsoft.com/office/drawing/2014/main" id="{3E9F228C-0BBA-1E23-C39F-BFC88E005EB2}"/>
+              </a:ext>
+            </a:extLst>
+          </p:cNvPr>
+          <p:cNvSpPr/>
+          <p:nvPr/>
+        </p:nvSpPr>
+        <p:spPr>
+          <a:xfrm>
+            <a:off x="2623127" y="745103"/>
+            <a:ext cx="2050473" cy="572654"/>
+          </a:xfrm>
+          <a:prstGeom prst="rect">
+            <a:avLst/>
+          </a:prstGeom>
+          <a:solidFill>
+            <a:schemeClr val="bg1"/>
+          </a:solidFill>
+          <a:ln>
+            <a:noFill/>
+          </a:ln>
+        </p:spPr>
+        <p:style>
+          <a:lnRef idx="2">
+            <a:schemeClr val="accent1">
+              <a:shade val="15000"/>
+            </a:schemeClr>
+          </a:lnRef>
+          <a:fillRef idx="1">
+            <a:schemeClr val="accent1"/>
+          </a:fillRef>
+          <a:effectRef idx="0">
+            <a:schemeClr val="accent1"/>
+          </a:effectRef>
+          <a:fontRef idx="minor">
+            <a:schemeClr val="lt1"/>
+          </a:fontRef>
+        </p:style>
+        <p:txBody>
+          <a:bodyPr rtlCol="0" anchor="ctr"/>
+          <a:lstStyle/>
+          <a:p>
+            <a:pPr algn="ctr"/>
+            <a:endParaRPr lang="en-US"/>
+          </a:p>
+        </p:txBody>
+      </p:sp>
+      <p:sp>
+        <p:nvSpPr>
+          <p:cNvPr id="2" name="Title 1">
+            <a:extLst>
+              <a:ext uri="{FF2B5EF4-FFF2-40B4-BE49-F238E27FC236}">
+                <a16:creationId xmlns:a16="http://schemas.microsoft.com/office/drawing/2014/main" id="{B525207E-764D-A68A-2324-98DF94948AA1}"/>
+              </a:ext>
+            </a:extLst>
+          </p:cNvPr>
+          <p:cNvSpPr>
+            <a:spLocks noGrp="1"/>
+          </p:cNvSpPr>
+          <p:nvPr>
+            <p:ph type="title"/>
+          </p:nvPr>
+        </p:nvSpPr>
+        <p:spPr>
+          <a:xfrm>
+            <a:off x="838200" y="0"/>
+            <a:ext cx="10515600" cy="1325563"/>
+          </a:xfrm>
+        </p:spPr>
+        <p:txBody>
+          <a:bodyPr>
+            <a:normAutofit/>
+          </a:bodyPr>
+          <a:lstStyle/>
+          <a:p>
+            <a:r>
+              <a:rPr lang="en-US" dirty="0">
+                <a:solidFill>
+                  <a:schemeClr val="bg1">
+                    <a:lumMod val="75000"/>
+                  </a:schemeClr>
+                </a:solidFill>
+              </a:rPr>
+              <a:t>Fig. 2 (Comparison)</a:t>
+            </a:r>
+          </a:p>
+        </p:txBody>
+      </p:sp>
+      <p:sp>
+        <p:nvSpPr>
+          <p:cNvPr id="4" name="Rectangle 3">
+            <a:extLst>
+              <a:ext uri="{FF2B5EF4-FFF2-40B4-BE49-F238E27FC236}">
+                <a16:creationId xmlns:a16="http://schemas.microsoft.com/office/drawing/2014/main" id="{3DF0115A-1120-25D0-0E61-4B9DC8B31CBA}"/>
+              </a:ext>
+            </a:extLst>
+          </p:cNvPr>
+          <p:cNvSpPr/>
+          <p:nvPr/>
+        </p:nvSpPr>
+        <p:spPr>
+          <a:xfrm>
+            <a:off x="8114146" y="754629"/>
+            <a:ext cx="3248266" cy="572654"/>
+          </a:xfrm>
+          <a:prstGeom prst="rect">
+            <a:avLst/>
+          </a:prstGeom>
+          <a:solidFill>
+            <a:schemeClr val="bg1"/>
+          </a:solidFill>
+          <a:ln>
+            <a:noFill/>
+          </a:ln>
+        </p:spPr>
+        <p:style>
+          <a:lnRef idx="2">
+            <a:schemeClr val="accent1">
+              <a:shade val="15000"/>
+            </a:schemeClr>
+          </a:lnRef>
+          <a:fillRef idx="1">
+            <a:schemeClr val="accent1"/>
+          </a:fillRef>
+          <a:effectRef idx="0">
+            <a:schemeClr val="accent1"/>
+          </a:effectRef>
+          <a:fontRef idx="minor">
+            <a:schemeClr val="lt1"/>
+          </a:fontRef>
+        </p:style>
+        <p:txBody>
+          <a:bodyPr rtlCol="0" anchor="ctr"/>
+          <a:lstStyle/>
+          <a:p>
+            <a:pPr algn="ctr"/>
+            <a:endParaRPr lang="en-US"/>
+          </a:p>
+        </p:txBody>
+      </p:sp>
+    </p:spTree>
+    <p:extLst>
+      <p:ext uri="{BB962C8B-B14F-4D97-AF65-F5344CB8AC3E}">
+        <p14:creationId xmlns:p14="http://schemas.microsoft.com/office/powerpoint/2010/main" val="3346455093"/>
+      </p:ext>
+    </p:extLst>
+  </p:cSld>
+  <p:clrMapOvr>
+    <a:masterClrMapping/>
+  </p:clrMapOvr>
+</p:sld>
+</file>
+
+<file path=ppt/slides/slide13.xml><?xml version="1.0" encoding="utf-8"?>
+<p:sld xmlns:a="http://schemas.openxmlformats.org/drawingml/2006/main" xmlns:r="http://schemas.openxmlformats.org/officeDocument/2006/relationships" xmlns:p="http://schemas.openxmlformats.org/presentationml/2006/main">
+  <p:cSld>
+    <p:spTree>
+      <p:nvGrpSpPr>
+        <p:cNvPr id="1" name=""/>
+        <p:cNvGrpSpPr/>
+        <p:nvPr/>
+      </p:nvGrpSpPr>
+      <p:grpSpPr>
+        <a:xfrm>
+          <a:off x="0" y="0"/>
+          <a:ext cx="0" cy="0"/>
+          <a:chOff x="0" y="0"/>
+          <a:chExt cx="0" cy="0"/>
+        </a:xfrm>
+      </p:grpSpPr>
+      <p:pic>
+        <p:nvPicPr>
+          <p:cNvPr id="4" name="Picture 3" descr="A grid of dots with different colored circles&#10;&#10;Description automatically generated">
+            <a:extLst>
+              <a:ext uri="{FF2B5EF4-FFF2-40B4-BE49-F238E27FC236}">
+                <a16:creationId xmlns:a16="http://schemas.microsoft.com/office/drawing/2014/main" id="{B1E34A05-A6FD-43CE-0464-17069D4A7C70}"/>
+              </a:ext>
+            </a:extLst>
+          </p:cNvPr>
+          <p:cNvPicPr>
+            <a:picLocks noChangeAspect="1"/>
+          </p:cNvPicPr>
+          <p:nvPr/>
+        </p:nvPicPr>
+        <p:blipFill>
+          <a:blip r:embed="rId3">
+            <a:extLst>
+              <a:ext uri="{28A0092B-C50C-407E-A947-70E740481C1C}">
+                <a14:useLocalDpi xmlns:a14="http://schemas.microsoft.com/office/drawing/2010/main" val="0"/>
+              </a:ext>
+            </a:extLst>
+          </a:blip>
+          <a:stretch>
+            <a:fillRect/>
+          </a:stretch>
+        </p:blipFill>
+        <p:spPr>
+          <a:xfrm>
+            <a:off x="3537954" y="1325563"/>
+            <a:ext cx="5116091" cy="4773113"/>
+          </a:xfrm>
+          <a:prstGeom prst="rect">
+            <a:avLst/>
+          </a:prstGeom>
+        </p:spPr>
+      </p:pic>
+    </p:spTree>
+    <p:extLst>
+      <p:ext uri="{BB962C8B-B14F-4D97-AF65-F5344CB8AC3E}">
+        <p14:creationId xmlns:p14="http://schemas.microsoft.com/office/powerpoint/2010/main" val="183731470"/>
+      </p:ext>
+    </p:extLst>
+  </p:cSld>
+  <p:clrMapOvr>
+    <a:masterClrMapping/>
+  </p:clrMapOvr>
+</p:sld>
+</file>
+
+<file path=ppt/slides/slide14.xml><?xml version="1.0" encoding="utf-8"?>
+<p:sld xmlns:a="http://schemas.openxmlformats.org/drawingml/2006/main" xmlns:r="http://schemas.openxmlformats.org/officeDocument/2006/relationships" xmlns:p="http://schemas.openxmlformats.org/presentationml/2006/main">
+  <p:cSld>
+    <p:spTree>
+      <p:nvGrpSpPr>
+        <p:cNvPr id="1" name=""/>
+        <p:cNvGrpSpPr/>
+        <p:nvPr/>
+      </p:nvGrpSpPr>
+      <p:grpSpPr>
+        <a:xfrm>
+          <a:off x="0" y="0"/>
+          <a:ext cx="0" cy="0"/>
+          <a:chOff x="0" y="0"/>
+          <a:chExt cx="0" cy="0"/>
+        </a:xfrm>
+      </p:grpSpPr>
+      <p:sp>
+        <p:nvSpPr>
+          <p:cNvPr id="2" name="Title 1">
+            <a:extLst>
+              <a:ext uri="{FF2B5EF4-FFF2-40B4-BE49-F238E27FC236}">
+                <a16:creationId xmlns:a16="http://schemas.microsoft.com/office/drawing/2014/main" id="{B525207E-764D-A68A-2324-98DF94948AA1}"/>
+              </a:ext>
+            </a:extLst>
+          </p:cNvPr>
+          <p:cNvSpPr>
+            <a:spLocks noGrp="1"/>
+          </p:cNvSpPr>
+          <p:nvPr>
+            <p:ph type="title"/>
+          </p:nvPr>
+        </p:nvSpPr>
+        <p:spPr>
+          <a:xfrm>
+            <a:off x="838200" y="0"/>
+            <a:ext cx="10515600" cy="1325563"/>
+          </a:xfrm>
+        </p:spPr>
+        <p:txBody>
+          <a:bodyPr>
+            <a:normAutofit/>
+          </a:bodyPr>
+          <a:lstStyle/>
+          <a:p>
+            <a:r>
+              <a:rPr lang="en-US" dirty="0">
+                <a:solidFill>
+                  <a:schemeClr val="bg1">
+                    <a:lumMod val="75000"/>
+                  </a:schemeClr>
+                </a:solidFill>
+              </a:rPr>
+              <a:t>Fig. 3</a:t>
+            </a:r>
+          </a:p>
+        </p:txBody>
+      </p:sp>
+      <p:pic>
+        <p:nvPicPr>
+          <p:cNvPr id="20" name="Picture 19">
+            <a:extLst>
+              <a:ext uri="{FF2B5EF4-FFF2-40B4-BE49-F238E27FC236}">
+                <a16:creationId xmlns:a16="http://schemas.microsoft.com/office/drawing/2014/main" id="{2D9FB82C-C849-EE90-1F4A-DC958F530C14}"/>
+              </a:ext>
+            </a:extLst>
+          </p:cNvPr>
+          <p:cNvPicPr>
+            <a:picLocks noChangeAspect="1"/>
+          </p:cNvPicPr>
+          <p:nvPr/>
+        </p:nvPicPr>
+        <p:blipFill>
+          <a:blip r:embed="rId3"/>
+          <a:stretch>
+            <a:fillRect/>
+          </a:stretch>
+        </p:blipFill>
+        <p:spPr>
+          <a:xfrm>
+            <a:off x="838200" y="1159309"/>
+            <a:ext cx="10792651" cy="4733492"/>
+          </a:xfrm>
+          <a:prstGeom prst="rect">
+            <a:avLst/>
+          </a:prstGeom>
+        </p:spPr>
+      </p:pic>
+    </p:spTree>
+    <p:extLst>
+      <p:ext uri="{BB962C8B-B14F-4D97-AF65-F5344CB8AC3E}">
+        <p14:creationId xmlns:p14="http://schemas.microsoft.com/office/powerpoint/2010/main" val="3144333463"/>
+      </p:ext>
+    </p:extLst>
+  </p:cSld>
+  <p:clrMapOvr>
+    <a:masterClrMapping/>
+  </p:clrMapOvr>
+</p:sld>
+</file>
+
+<file path=ppt/slides/slide15.xml><?xml version="1.0" encoding="utf-8"?>
+<p:sld xmlns:a="http://schemas.openxmlformats.org/drawingml/2006/main" xmlns:r="http://schemas.openxmlformats.org/officeDocument/2006/relationships" xmlns:p="http://schemas.openxmlformats.org/presentationml/2006/main">
+  <p:cSld>
+    <p:spTree>
+      <p:nvGrpSpPr>
+        <p:cNvPr id="1" name=""/>
+        <p:cNvGrpSpPr/>
+        <p:nvPr/>
+      </p:nvGrpSpPr>
+      <p:grpSpPr>
+        <a:xfrm>
+          <a:off x="0" y="0"/>
+          <a:ext cx="0" cy="0"/>
+          <a:chOff x="0" y="0"/>
+          <a:chExt cx="0" cy="0"/>
+        </a:xfrm>
+      </p:grpSpPr>
+      <p:sp>
+        <p:nvSpPr>
+          <p:cNvPr id="2" name="Title 1">
+            <a:extLst>
+              <a:ext uri="{FF2B5EF4-FFF2-40B4-BE49-F238E27FC236}">
+                <a16:creationId xmlns:a16="http://schemas.microsoft.com/office/drawing/2014/main" id="{B525207E-764D-A68A-2324-98DF94948AA1}"/>
+              </a:ext>
+            </a:extLst>
+          </p:cNvPr>
+          <p:cNvSpPr>
+            <a:spLocks noGrp="1"/>
+          </p:cNvSpPr>
+          <p:nvPr>
+            <p:ph type="title"/>
+          </p:nvPr>
+        </p:nvSpPr>
+        <p:spPr>
+          <a:xfrm>
+            <a:off x="838200" y="0"/>
+            <a:ext cx="10515600" cy="1325563"/>
+          </a:xfrm>
+        </p:spPr>
+        <p:txBody>
+          <a:bodyPr>
+            <a:normAutofit/>
+          </a:bodyPr>
+          <a:lstStyle/>
+          <a:p>
+            <a:r>
+              <a:rPr lang="en-US" dirty="0">
+                <a:solidFill>
+                  <a:schemeClr val="bg1">
+                    <a:lumMod val="75000"/>
+                  </a:schemeClr>
+                </a:solidFill>
+              </a:rPr>
+              <a:t>Fig. 3</a:t>
+            </a:r>
+          </a:p>
+        </p:txBody>
+      </p:sp>
+      <p:pic>
+        <p:nvPicPr>
+          <p:cNvPr id="4" name="Picture 3">
+            <a:extLst>
+              <a:ext uri="{FF2B5EF4-FFF2-40B4-BE49-F238E27FC236}">
+                <a16:creationId xmlns:a16="http://schemas.microsoft.com/office/drawing/2014/main" id="{2E5C039D-BC81-0D44-BD71-E3BBAB957A30}"/>
+              </a:ext>
+            </a:extLst>
+          </p:cNvPr>
+          <p:cNvPicPr>
+            <a:picLocks noChangeAspect="1"/>
+          </p:cNvPicPr>
+          <p:nvPr/>
+        </p:nvPicPr>
+        <p:blipFill>
+          <a:blip r:embed="rId3"/>
+          <a:stretch>
+            <a:fillRect/>
+          </a:stretch>
+        </p:blipFill>
+        <p:spPr>
+          <a:xfrm>
+            <a:off x="920708" y="2137835"/>
+            <a:ext cx="10627633" cy="3108420"/>
+          </a:xfrm>
+          <a:prstGeom prst="rect">
+            <a:avLst/>
+          </a:prstGeom>
+        </p:spPr>
+      </p:pic>
+    </p:spTree>
+    <p:extLst>
+      <p:ext uri="{BB962C8B-B14F-4D97-AF65-F5344CB8AC3E}">
+        <p14:creationId xmlns:p14="http://schemas.microsoft.com/office/powerpoint/2010/main" val="2762384141"/>
+      </p:ext>
+    </p:extLst>
+  </p:cSld>
+  <p:clrMapOvr>
+    <a:masterClrMapping/>
+  </p:clrMapOvr>
+</p:sld>
+</file>
+
+<file path=ppt/slides/slide16.xml><?xml version="1.0" encoding="utf-8"?>
+<p:sld xmlns:a="http://schemas.openxmlformats.org/drawingml/2006/main" xmlns:r="http://schemas.openxmlformats.org/officeDocument/2006/relationships" xmlns:p="http://schemas.openxmlformats.org/presentationml/2006/main">
+  <p:cSld>
+    <p:spTree>
+      <p:nvGrpSpPr>
+        <p:cNvPr id="1" name=""/>
+        <p:cNvGrpSpPr/>
+        <p:nvPr/>
+      </p:nvGrpSpPr>
+      <p:grpSpPr>
+        <a:xfrm>
+          <a:off x="0" y="0"/>
+          <a:ext cx="0" cy="0"/>
+          <a:chOff x="0" y="0"/>
+          <a:chExt cx="0" cy="0"/>
+        </a:xfrm>
+      </p:grpSpPr>
+      <p:sp>
+        <p:nvSpPr>
+          <p:cNvPr id="2" name="Title 1">
+            <a:extLst>
+              <a:ext uri="{FF2B5EF4-FFF2-40B4-BE49-F238E27FC236}">
+                <a16:creationId xmlns:a16="http://schemas.microsoft.com/office/drawing/2014/main" id="{B525207E-764D-A68A-2324-98DF94948AA1}"/>
+              </a:ext>
+            </a:extLst>
+          </p:cNvPr>
+          <p:cNvSpPr>
+            <a:spLocks noGrp="1"/>
+          </p:cNvSpPr>
+          <p:nvPr>
+            <p:ph type="title"/>
+          </p:nvPr>
+        </p:nvSpPr>
+        <p:spPr>
+          <a:xfrm>
+            <a:off x="838200" y="0"/>
+            <a:ext cx="10515600" cy="1325563"/>
+          </a:xfrm>
+        </p:spPr>
+        <p:txBody>
+          <a:bodyPr>
+            <a:normAutofit/>
+          </a:bodyPr>
+          <a:lstStyle/>
+          <a:p>
+            <a:r>
+              <a:rPr lang="en-US" dirty="0">
+                <a:solidFill>
+                  <a:schemeClr val="bg1">
+                    <a:lumMod val="75000"/>
+                  </a:schemeClr>
+                </a:solidFill>
+              </a:rPr>
+              <a:t>Fig. 4</a:t>
+            </a:r>
+          </a:p>
+        </p:txBody>
+      </p:sp>
+      <p:pic>
+        <p:nvPicPr>
+          <p:cNvPr id="18" name="Picture 17">
+            <a:extLst>
+              <a:ext uri="{FF2B5EF4-FFF2-40B4-BE49-F238E27FC236}">
+                <a16:creationId xmlns:a16="http://schemas.microsoft.com/office/drawing/2014/main" id="{DB2FC70C-172B-B05E-2B04-32E32398FD6A}"/>
+              </a:ext>
+            </a:extLst>
+          </p:cNvPr>
+          <p:cNvPicPr>
+            <a:picLocks noChangeAspect="1"/>
+          </p:cNvPicPr>
+          <p:nvPr/>
+        </p:nvPicPr>
+        <p:blipFill>
+          <a:blip r:embed="rId3"/>
+          <a:stretch>
+            <a:fillRect/>
+          </a:stretch>
+        </p:blipFill>
+        <p:spPr>
+          <a:xfrm>
+            <a:off x="728472" y="995745"/>
+            <a:ext cx="10081430" cy="5739208"/>
+          </a:xfrm>
+          <a:prstGeom prst="rect">
+            <a:avLst/>
+          </a:prstGeom>
+        </p:spPr>
+      </p:pic>
+    </p:spTree>
+    <p:extLst>
+      <p:ext uri="{BB962C8B-B14F-4D97-AF65-F5344CB8AC3E}">
+        <p14:creationId xmlns:p14="http://schemas.microsoft.com/office/powerpoint/2010/main" val="2719926111"/>
+      </p:ext>
+    </p:extLst>
+  </p:cSld>
+  <p:clrMapOvr>
+    <a:masterClrMapping/>
+  </p:clrMapOvr>
+</p:sld>
+</file>
+
+<file path=ppt/slides/slide17.xml><?xml version="1.0" encoding="utf-8"?>
+<p:sld xmlns:a="http://schemas.openxmlformats.org/drawingml/2006/main" xmlns:r="http://schemas.openxmlformats.org/officeDocument/2006/relationships" xmlns:p="http://schemas.openxmlformats.org/presentationml/2006/main">
+  <p:cSld>
+    <p:spTree>
+      <p:nvGrpSpPr>
+        <p:cNvPr id="1" name=""/>
+        <p:cNvGrpSpPr/>
+        <p:nvPr/>
+      </p:nvGrpSpPr>
+      <p:grpSpPr>
+        <a:xfrm>
+          <a:off x="0" y="0"/>
+          <a:ext cx="0" cy="0"/>
+          <a:chOff x="0" y="0"/>
+          <a:chExt cx="0" cy="0"/>
+        </a:xfrm>
+      </p:grpSpPr>
       <p:sp>
         <p:nvSpPr>
           <p:cNvPr id="2" name="Title 1">
@@ -3551,7 +7264,7 @@
           <p:nvPr/>
         </p:nvPicPr>
         <p:blipFill>
-          <a:blip r:embed="rId2"/>
+          <a:blip r:embed="rId3"/>
           <a:stretch>
             <a:fillRect/>
           </a:stretch>
@@ -3579,7 +7292,366 @@
 </p:sld>
 </file>
 
-<file path=ppt/slides/slide11.xml><?xml version="1.0" encoding="utf-8"?>
+<file path=ppt/slides/slide18.xml><?xml version="1.0" encoding="utf-8"?>
+<p:sld xmlns:a="http://schemas.openxmlformats.org/drawingml/2006/main" xmlns:r="http://schemas.openxmlformats.org/officeDocument/2006/relationships" xmlns:p="http://schemas.openxmlformats.org/presentationml/2006/main">
+  <p:cSld>
+    <p:spTree>
+      <p:nvGrpSpPr>
+        <p:cNvPr id="1" name=""/>
+        <p:cNvGrpSpPr/>
+        <p:nvPr/>
+      </p:nvGrpSpPr>
+      <p:grpSpPr>
+        <a:xfrm>
+          <a:off x="0" y="0"/>
+          <a:ext cx="0" cy="0"/>
+          <a:chOff x="0" y="0"/>
+          <a:chExt cx="0" cy="0"/>
+        </a:xfrm>
+      </p:grpSpPr>
+      <p:grpSp>
+        <p:nvGrpSpPr>
+          <p:cNvPr id="10" name="Group 9">
+            <a:extLst>
+              <a:ext uri="{FF2B5EF4-FFF2-40B4-BE49-F238E27FC236}">
+                <a16:creationId xmlns:a16="http://schemas.microsoft.com/office/drawing/2014/main" id="{1512030B-B702-39CD-C4D1-12D4B736DEAE}"/>
+              </a:ext>
+            </a:extLst>
+          </p:cNvPr>
+          <p:cNvGrpSpPr/>
+          <p:nvPr/>
+        </p:nvGrpSpPr>
+        <p:grpSpPr>
+          <a:xfrm>
+            <a:off x="525009" y="-1416972"/>
+            <a:ext cx="11784955" cy="6202162"/>
+            <a:chOff x="605743" y="636607"/>
+            <a:chExt cx="11784955" cy="6202162"/>
+          </a:xfrm>
+        </p:grpSpPr>
+        <p:pic>
+          <p:nvPicPr>
+            <p:cNvPr id="11" name="Picture 10">
+              <a:extLst>
+                <a:ext uri="{FF2B5EF4-FFF2-40B4-BE49-F238E27FC236}">
+                  <a16:creationId xmlns:a16="http://schemas.microsoft.com/office/drawing/2014/main" id="{93E90E8B-58C6-9778-2AD9-BA85447D0FF3}"/>
+                </a:ext>
+              </a:extLst>
+            </p:cNvPr>
+            <p:cNvPicPr>
+              <a:picLocks noChangeAspect="1"/>
+            </p:cNvPicPr>
+            <p:nvPr/>
+          </p:nvPicPr>
+          <p:blipFill>
+            <a:blip r:embed="rId3"/>
+            <a:stretch>
+              <a:fillRect/>
+            </a:stretch>
+          </p:blipFill>
+          <p:spPr>
+            <a:xfrm>
+              <a:off x="723707" y="995745"/>
+              <a:ext cx="10515600" cy="5843024"/>
+            </a:xfrm>
+            <a:prstGeom prst="rect">
+              <a:avLst/>
+            </a:prstGeom>
+          </p:spPr>
+        </p:pic>
+        <p:sp>
+          <p:nvSpPr>
+            <p:cNvPr id="12" name="Rectangle 11">
+              <a:extLst>
+                <a:ext uri="{FF2B5EF4-FFF2-40B4-BE49-F238E27FC236}">
+                  <a16:creationId xmlns:a16="http://schemas.microsoft.com/office/drawing/2014/main" id="{698BF70F-9B12-84AC-42BE-BDEAAEDB3EF1}"/>
+                </a:ext>
+              </a:extLst>
+            </p:cNvPr>
+            <p:cNvSpPr/>
+            <p:nvPr/>
+          </p:nvSpPr>
+          <p:spPr>
+            <a:xfrm>
+              <a:off x="605743" y="636607"/>
+              <a:ext cx="10748058" cy="3877519"/>
+            </a:xfrm>
+            <a:prstGeom prst="rect">
+              <a:avLst/>
+            </a:prstGeom>
+            <a:solidFill>
+              <a:schemeClr val="bg1"/>
+            </a:solidFill>
+            <a:ln>
+              <a:noFill/>
+            </a:ln>
+          </p:spPr>
+          <p:style>
+            <a:lnRef idx="2">
+              <a:schemeClr val="accent1">
+                <a:shade val="15000"/>
+              </a:schemeClr>
+            </a:lnRef>
+            <a:fillRef idx="1">
+              <a:schemeClr val="accent1"/>
+            </a:fillRef>
+            <a:effectRef idx="0">
+              <a:schemeClr val="accent1"/>
+            </a:effectRef>
+            <a:fontRef idx="minor">
+              <a:schemeClr val="lt1"/>
+            </a:fontRef>
+          </p:style>
+          <p:txBody>
+            <a:bodyPr rtlCol="0" anchor="ctr"/>
+            <a:lstStyle/>
+            <a:p>
+              <a:pPr algn="ctr"/>
+              <a:endParaRPr lang="en-US"/>
+            </a:p>
+          </p:txBody>
+        </p:sp>
+        <p:sp>
+          <p:nvSpPr>
+            <p:cNvPr id="13" name="Rectangle 12">
+              <a:extLst>
+                <a:ext uri="{FF2B5EF4-FFF2-40B4-BE49-F238E27FC236}">
+                  <a16:creationId xmlns:a16="http://schemas.microsoft.com/office/drawing/2014/main" id="{A41C2A22-20D8-83EB-BCDE-235F14C7C12C}"/>
+                </a:ext>
+              </a:extLst>
+            </p:cNvPr>
+            <p:cNvSpPr/>
+            <p:nvPr/>
+          </p:nvSpPr>
+          <p:spPr>
+            <a:xfrm>
+              <a:off x="9028253" y="2639028"/>
+              <a:ext cx="2558005" cy="4199741"/>
+            </a:xfrm>
+            <a:prstGeom prst="rect">
+              <a:avLst/>
+            </a:prstGeom>
+            <a:solidFill>
+              <a:schemeClr val="bg1"/>
+            </a:solidFill>
+            <a:ln>
+              <a:noFill/>
+            </a:ln>
+          </p:spPr>
+          <p:style>
+            <a:lnRef idx="2">
+              <a:schemeClr val="accent1">
+                <a:shade val="15000"/>
+              </a:schemeClr>
+            </a:lnRef>
+            <a:fillRef idx="1">
+              <a:schemeClr val="accent1"/>
+            </a:fillRef>
+            <a:effectRef idx="0">
+              <a:schemeClr val="accent1"/>
+            </a:effectRef>
+            <a:fontRef idx="minor">
+              <a:schemeClr val="lt1"/>
+            </a:fontRef>
+          </p:style>
+          <p:txBody>
+            <a:bodyPr rtlCol="0" anchor="ctr"/>
+            <a:lstStyle/>
+            <a:p>
+              <a:pPr algn="ctr"/>
+              <a:endParaRPr lang="en-US"/>
+            </a:p>
+          </p:txBody>
+        </p:sp>
+        <p:sp>
+          <p:nvSpPr>
+            <p:cNvPr id="14" name="Rectangle 13">
+              <a:extLst>
+                <a:ext uri="{FF2B5EF4-FFF2-40B4-BE49-F238E27FC236}">
+                  <a16:creationId xmlns:a16="http://schemas.microsoft.com/office/drawing/2014/main" id="{FCCECDC3-0449-62EB-CE59-F594D004D6A4}"/>
+                </a:ext>
+              </a:extLst>
+            </p:cNvPr>
+            <p:cNvSpPr/>
+            <p:nvPr/>
+          </p:nvSpPr>
+          <p:spPr>
+            <a:xfrm>
+              <a:off x="8848845" y="4612516"/>
+              <a:ext cx="3541853" cy="1817225"/>
+            </a:xfrm>
+            <a:prstGeom prst="rect">
+              <a:avLst/>
+            </a:prstGeom>
+            <a:solidFill>
+              <a:schemeClr val="bg1"/>
+            </a:solidFill>
+            <a:ln>
+              <a:noFill/>
+            </a:ln>
+          </p:spPr>
+          <p:style>
+            <a:lnRef idx="2">
+              <a:schemeClr val="accent1">
+                <a:shade val="15000"/>
+              </a:schemeClr>
+            </a:lnRef>
+            <a:fillRef idx="1">
+              <a:schemeClr val="accent1"/>
+            </a:fillRef>
+            <a:effectRef idx="0">
+              <a:schemeClr val="accent1"/>
+            </a:effectRef>
+            <a:fontRef idx="minor">
+              <a:schemeClr val="lt1"/>
+            </a:fontRef>
+          </p:style>
+          <p:txBody>
+            <a:bodyPr rtlCol="0" anchor="ctr"/>
+            <a:lstStyle/>
+            <a:p>
+              <a:pPr algn="ctr"/>
+              <a:endParaRPr lang="en-US"/>
+            </a:p>
+          </p:txBody>
+        </p:sp>
+        <p:sp>
+          <p:nvSpPr>
+            <p:cNvPr id="16" name="Rectangle 15">
+              <a:extLst>
+                <a:ext uri="{FF2B5EF4-FFF2-40B4-BE49-F238E27FC236}">
+                  <a16:creationId xmlns:a16="http://schemas.microsoft.com/office/drawing/2014/main" id="{631FDD97-6239-ABAB-A059-096DD33DB653}"/>
+                </a:ext>
+              </a:extLst>
+            </p:cNvPr>
+            <p:cNvSpPr/>
+            <p:nvPr/>
+          </p:nvSpPr>
+          <p:spPr>
+            <a:xfrm>
+              <a:off x="8669438" y="2639028"/>
+              <a:ext cx="358815" cy="266539"/>
+            </a:xfrm>
+            <a:prstGeom prst="rect">
+              <a:avLst/>
+            </a:prstGeom>
+            <a:solidFill>
+              <a:schemeClr val="bg1"/>
+            </a:solidFill>
+            <a:ln>
+              <a:noFill/>
+            </a:ln>
+          </p:spPr>
+          <p:style>
+            <a:lnRef idx="2">
+              <a:schemeClr val="accent1">
+                <a:shade val="15000"/>
+              </a:schemeClr>
+            </a:lnRef>
+            <a:fillRef idx="1">
+              <a:schemeClr val="accent1"/>
+            </a:fillRef>
+            <a:effectRef idx="0">
+              <a:schemeClr val="accent1"/>
+            </a:effectRef>
+            <a:fontRef idx="minor">
+              <a:schemeClr val="lt1"/>
+            </a:fontRef>
+          </p:style>
+          <p:txBody>
+            <a:bodyPr rtlCol="0" anchor="ctr"/>
+            <a:lstStyle/>
+            <a:p>
+              <a:pPr algn="ctr"/>
+              <a:endParaRPr lang="en-US"/>
+            </a:p>
+          </p:txBody>
+        </p:sp>
+        <p:pic>
+          <p:nvPicPr>
+            <p:cNvPr id="17" name="Picture 16">
+              <a:extLst>
+                <a:ext uri="{FF2B5EF4-FFF2-40B4-BE49-F238E27FC236}">
+                  <a16:creationId xmlns:a16="http://schemas.microsoft.com/office/drawing/2014/main" id="{C7177CB4-6B4B-E098-7D38-54F0EFEF0593}"/>
+                </a:ext>
+              </a:extLst>
+            </p:cNvPr>
+            <p:cNvPicPr>
+              <a:picLocks noChangeAspect="1"/>
+            </p:cNvPicPr>
+            <p:nvPr/>
+          </p:nvPicPr>
+          <p:blipFill rotWithShape="1">
+            <a:blip r:embed="rId4"/>
+            <a:srcRect l="12156" t="65356" r="65150" b="1"/>
+            <a:stretch/>
+          </p:blipFill>
+          <p:spPr>
+            <a:xfrm>
+              <a:off x="9028253" y="4386860"/>
+              <a:ext cx="2440040" cy="2268536"/>
+            </a:xfrm>
+            <a:prstGeom prst="rect">
+              <a:avLst/>
+            </a:prstGeom>
+          </p:spPr>
+        </p:pic>
+      </p:grpSp>
+      <p:sp>
+        <p:nvSpPr>
+          <p:cNvPr id="20" name="Title 1">
+            <a:extLst>
+              <a:ext uri="{FF2B5EF4-FFF2-40B4-BE49-F238E27FC236}">
+                <a16:creationId xmlns:a16="http://schemas.microsoft.com/office/drawing/2014/main" id="{E13357A7-A518-B0D7-BAC4-22D345570EFA}"/>
+              </a:ext>
+            </a:extLst>
+          </p:cNvPr>
+          <p:cNvSpPr>
+            <a:spLocks noGrp="1"/>
+          </p:cNvSpPr>
+          <p:nvPr>
+            <p:ph type="title"/>
+          </p:nvPr>
+        </p:nvSpPr>
+        <p:spPr>
+          <a:xfrm>
+            <a:off x="838200" y="0"/>
+            <a:ext cx="10515600" cy="1325563"/>
+          </a:xfrm>
+        </p:spPr>
+        <p:txBody>
+          <a:bodyPr>
+            <a:normAutofit/>
+          </a:bodyPr>
+          <a:lstStyle/>
+          <a:p>
+            <a:r>
+              <a:rPr lang="en-US" dirty="0">
+                <a:solidFill>
+                  <a:schemeClr val="bg1">
+                    <a:lumMod val="75000"/>
+                  </a:schemeClr>
+                </a:solidFill>
+              </a:rPr>
+              <a:t>Fig. 5 (Integration Hierarchy)</a:t>
+            </a:r>
+          </a:p>
+        </p:txBody>
+      </p:sp>
+    </p:spTree>
+    <p:extLst>
+      <p:ext uri="{BB962C8B-B14F-4D97-AF65-F5344CB8AC3E}">
+        <p14:creationId xmlns:p14="http://schemas.microsoft.com/office/powerpoint/2010/main" val="3389942580"/>
+      </p:ext>
+    </p:extLst>
+  </p:cSld>
+  <p:clrMapOvr>
+    <a:masterClrMapping/>
+  </p:clrMapOvr>
+</p:sld>
+</file>
+
+<file path=ppt/slides/slide19.xml><?xml version="1.0" encoding="utf-8"?>
 <p:sld xmlns:a="http://schemas.openxmlformats.org/drawingml/2006/main" xmlns:r="http://schemas.openxmlformats.org/officeDocument/2006/relationships" xmlns:p="http://schemas.openxmlformats.org/presentationml/2006/main">
   <p:cSld>
     <p:spTree>
@@ -3680,7 +7752,108 @@
 </p:sld>
 </file>
 
-<file path=ppt/slides/slide12.xml><?xml version="1.0" encoding="utf-8"?>
+<file path=ppt/slides/slide2.xml><?xml version="1.0" encoding="utf-8"?>
+<p:sld xmlns:a="http://schemas.openxmlformats.org/drawingml/2006/main" xmlns:r="http://schemas.openxmlformats.org/officeDocument/2006/relationships" xmlns:p="http://schemas.openxmlformats.org/presentationml/2006/main">
+  <p:cSld>
+    <p:spTree>
+      <p:nvGrpSpPr>
+        <p:cNvPr id="1" name=""/>
+        <p:cNvGrpSpPr/>
+        <p:nvPr/>
+      </p:nvGrpSpPr>
+      <p:grpSpPr>
+        <a:xfrm>
+          <a:off x="0" y="0"/>
+          <a:ext cx="0" cy="0"/>
+          <a:chOff x="0" y="0"/>
+          <a:chExt cx="0" cy="0"/>
+        </a:xfrm>
+      </p:grpSpPr>
+      <p:sp>
+        <p:nvSpPr>
+          <p:cNvPr id="2" name="Title 1">
+            <a:extLst>
+              <a:ext uri="{FF2B5EF4-FFF2-40B4-BE49-F238E27FC236}">
+                <a16:creationId xmlns:a16="http://schemas.microsoft.com/office/drawing/2014/main" id="{B525207E-764D-A68A-2324-98DF94948AA1}"/>
+              </a:ext>
+            </a:extLst>
+          </p:cNvPr>
+          <p:cNvSpPr>
+            <a:spLocks noGrp="1"/>
+          </p:cNvSpPr>
+          <p:nvPr>
+            <p:ph type="title"/>
+          </p:nvPr>
+        </p:nvSpPr>
+        <p:spPr>
+          <a:xfrm>
+            <a:off x="838200" y="0"/>
+            <a:ext cx="10515600" cy="1325563"/>
+          </a:xfrm>
+        </p:spPr>
+        <p:txBody>
+          <a:bodyPr>
+            <a:normAutofit/>
+          </a:bodyPr>
+          <a:lstStyle/>
+          <a:p>
+            <a:r>
+              <a:rPr lang="en-US" dirty="0">
+                <a:solidFill>
+                  <a:schemeClr val="bg1">
+                    <a:lumMod val="75000"/>
+                  </a:schemeClr>
+                </a:solidFill>
+              </a:rPr>
+              <a:t>Fig. 1</a:t>
+            </a:r>
+          </a:p>
+        </p:txBody>
+      </p:sp>
+      <p:pic>
+        <p:nvPicPr>
+          <p:cNvPr id="22" name="Picture 21">
+            <a:extLst>
+              <a:ext uri="{FF2B5EF4-FFF2-40B4-BE49-F238E27FC236}">
+                <a16:creationId xmlns:a16="http://schemas.microsoft.com/office/drawing/2014/main" id="{5065A11B-CB6D-9644-A7CE-1A5C069C1748}"/>
+              </a:ext>
+            </a:extLst>
+          </p:cNvPr>
+          <p:cNvPicPr>
+            <a:picLocks noChangeAspect="1"/>
+          </p:cNvPicPr>
+          <p:nvPr/>
+        </p:nvPicPr>
+        <p:blipFill>
+          <a:blip r:embed="rId3"/>
+          <a:stretch>
+            <a:fillRect/>
+          </a:stretch>
+        </p:blipFill>
+        <p:spPr>
+          <a:xfrm>
+            <a:off x="2404547" y="1180786"/>
+            <a:ext cx="7382905" cy="4496427"/>
+          </a:xfrm>
+          <a:prstGeom prst="rect">
+            <a:avLst/>
+          </a:prstGeom>
+        </p:spPr>
+      </p:pic>
+    </p:spTree>
+    <p:extLst>
+      <p:ext uri="{BB962C8B-B14F-4D97-AF65-F5344CB8AC3E}">
+        <p14:creationId xmlns:p14="http://schemas.microsoft.com/office/powerpoint/2010/main" val="2707842746"/>
+      </p:ext>
+    </p:extLst>
+  </p:cSld>
+  <p:clrMapOvr>
+    <a:masterClrMapping/>
+  </p:clrMapOvr>
+</p:sld>
+</file>
+
+<file path=ppt/slides/slide20.xml><?xml version="1.0" encoding="utf-8"?>
 <p:sld xmlns:a="http://schemas.openxmlformats.org/drawingml/2006/main" xmlns:r="http://schemas.openxmlformats.org/officeDocument/2006/relationships" xmlns:p="http://schemas.openxmlformats.org/presentationml/2006/main">
   <p:cSld>
     <p:spTree>
@@ -3781,7 +7954,223 @@
 </p:sld>
 </file>
 
-<file path=ppt/slides/slide13.xml><?xml version="1.0" encoding="utf-8"?>
+<file path=ppt/slides/slide21.xml><?xml version="1.0" encoding="utf-8"?>
+<p:sld xmlns:a="http://schemas.openxmlformats.org/drawingml/2006/main" xmlns:r="http://schemas.openxmlformats.org/officeDocument/2006/relationships" xmlns:p="http://schemas.openxmlformats.org/presentationml/2006/main">
+  <p:cSld>
+    <p:spTree>
+      <p:nvGrpSpPr>
+        <p:cNvPr id="1" name=""/>
+        <p:cNvGrpSpPr/>
+        <p:nvPr/>
+      </p:nvGrpSpPr>
+      <p:grpSpPr>
+        <a:xfrm>
+          <a:off x="0" y="0"/>
+          <a:ext cx="0" cy="0"/>
+          <a:chOff x="0" y="0"/>
+          <a:chExt cx="0" cy="0"/>
+        </a:xfrm>
+      </p:grpSpPr>
+      <p:sp>
+        <p:nvSpPr>
+          <p:cNvPr id="2" name="Title 1">
+            <a:extLst>
+              <a:ext uri="{FF2B5EF4-FFF2-40B4-BE49-F238E27FC236}">
+                <a16:creationId xmlns:a16="http://schemas.microsoft.com/office/drawing/2014/main" id="{B525207E-764D-A68A-2324-98DF94948AA1}"/>
+              </a:ext>
+            </a:extLst>
+          </p:cNvPr>
+          <p:cNvSpPr>
+            <a:spLocks noGrp="1"/>
+          </p:cNvSpPr>
+          <p:nvPr>
+            <p:ph type="title"/>
+          </p:nvPr>
+        </p:nvSpPr>
+        <p:spPr>
+          <a:xfrm>
+            <a:off x="838200" y="0"/>
+            <a:ext cx="10515600" cy="1325563"/>
+          </a:xfrm>
+        </p:spPr>
+        <p:txBody>
+          <a:bodyPr>
+            <a:normAutofit/>
+          </a:bodyPr>
+          <a:lstStyle/>
+          <a:p>
+            <a:r>
+              <a:rPr lang="en-US" dirty="0">
+                <a:solidFill>
+                  <a:schemeClr val="bg1">
+                    <a:lumMod val="75000"/>
+                  </a:schemeClr>
+                </a:solidFill>
+              </a:rPr>
+              <a:t>Fig. 7 (Entailment Hierarchy)</a:t>
+            </a:r>
+          </a:p>
+        </p:txBody>
+      </p:sp>
+      <p:pic>
+        <p:nvPicPr>
+          <p:cNvPr id="11" name="Picture 10">
+            <a:extLst>
+              <a:ext uri="{FF2B5EF4-FFF2-40B4-BE49-F238E27FC236}">
+                <a16:creationId xmlns:a16="http://schemas.microsoft.com/office/drawing/2014/main" id="{19C92B89-B39D-4CD7-EC4E-CF568FF073A0}"/>
+              </a:ext>
+            </a:extLst>
+          </p:cNvPr>
+          <p:cNvPicPr>
+            <a:picLocks noChangeAspect="1"/>
+          </p:cNvPicPr>
+          <p:nvPr/>
+        </p:nvPicPr>
+        <p:blipFill>
+          <a:blip r:embed="rId3"/>
+          <a:stretch>
+            <a:fillRect/>
+          </a:stretch>
+        </p:blipFill>
+        <p:spPr>
+          <a:xfrm>
+            <a:off x="758372" y="1306062"/>
+            <a:ext cx="10595428" cy="5284001"/>
+          </a:xfrm>
+          <a:prstGeom prst="rect">
+            <a:avLst/>
+          </a:prstGeom>
+        </p:spPr>
+      </p:pic>
+      <p:graphicFrame>
+        <p:nvGraphicFramePr>
+          <p:cNvPr id="5" name="Object 4">
+            <a:extLst>
+              <a:ext uri="{FF2B5EF4-FFF2-40B4-BE49-F238E27FC236}">
+                <a16:creationId xmlns:a16="http://schemas.microsoft.com/office/drawing/2014/main" id="{045736C5-D04F-7678-A42C-14E445C4AEBA}"/>
+              </a:ext>
+            </a:extLst>
+          </p:cNvPr>
+          <p:cNvGraphicFramePr>
+            <a:graphicFrameLocks noChangeAspect="1"/>
+          </p:cNvGraphicFramePr>
+          <p:nvPr>
+            <p:extLst>
+              <p:ext uri="{D42A27DB-BD31-4B8C-83A1-F6EECF244321}">
+                <p14:modId xmlns:p14="http://schemas.microsoft.com/office/powerpoint/2010/main" val="1663146617"/>
+              </p:ext>
+            </p:extLst>
+          </p:nvPr>
+        </p:nvGraphicFramePr>
+        <p:xfrm>
+          <a:off x="525721" y="1171926"/>
+          <a:ext cx="5424487" cy="5418137"/>
+        </p:xfrm>
+        <a:graphic>
+          <a:graphicData uri="http://schemas.openxmlformats.org/presentationml/2006/ole">
+            <mc:AlternateContent xmlns:mc="http://schemas.openxmlformats.org/markup-compatibility/2006">
+              <mc:Choice xmlns:v="urn:schemas-microsoft-com:vml" Requires="v">
+                <p:oleObj r:id="rId4" imgW="10411073" imgH="10400191" progId="">
+                  <p:embed/>
+                </p:oleObj>
+              </mc:Choice>
+              <mc:Fallback>
+                <p:oleObj r:id="rId4" imgW="10411073" imgH="10400191" progId="">
+                  <p:embed/>
+                  <p:pic>
+                    <p:nvPicPr>
+                      <p:cNvPr id="0" name=""/>
+                      <p:cNvPicPr/>
+                      <p:nvPr/>
+                    </p:nvPicPr>
+                    <p:blipFill>
+                      <a:blip r:embed="rId5"/>
+                      <a:stretch>
+                        <a:fillRect/>
+                      </a:stretch>
+                    </p:blipFill>
+                    <p:spPr>
+                      <a:xfrm>
+                        <a:off x="525721" y="1171926"/>
+                        <a:ext cx="5424487" cy="5418137"/>
+                      </a:xfrm>
+                      <a:prstGeom prst="rect">
+                        <a:avLst/>
+                      </a:prstGeom>
+                    </p:spPr>
+                  </p:pic>
+                </p:oleObj>
+              </mc:Fallback>
+            </mc:AlternateContent>
+          </a:graphicData>
+        </a:graphic>
+      </p:graphicFrame>
+      <p:sp>
+        <p:nvSpPr>
+          <p:cNvPr id="6" name="Rectangle 5">
+            <a:extLst>
+              <a:ext uri="{FF2B5EF4-FFF2-40B4-BE49-F238E27FC236}">
+                <a16:creationId xmlns:a16="http://schemas.microsoft.com/office/drawing/2014/main" id="{3FC71D28-BF14-151D-8204-746581384AAC}"/>
+              </a:ext>
+            </a:extLst>
+          </p:cNvPr>
+          <p:cNvSpPr/>
+          <p:nvPr/>
+        </p:nvSpPr>
+        <p:spPr>
+          <a:xfrm>
+            <a:off x="5940583" y="2497489"/>
+            <a:ext cx="155417" cy="361214"/>
+          </a:xfrm>
+          <a:prstGeom prst="rect">
+            <a:avLst/>
+          </a:prstGeom>
+          <a:solidFill>
+            <a:schemeClr val="bg1"/>
+          </a:solidFill>
+          <a:ln>
+            <a:noFill/>
+          </a:ln>
+        </p:spPr>
+        <p:style>
+          <a:lnRef idx="2">
+            <a:schemeClr val="accent1">
+              <a:shade val="15000"/>
+            </a:schemeClr>
+          </a:lnRef>
+          <a:fillRef idx="1">
+            <a:schemeClr val="accent1"/>
+          </a:fillRef>
+          <a:effectRef idx="0">
+            <a:schemeClr val="accent1"/>
+          </a:effectRef>
+          <a:fontRef idx="minor">
+            <a:schemeClr val="lt1"/>
+          </a:fontRef>
+        </p:style>
+        <p:txBody>
+          <a:bodyPr rtlCol="0" anchor="ctr"/>
+          <a:lstStyle/>
+          <a:p>
+            <a:pPr algn="ctr"/>
+            <a:endParaRPr lang="en-US"/>
+          </a:p>
+        </p:txBody>
+      </p:sp>
+    </p:spTree>
+    <p:extLst>
+      <p:ext uri="{BB962C8B-B14F-4D97-AF65-F5344CB8AC3E}">
+        <p14:creationId xmlns:p14="http://schemas.microsoft.com/office/powerpoint/2010/main" val="857352440"/>
+      </p:ext>
+    </p:extLst>
+  </p:cSld>
+  <p:clrMapOvr>
+    <a:masterClrMapping/>
+  </p:clrMapOvr>
+</p:sld>
+</file>
+
+<file path=ppt/slides/slide22.xml><?xml version="1.0" encoding="utf-8"?>
 <p:sld xmlns:a="http://schemas.openxmlformats.org/drawingml/2006/main" xmlns:r="http://schemas.openxmlformats.org/officeDocument/2006/relationships" xmlns:p="http://schemas.openxmlformats.org/presentationml/2006/main">
   <p:cSld>
     <p:spTree>
@@ -3882,7 +8271,7 @@
 </p:sld>
 </file>
 
-<file path=ppt/slides/slide14.xml><?xml version="1.0" encoding="utf-8"?>
+<file path=ppt/slides/slide23.xml><?xml version="1.0" encoding="utf-8"?>
 <p:sld xmlns:a="http://schemas.openxmlformats.org/drawingml/2006/main" xmlns:r="http://schemas.openxmlformats.org/officeDocument/2006/relationships" xmlns:p="http://schemas.openxmlformats.org/presentationml/2006/main">
   <p:cSld>
     <p:spTree>
@@ -3983,107 +8372,6 @@
 </p:sld>
 </file>
 
-<file path=ppt/slides/slide2.xml><?xml version="1.0" encoding="utf-8"?>
-<p:sld xmlns:a="http://schemas.openxmlformats.org/drawingml/2006/main" xmlns:r="http://schemas.openxmlformats.org/officeDocument/2006/relationships" xmlns:p="http://schemas.openxmlformats.org/presentationml/2006/main">
-  <p:cSld>
-    <p:spTree>
-      <p:nvGrpSpPr>
-        <p:cNvPr id="1" name=""/>
-        <p:cNvGrpSpPr/>
-        <p:nvPr/>
-      </p:nvGrpSpPr>
-      <p:grpSpPr>
-        <a:xfrm>
-          <a:off x="0" y="0"/>
-          <a:ext cx="0" cy="0"/>
-          <a:chOff x="0" y="0"/>
-          <a:chExt cx="0" cy="0"/>
-        </a:xfrm>
-      </p:grpSpPr>
-      <p:sp>
-        <p:nvSpPr>
-          <p:cNvPr id="2" name="Title 1">
-            <a:extLst>
-              <a:ext uri="{FF2B5EF4-FFF2-40B4-BE49-F238E27FC236}">
-                <a16:creationId xmlns:a16="http://schemas.microsoft.com/office/drawing/2014/main" id="{B525207E-764D-A68A-2324-98DF94948AA1}"/>
-              </a:ext>
-            </a:extLst>
-          </p:cNvPr>
-          <p:cNvSpPr>
-            <a:spLocks noGrp="1"/>
-          </p:cNvSpPr>
-          <p:nvPr>
-            <p:ph type="title"/>
-          </p:nvPr>
-        </p:nvSpPr>
-        <p:spPr>
-          <a:xfrm>
-            <a:off x="838200" y="0"/>
-            <a:ext cx="10515600" cy="1325563"/>
-          </a:xfrm>
-        </p:spPr>
-        <p:txBody>
-          <a:bodyPr>
-            <a:normAutofit/>
-          </a:bodyPr>
-          <a:lstStyle/>
-          <a:p>
-            <a:r>
-              <a:rPr lang="en-US" dirty="0">
-                <a:solidFill>
-                  <a:schemeClr val="bg1">
-                    <a:lumMod val="75000"/>
-                  </a:schemeClr>
-                </a:solidFill>
-              </a:rPr>
-              <a:t>Fig. 1</a:t>
-            </a:r>
-          </a:p>
-        </p:txBody>
-      </p:sp>
-      <p:pic>
-        <p:nvPicPr>
-          <p:cNvPr id="22" name="Picture 21">
-            <a:extLst>
-              <a:ext uri="{FF2B5EF4-FFF2-40B4-BE49-F238E27FC236}">
-                <a16:creationId xmlns:a16="http://schemas.microsoft.com/office/drawing/2014/main" id="{5065A11B-CB6D-9644-A7CE-1A5C069C1748}"/>
-              </a:ext>
-            </a:extLst>
-          </p:cNvPr>
-          <p:cNvPicPr>
-            <a:picLocks noChangeAspect="1"/>
-          </p:cNvPicPr>
-          <p:nvPr/>
-        </p:nvPicPr>
-        <p:blipFill>
-          <a:blip r:embed="rId2"/>
-          <a:stretch>
-            <a:fillRect/>
-          </a:stretch>
-        </p:blipFill>
-        <p:spPr>
-          <a:xfrm>
-            <a:off x="2404547" y="1180786"/>
-            <a:ext cx="7382905" cy="4496427"/>
-          </a:xfrm>
-          <a:prstGeom prst="rect">
-            <a:avLst/>
-          </a:prstGeom>
-        </p:spPr>
-      </p:pic>
-    </p:spTree>
-    <p:extLst>
-      <p:ext uri="{BB962C8B-B14F-4D97-AF65-F5344CB8AC3E}">
-        <p14:creationId xmlns:p14="http://schemas.microsoft.com/office/powerpoint/2010/main" val="2707842746"/>
-      </p:ext>
-    </p:extLst>
-  </p:cSld>
-  <p:clrMapOvr>
-    <a:masterClrMapping/>
-  </p:clrMapOvr>
-</p:sld>
-</file>
-
 <file path=ppt/slides/slide3.xml><?xml version="1.0" encoding="utf-8"?>
 <p:sld xmlns:a="http://schemas.openxmlformats.org/drawingml/2006/main" xmlns:r="http://schemas.openxmlformats.org/officeDocument/2006/relationships" xmlns:p="http://schemas.openxmlformats.org/presentationml/2006/main">
   <p:cSld>
@@ -4157,7 +8445,7 @@
           <p:nvPr/>
         </p:nvPicPr>
         <p:blipFill>
-          <a:blip r:embed="rId2"/>
+          <a:blip r:embed="rId3"/>
           <a:stretch>
             <a:fillRect/>
           </a:stretch>
@@ -4172,6 +8460,222 @@
           </a:prstGeom>
         </p:spPr>
       </p:pic>
+      <p:sp>
+        <p:nvSpPr>
+          <p:cNvPr id="3" name="Rectangle 2">
+            <a:extLst>
+              <a:ext uri="{FF2B5EF4-FFF2-40B4-BE49-F238E27FC236}">
+                <a16:creationId xmlns:a16="http://schemas.microsoft.com/office/drawing/2014/main" id="{ECA11B55-30C9-1235-C2B0-C250FF4B382D}"/>
+              </a:ext>
+            </a:extLst>
+          </p:cNvPr>
+          <p:cNvSpPr/>
+          <p:nvPr/>
+        </p:nvSpPr>
+        <p:spPr>
+          <a:xfrm>
+            <a:off x="2404548" y="1106424"/>
+            <a:ext cx="3420180" cy="502920"/>
+          </a:xfrm>
+          <a:prstGeom prst="rect">
+            <a:avLst/>
+          </a:prstGeom>
+          <a:solidFill>
+            <a:schemeClr val="bg1">
+              <a:alpha val="67000"/>
+            </a:schemeClr>
+          </a:solidFill>
+          <a:ln>
+            <a:noFill/>
+          </a:ln>
+        </p:spPr>
+        <p:style>
+          <a:lnRef idx="2">
+            <a:schemeClr val="accent1">
+              <a:shade val="15000"/>
+            </a:schemeClr>
+          </a:lnRef>
+          <a:fillRef idx="1">
+            <a:schemeClr val="accent1"/>
+          </a:fillRef>
+          <a:effectRef idx="0">
+            <a:schemeClr val="accent1"/>
+          </a:effectRef>
+          <a:fontRef idx="minor">
+            <a:schemeClr val="lt1"/>
+          </a:fontRef>
+        </p:style>
+        <p:txBody>
+          <a:bodyPr rtlCol="0" anchor="ctr"/>
+          <a:lstStyle/>
+          <a:p>
+            <a:pPr algn="ctr"/>
+            <a:endParaRPr lang="en-US"/>
+          </a:p>
+        </p:txBody>
+      </p:sp>
+      <p:sp>
+        <p:nvSpPr>
+          <p:cNvPr id="4" name="Rectangle 3">
+            <a:extLst>
+              <a:ext uri="{FF2B5EF4-FFF2-40B4-BE49-F238E27FC236}">
+                <a16:creationId xmlns:a16="http://schemas.microsoft.com/office/drawing/2014/main" id="{E1CA913B-A38B-7853-FDF3-47A66D20FE23}"/>
+              </a:ext>
+            </a:extLst>
+          </p:cNvPr>
+          <p:cNvSpPr/>
+          <p:nvPr/>
+        </p:nvSpPr>
+        <p:spPr>
+          <a:xfrm>
+            <a:off x="5824728" y="758952"/>
+            <a:ext cx="3878245" cy="4992624"/>
+          </a:xfrm>
+          <a:prstGeom prst="rect">
+            <a:avLst/>
+          </a:prstGeom>
+          <a:solidFill>
+            <a:schemeClr val="bg1">
+              <a:alpha val="67000"/>
+            </a:schemeClr>
+          </a:solidFill>
+          <a:ln>
+            <a:noFill/>
+          </a:ln>
+        </p:spPr>
+        <p:style>
+          <a:lnRef idx="2">
+            <a:schemeClr val="accent1">
+              <a:shade val="15000"/>
+            </a:schemeClr>
+          </a:lnRef>
+          <a:fillRef idx="1">
+            <a:schemeClr val="accent1"/>
+          </a:fillRef>
+          <a:effectRef idx="0">
+            <a:schemeClr val="accent1"/>
+          </a:effectRef>
+          <a:fontRef idx="minor">
+            <a:schemeClr val="lt1"/>
+          </a:fontRef>
+        </p:style>
+        <p:txBody>
+          <a:bodyPr rtlCol="0" anchor="ctr"/>
+          <a:lstStyle/>
+          <a:p>
+            <a:pPr algn="ctr"/>
+            <a:endParaRPr lang="en-US"/>
+          </a:p>
+        </p:txBody>
+      </p:sp>
+      <p:sp>
+        <p:nvSpPr>
+          <p:cNvPr id="5" name="Rectangle 4">
+            <a:extLst>
+              <a:ext uri="{FF2B5EF4-FFF2-40B4-BE49-F238E27FC236}">
+                <a16:creationId xmlns:a16="http://schemas.microsoft.com/office/drawing/2014/main" id="{85B46A3C-1A43-565A-AD43-FA8F47B1AB6D}"/>
+              </a:ext>
+            </a:extLst>
+          </p:cNvPr>
+          <p:cNvSpPr/>
+          <p:nvPr/>
+        </p:nvSpPr>
+        <p:spPr>
+          <a:xfrm>
+            <a:off x="2011680" y="3831336"/>
+            <a:ext cx="3650211" cy="2359152"/>
+          </a:xfrm>
+          <a:prstGeom prst="rect">
+            <a:avLst/>
+          </a:prstGeom>
+          <a:solidFill>
+            <a:schemeClr val="bg1">
+              <a:alpha val="67000"/>
+            </a:schemeClr>
+          </a:solidFill>
+          <a:ln>
+            <a:noFill/>
+          </a:ln>
+        </p:spPr>
+        <p:style>
+          <a:lnRef idx="2">
+            <a:schemeClr val="accent1">
+              <a:shade val="15000"/>
+            </a:schemeClr>
+          </a:lnRef>
+          <a:fillRef idx="1">
+            <a:schemeClr val="accent1"/>
+          </a:fillRef>
+          <a:effectRef idx="0">
+            <a:schemeClr val="accent1"/>
+          </a:effectRef>
+          <a:fontRef idx="minor">
+            <a:schemeClr val="lt1"/>
+          </a:fontRef>
+        </p:style>
+        <p:txBody>
+          <a:bodyPr rtlCol="0" anchor="ctr"/>
+          <a:lstStyle/>
+          <a:p>
+            <a:pPr algn="ctr"/>
+            <a:endParaRPr lang="en-US"/>
+          </a:p>
+        </p:txBody>
+      </p:sp>
+      <p:sp>
+        <p:nvSpPr>
+          <p:cNvPr id="6" name="Rectangle 5">
+            <a:extLst>
+              <a:ext uri="{FF2B5EF4-FFF2-40B4-BE49-F238E27FC236}">
+                <a16:creationId xmlns:a16="http://schemas.microsoft.com/office/drawing/2014/main" id="{007A0908-0362-87EA-6505-BD58DA79662B}"/>
+              </a:ext>
+            </a:extLst>
+          </p:cNvPr>
+          <p:cNvSpPr/>
+          <p:nvPr/>
+        </p:nvSpPr>
+        <p:spPr>
+          <a:xfrm>
+            <a:off x="4599432" y="1956816"/>
+            <a:ext cx="1225295" cy="1590739"/>
+          </a:xfrm>
+          <a:prstGeom prst="rect">
+            <a:avLst/>
+          </a:prstGeom>
+          <a:solidFill>
+            <a:schemeClr val="bg1">
+              <a:alpha val="67000"/>
+            </a:schemeClr>
+          </a:solidFill>
+          <a:ln>
+            <a:noFill/>
+          </a:ln>
+        </p:spPr>
+        <p:style>
+          <a:lnRef idx="2">
+            <a:schemeClr val="accent1">
+              <a:shade val="15000"/>
+            </a:schemeClr>
+          </a:lnRef>
+          <a:fillRef idx="1">
+            <a:schemeClr val="accent1"/>
+          </a:fillRef>
+          <a:effectRef idx="0">
+            <a:schemeClr val="accent1"/>
+          </a:effectRef>
+          <a:fontRef idx="minor">
+            <a:schemeClr val="lt1"/>
+          </a:fontRef>
+        </p:style>
+        <p:txBody>
+          <a:bodyPr rtlCol="0" anchor="ctr"/>
+          <a:lstStyle/>
+          <a:p>
+            <a:pPr algn="ctr"/>
+            <a:endParaRPr lang="en-US"/>
+          </a:p>
+        </p:txBody>
+      </p:sp>
     </p:spTree>
     <p:extLst>
       <p:ext uri="{BB962C8B-B14F-4D97-AF65-F5344CB8AC3E}">
@@ -4238,17 +8742,17 @@
                   </a:schemeClr>
                 </a:solidFill>
               </a:rPr>
-              <a:t>Fig. 2</a:t>
+              <a:t>Fig. 1</a:t>
             </a:r>
           </a:p>
         </p:txBody>
       </p:sp>
       <p:pic>
         <p:nvPicPr>
-          <p:cNvPr id="6" name="Picture 5">
-            <a:extLst>
-              <a:ext uri="{FF2B5EF4-FFF2-40B4-BE49-F238E27FC236}">
-                <a16:creationId xmlns:a16="http://schemas.microsoft.com/office/drawing/2014/main" id="{EB7C1CE4-A930-BB04-FA14-D379BBA9AAEC}"/>
+          <p:cNvPr id="22" name="Picture 21">
+            <a:extLst>
+              <a:ext uri="{FF2B5EF4-FFF2-40B4-BE49-F238E27FC236}">
+                <a16:creationId xmlns:a16="http://schemas.microsoft.com/office/drawing/2014/main" id="{5065A11B-CB6D-9644-A7CE-1A5C069C1748}"/>
               </a:ext>
             </a:extLst>
           </p:cNvPr>
@@ -4258,7 +8762,904 @@
           <p:nvPr/>
         </p:nvPicPr>
         <p:blipFill>
-          <a:blip r:embed="rId2"/>
+          <a:blip r:embed="rId3"/>
+          <a:stretch>
+            <a:fillRect/>
+          </a:stretch>
+        </p:blipFill>
+        <p:spPr>
+          <a:xfrm>
+            <a:off x="2404547" y="1180786"/>
+            <a:ext cx="7382905" cy="4496427"/>
+          </a:xfrm>
+          <a:prstGeom prst="rect">
+            <a:avLst/>
+          </a:prstGeom>
+        </p:spPr>
+      </p:pic>
+      <p:sp>
+        <p:nvSpPr>
+          <p:cNvPr id="3" name="Rectangle 2">
+            <a:extLst>
+              <a:ext uri="{FF2B5EF4-FFF2-40B4-BE49-F238E27FC236}">
+                <a16:creationId xmlns:a16="http://schemas.microsoft.com/office/drawing/2014/main" id="{ECA11B55-30C9-1235-C2B0-C250FF4B382D}"/>
+              </a:ext>
+            </a:extLst>
+          </p:cNvPr>
+          <p:cNvSpPr/>
+          <p:nvPr/>
+        </p:nvSpPr>
+        <p:spPr>
+          <a:xfrm>
+            <a:off x="2404548" y="1106424"/>
+            <a:ext cx="7090434" cy="502920"/>
+          </a:xfrm>
+          <a:prstGeom prst="rect">
+            <a:avLst/>
+          </a:prstGeom>
+          <a:solidFill>
+            <a:schemeClr val="bg1">
+              <a:alpha val="67000"/>
+            </a:schemeClr>
+          </a:solidFill>
+          <a:ln>
+            <a:noFill/>
+          </a:ln>
+        </p:spPr>
+        <p:style>
+          <a:lnRef idx="2">
+            <a:schemeClr val="accent1">
+              <a:shade val="15000"/>
+            </a:schemeClr>
+          </a:lnRef>
+          <a:fillRef idx="1">
+            <a:schemeClr val="accent1"/>
+          </a:fillRef>
+          <a:effectRef idx="0">
+            <a:schemeClr val="accent1"/>
+          </a:effectRef>
+          <a:fontRef idx="minor">
+            <a:schemeClr val="lt1"/>
+          </a:fontRef>
+        </p:style>
+        <p:txBody>
+          <a:bodyPr rtlCol="0" anchor="ctr"/>
+          <a:lstStyle/>
+          <a:p>
+            <a:pPr algn="ctr"/>
+            <a:endParaRPr lang="en-US"/>
+          </a:p>
+        </p:txBody>
+      </p:sp>
+      <p:sp>
+        <p:nvSpPr>
+          <p:cNvPr id="4" name="Rectangle 3">
+            <a:extLst>
+              <a:ext uri="{FF2B5EF4-FFF2-40B4-BE49-F238E27FC236}">
+                <a16:creationId xmlns:a16="http://schemas.microsoft.com/office/drawing/2014/main" id="{E1CA913B-A38B-7853-FDF3-47A66D20FE23}"/>
+              </a:ext>
+            </a:extLst>
+          </p:cNvPr>
+          <p:cNvSpPr/>
+          <p:nvPr/>
+        </p:nvSpPr>
+        <p:spPr>
+          <a:xfrm>
+            <a:off x="5824728" y="3831336"/>
+            <a:ext cx="3878245" cy="1920240"/>
+          </a:xfrm>
+          <a:prstGeom prst="rect">
+            <a:avLst/>
+          </a:prstGeom>
+          <a:solidFill>
+            <a:schemeClr val="bg1">
+              <a:alpha val="67000"/>
+            </a:schemeClr>
+          </a:solidFill>
+          <a:ln>
+            <a:noFill/>
+          </a:ln>
+        </p:spPr>
+        <p:style>
+          <a:lnRef idx="2">
+            <a:schemeClr val="accent1">
+              <a:shade val="15000"/>
+            </a:schemeClr>
+          </a:lnRef>
+          <a:fillRef idx="1">
+            <a:schemeClr val="accent1"/>
+          </a:fillRef>
+          <a:effectRef idx="0">
+            <a:schemeClr val="accent1"/>
+          </a:effectRef>
+          <a:fontRef idx="minor">
+            <a:schemeClr val="lt1"/>
+          </a:fontRef>
+        </p:style>
+        <p:txBody>
+          <a:bodyPr rtlCol="0" anchor="ctr"/>
+          <a:lstStyle/>
+          <a:p>
+            <a:pPr algn="ctr"/>
+            <a:endParaRPr lang="en-US"/>
+          </a:p>
+        </p:txBody>
+      </p:sp>
+      <p:sp>
+        <p:nvSpPr>
+          <p:cNvPr id="5" name="Rectangle 4">
+            <a:extLst>
+              <a:ext uri="{FF2B5EF4-FFF2-40B4-BE49-F238E27FC236}">
+                <a16:creationId xmlns:a16="http://schemas.microsoft.com/office/drawing/2014/main" id="{85B46A3C-1A43-565A-AD43-FA8F47B1AB6D}"/>
+              </a:ext>
+            </a:extLst>
+          </p:cNvPr>
+          <p:cNvSpPr/>
+          <p:nvPr/>
+        </p:nvSpPr>
+        <p:spPr>
+          <a:xfrm>
+            <a:off x="2011680" y="3831336"/>
+            <a:ext cx="3650211" cy="2359152"/>
+          </a:xfrm>
+          <a:prstGeom prst="rect">
+            <a:avLst/>
+          </a:prstGeom>
+          <a:solidFill>
+            <a:schemeClr val="bg1">
+              <a:alpha val="67000"/>
+            </a:schemeClr>
+          </a:solidFill>
+          <a:ln>
+            <a:noFill/>
+          </a:ln>
+        </p:spPr>
+        <p:style>
+          <a:lnRef idx="2">
+            <a:schemeClr val="accent1">
+              <a:shade val="15000"/>
+            </a:schemeClr>
+          </a:lnRef>
+          <a:fillRef idx="1">
+            <a:schemeClr val="accent1"/>
+          </a:fillRef>
+          <a:effectRef idx="0">
+            <a:schemeClr val="accent1"/>
+          </a:effectRef>
+          <a:fontRef idx="minor">
+            <a:schemeClr val="lt1"/>
+          </a:fontRef>
+        </p:style>
+        <p:txBody>
+          <a:bodyPr rtlCol="0" anchor="ctr"/>
+          <a:lstStyle/>
+          <a:p>
+            <a:pPr algn="ctr"/>
+            <a:endParaRPr lang="en-US"/>
+          </a:p>
+        </p:txBody>
+      </p:sp>
+      <p:sp>
+        <p:nvSpPr>
+          <p:cNvPr id="6" name="Rectangle 5">
+            <a:extLst>
+              <a:ext uri="{FF2B5EF4-FFF2-40B4-BE49-F238E27FC236}">
+                <a16:creationId xmlns:a16="http://schemas.microsoft.com/office/drawing/2014/main" id="{007A0908-0362-87EA-6505-BD58DA79662B}"/>
+              </a:ext>
+            </a:extLst>
+          </p:cNvPr>
+          <p:cNvSpPr/>
+          <p:nvPr/>
+        </p:nvSpPr>
+        <p:spPr>
+          <a:xfrm>
+            <a:off x="2262910" y="1673036"/>
+            <a:ext cx="3561818" cy="2158300"/>
+          </a:xfrm>
+          <a:prstGeom prst="rect">
+            <a:avLst/>
+          </a:prstGeom>
+          <a:solidFill>
+            <a:schemeClr val="bg1">
+              <a:alpha val="67000"/>
+            </a:schemeClr>
+          </a:solidFill>
+          <a:ln>
+            <a:noFill/>
+          </a:ln>
+        </p:spPr>
+        <p:style>
+          <a:lnRef idx="2">
+            <a:schemeClr val="accent1">
+              <a:shade val="15000"/>
+            </a:schemeClr>
+          </a:lnRef>
+          <a:fillRef idx="1">
+            <a:schemeClr val="accent1"/>
+          </a:fillRef>
+          <a:effectRef idx="0">
+            <a:schemeClr val="accent1"/>
+          </a:effectRef>
+          <a:fontRef idx="minor">
+            <a:schemeClr val="lt1"/>
+          </a:fontRef>
+        </p:style>
+        <p:txBody>
+          <a:bodyPr rtlCol="0" anchor="ctr"/>
+          <a:lstStyle/>
+          <a:p>
+            <a:pPr algn="ctr"/>
+            <a:endParaRPr lang="en-US"/>
+          </a:p>
+        </p:txBody>
+      </p:sp>
+      <p:sp>
+        <p:nvSpPr>
+          <p:cNvPr id="7" name="Rectangle 6">
+            <a:extLst>
+              <a:ext uri="{FF2B5EF4-FFF2-40B4-BE49-F238E27FC236}">
+                <a16:creationId xmlns:a16="http://schemas.microsoft.com/office/drawing/2014/main" id="{40F5AD55-573C-DE93-F119-E55A0CED7F62}"/>
+              </a:ext>
+            </a:extLst>
+          </p:cNvPr>
+          <p:cNvSpPr/>
+          <p:nvPr/>
+        </p:nvSpPr>
+        <p:spPr>
+          <a:xfrm>
+            <a:off x="5824728" y="1985459"/>
+            <a:ext cx="899345" cy="600723"/>
+          </a:xfrm>
+          <a:prstGeom prst="rect">
+            <a:avLst/>
+          </a:prstGeom>
+          <a:solidFill>
+            <a:schemeClr val="bg1">
+              <a:alpha val="67000"/>
+            </a:schemeClr>
+          </a:solidFill>
+          <a:ln>
+            <a:noFill/>
+          </a:ln>
+        </p:spPr>
+        <p:style>
+          <a:lnRef idx="2">
+            <a:schemeClr val="accent1">
+              <a:shade val="15000"/>
+            </a:schemeClr>
+          </a:lnRef>
+          <a:fillRef idx="1">
+            <a:schemeClr val="accent1"/>
+          </a:fillRef>
+          <a:effectRef idx="0">
+            <a:schemeClr val="accent1"/>
+          </a:effectRef>
+          <a:fontRef idx="minor">
+            <a:schemeClr val="lt1"/>
+          </a:fontRef>
+        </p:style>
+        <p:txBody>
+          <a:bodyPr rtlCol="0" anchor="ctr"/>
+          <a:lstStyle/>
+          <a:p>
+            <a:pPr algn="ctr"/>
+            <a:endParaRPr lang="en-US"/>
+          </a:p>
+        </p:txBody>
+      </p:sp>
+    </p:spTree>
+    <p:extLst>
+      <p:ext uri="{BB962C8B-B14F-4D97-AF65-F5344CB8AC3E}">
+        <p14:creationId xmlns:p14="http://schemas.microsoft.com/office/powerpoint/2010/main" val="2908525834"/>
+      </p:ext>
+    </p:extLst>
+  </p:cSld>
+  <p:clrMapOvr>
+    <a:masterClrMapping/>
+  </p:clrMapOvr>
+</p:sld>
+</file>
+
+<file path=ppt/slides/slide5.xml><?xml version="1.0" encoding="utf-8"?>
+<p:sld xmlns:a="http://schemas.openxmlformats.org/drawingml/2006/main" xmlns:r="http://schemas.openxmlformats.org/officeDocument/2006/relationships" xmlns:p="http://schemas.openxmlformats.org/presentationml/2006/main">
+  <p:cSld>
+    <p:spTree>
+      <p:nvGrpSpPr>
+        <p:cNvPr id="1" name=""/>
+        <p:cNvGrpSpPr/>
+        <p:nvPr/>
+      </p:nvGrpSpPr>
+      <p:grpSpPr>
+        <a:xfrm>
+          <a:off x="0" y="0"/>
+          <a:ext cx="0" cy="0"/>
+          <a:chOff x="0" y="0"/>
+          <a:chExt cx="0" cy="0"/>
+        </a:xfrm>
+      </p:grpSpPr>
+      <p:sp>
+        <p:nvSpPr>
+          <p:cNvPr id="2" name="Title 1">
+            <a:extLst>
+              <a:ext uri="{FF2B5EF4-FFF2-40B4-BE49-F238E27FC236}">
+                <a16:creationId xmlns:a16="http://schemas.microsoft.com/office/drawing/2014/main" id="{B525207E-764D-A68A-2324-98DF94948AA1}"/>
+              </a:ext>
+            </a:extLst>
+          </p:cNvPr>
+          <p:cNvSpPr>
+            <a:spLocks noGrp="1"/>
+          </p:cNvSpPr>
+          <p:nvPr>
+            <p:ph type="title"/>
+          </p:nvPr>
+        </p:nvSpPr>
+        <p:spPr>
+          <a:xfrm>
+            <a:off x="838200" y="0"/>
+            <a:ext cx="10515600" cy="1325563"/>
+          </a:xfrm>
+        </p:spPr>
+        <p:txBody>
+          <a:bodyPr>
+            <a:normAutofit/>
+          </a:bodyPr>
+          <a:lstStyle/>
+          <a:p>
+            <a:r>
+              <a:rPr lang="en-US" dirty="0">
+                <a:solidFill>
+                  <a:schemeClr val="bg1">
+                    <a:lumMod val="75000"/>
+                  </a:schemeClr>
+                </a:solidFill>
+              </a:rPr>
+              <a:t>Fig. 1</a:t>
+            </a:r>
+          </a:p>
+        </p:txBody>
+      </p:sp>
+      <p:pic>
+        <p:nvPicPr>
+          <p:cNvPr id="22" name="Picture 21">
+            <a:extLst>
+              <a:ext uri="{FF2B5EF4-FFF2-40B4-BE49-F238E27FC236}">
+                <a16:creationId xmlns:a16="http://schemas.microsoft.com/office/drawing/2014/main" id="{5065A11B-CB6D-9644-A7CE-1A5C069C1748}"/>
+              </a:ext>
+            </a:extLst>
+          </p:cNvPr>
+          <p:cNvPicPr>
+            <a:picLocks noChangeAspect="1"/>
+          </p:cNvPicPr>
+          <p:nvPr/>
+        </p:nvPicPr>
+        <p:blipFill>
+          <a:blip r:embed="rId3"/>
+          <a:stretch>
+            <a:fillRect/>
+          </a:stretch>
+        </p:blipFill>
+        <p:spPr>
+          <a:xfrm>
+            <a:off x="2404547" y="1180786"/>
+            <a:ext cx="7382905" cy="4496427"/>
+          </a:xfrm>
+          <a:prstGeom prst="rect">
+            <a:avLst/>
+          </a:prstGeom>
+        </p:spPr>
+      </p:pic>
+      <p:sp>
+        <p:nvSpPr>
+          <p:cNvPr id="3" name="Rectangle 2">
+            <a:extLst>
+              <a:ext uri="{FF2B5EF4-FFF2-40B4-BE49-F238E27FC236}">
+                <a16:creationId xmlns:a16="http://schemas.microsoft.com/office/drawing/2014/main" id="{ECA11B55-30C9-1235-C2B0-C250FF4B382D}"/>
+              </a:ext>
+            </a:extLst>
+          </p:cNvPr>
+          <p:cNvSpPr/>
+          <p:nvPr/>
+        </p:nvSpPr>
+        <p:spPr>
+          <a:xfrm>
+            <a:off x="2404548" y="1106424"/>
+            <a:ext cx="3420180" cy="502920"/>
+          </a:xfrm>
+          <a:prstGeom prst="rect">
+            <a:avLst/>
+          </a:prstGeom>
+          <a:solidFill>
+            <a:schemeClr val="bg1">
+              <a:alpha val="67000"/>
+            </a:schemeClr>
+          </a:solidFill>
+          <a:ln>
+            <a:noFill/>
+          </a:ln>
+        </p:spPr>
+        <p:style>
+          <a:lnRef idx="2">
+            <a:schemeClr val="accent1">
+              <a:shade val="15000"/>
+            </a:schemeClr>
+          </a:lnRef>
+          <a:fillRef idx="1">
+            <a:schemeClr val="accent1"/>
+          </a:fillRef>
+          <a:effectRef idx="0">
+            <a:schemeClr val="accent1"/>
+          </a:effectRef>
+          <a:fontRef idx="minor">
+            <a:schemeClr val="lt1"/>
+          </a:fontRef>
+        </p:style>
+        <p:txBody>
+          <a:bodyPr rtlCol="0" anchor="ctr"/>
+          <a:lstStyle/>
+          <a:p>
+            <a:pPr algn="ctr"/>
+            <a:endParaRPr lang="en-US"/>
+          </a:p>
+        </p:txBody>
+      </p:sp>
+      <p:sp>
+        <p:nvSpPr>
+          <p:cNvPr id="4" name="Rectangle 3">
+            <a:extLst>
+              <a:ext uri="{FF2B5EF4-FFF2-40B4-BE49-F238E27FC236}">
+                <a16:creationId xmlns:a16="http://schemas.microsoft.com/office/drawing/2014/main" id="{E1CA913B-A38B-7853-FDF3-47A66D20FE23}"/>
+              </a:ext>
+            </a:extLst>
+          </p:cNvPr>
+          <p:cNvSpPr/>
+          <p:nvPr/>
+        </p:nvSpPr>
+        <p:spPr>
+          <a:xfrm>
+            <a:off x="5824728" y="758952"/>
+            <a:ext cx="3878245" cy="4992624"/>
+          </a:xfrm>
+          <a:prstGeom prst="rect">
+            <a:avLst/>
+          </a:prstGeom>
+          <a:solidFill>
+            <a:schemeClr val="bg1">
+              <a:alpha val="67000"/>
+            </a:schemeClr>
+          </a:solidFill>
+          <a:ln>
+            <a:noFill/>
+          </a:ln>
+        </p:spPr>
+        <p:style>
+          <a:lnRef idx="2">
+            <a:schemeClr val="accent1">
+              <a:shade val="15000"/>
+            </a:schemeClr>
+          </a:lnRef>
+          <a:fillRef idx="1">
+            <a:schemeClr val="accent1"/>
+          </a:fillRef>
+          <a:effectRef idx="0">
+            <a:schemeClr val="accent1"/>
+          </a:effectRef>
+          <a:fontRef idx="minor">
+            <a:schemeClr val="lt1"/>
+          </a:fontRef>
+        </p:style>
+        <p:txBody>
+          <a:bodyPr rtlCol="0" anchor="ctr"/>
+          <a:lstStyle/>
+          <a:p>
+            <a:pPr algn="ctr"/>
+            <a:endParaRPr lang="en-US"/>
+          </a:p>
+        </p:txBody>
+      </p:sp>
+      <p:sp>
+        <p:nvSpPr>
+          <p:cNvPr id="5" name="Rectangle 4">
+            <a:extLst>
+              <a:ext uri="{FF2B5EF4-FFF2-40B4-BE49-F238E27FC236}">
+                <a16:creationId xmlns:a16="http://schemas.microsoft.com/office/drawing/2014/main" id="{85B46A3C-1A43-565A-AD43-FA8F47B1AB6D}"/>
+              </a:ext>
+            </a:extLst>
+          </p:cNvPr>
+          <p:cNvSpPr/>
+          <p:nvPr/>
+        </p:nvSpPr>
+        <p:spPr>
+          <a:xfrm>
+            <a:off x="2011680" y="1673036"/>
+            <a:ext cx="3813047" cy="2123110"/>
+          </a:xfrm>
+          <a:prstGeom prst="rect">
+            <a:avLst/>
+          </a:prstGeom>
+          <a:solidFill>
+            <a:schemeClr val="bg1">
+              <a:alpha val="67000"/>
+            </a:schemeClr>
+          </a:solidFill>
+          <a:ln>
+            <a:noFill/>
+          </a:ln>
+        </p:spPr>
+        <p:style>
+          <a:lnRef idx="2">
+            <a:schemeClr val="accent1">
+              <a:shade val="15000"/>
+            </a:schemeClr>
+          </a:lnRef>
+          <a:fillRef idx="1">
+            <a:schemeClr val="accent1"/>
+          </a:fillRef>
+          <a:effectRef idx="0">
+            <a:schemeClr val="accent1"/>
+          </a:effectRef>
+          <a:fontRef idx="minor">
+            <a:schemeClr val="lt1"/>
+          </a:fontRef>
+        </p:style>
+        <p:txBody>
+          <a:bodyPr rtlCol="0" anchor="ctr"/>
+          <a:lstStyle/>
+          <a:p>
+            <a:pPr algn="ctr"/>
+            <a:endParaRPr lang="en-US"/>
+          </a:p>
+        </p:txBody>
+      </p:sp>
+    </p:spTree>
+    <p:extLst>
+      <p:ext uri="{BB962C8B-B14F-4D97-AF65-F5344CB8AC3E}">
+        <p14:creationId xmlns:p14="http://schemas.microsoft.com/office/powerpoint/2010/main" val="1394831931"/>
+      </p:ext>
+    </p:extLst>
+  </p:cSld>
+  <p:clrMapOvr>
+    <a:masterClrMapping/>
+  </p:clrMapOvr>
+</p:sld>
+</file>
+
+<file path=ppt/slides/slide6.xml><?xml version="1.0" encoding="utf-8"?>
+<p:sld xmlns:a="http://schemas.openxmlformats.org/drawingml/2006/main" xmlns:r="http://schemas.openxmlformats.org/officeDocument/2006/relationships" xmlns:p="http://schemas.openxmlformats.org/presentationml/2006/main">
+  <p:cSld>
+    <p:spTree>
+      <p:nvGrpSpPr>
+        <p:cNvPr id="1" name=""/>
+        <p:cNvGrpSpPr/>
+        <p:nvPr/>
+      </p:nvGrpSpPr>
+      <p:grpSpPr>
+        <a:xfrm>
+          <a:off x="0" y="0"/>
+          <a:ext cx="0" cy="0"/>
+          <a:chOff x="0" y="0"/>
+          <a:chExt cx="0" cy="0"/>
+        </a:xfrm>
+      </p:grpSpPr>
+      <p:sp>
+        <p:nvSpPr>
+          <p:cNvPr id="2" name="Title 1">
+            <a:extLst>
+              <a:ext uri="{FF2B5EF4-FFF2-40B4-BE49-F238E27FC236}">
+                <a16:creationId xmlns:a16="http://schemas.microsoft.com/office/drawing/2014/main" id="{B525207E-764D-A68A-2324-98DF94948AA1}"/>
+              </a:ext>
+            </a:extLst>
+          </p:cNvPr>
+          <p:cNvSpPr>
+            <a:spLocks noGrp="1"/>
+          </p:cNvSpPr>
+          <p:nvPr>
+            <p:ph type="title"/>
+          </p:nvPr>
+        </p:nvSpPr>
+        <p:spPr>
+          <a:xfrm>
+            <a:off x="838200" y="0"/>
+            <a:ext cx="10515600" cy="1325563"/>
+          </a:xfrm>
+        </p:spPr>
+        <p:txBody>
+          <a:bodyPr>
+            <a:normAutofit/>
+          </a:bodyPr>
+          <a:lstStyle/>
+          <a:p>
+            <a:r>
+              <a:rPr lang="en-US" dirty="0">
+                <a:solidFill>
+                  <a:schemeClr val="bg1">
+                    <a:lumMod val="75000"/>
+                  </a:schemeClr>
+                </a:solidFill>
+              </a:rPr>
+              <a:t>Fig. 1</a:t>
+            </a:r>
+          </a:p>
+        </p:txBody>
+      </p:sp>
+      <p:pic>
+        <p:nvPicPr>
+          <p:cNvPr id="22" name="Picture 21">
+            <a:extLst>
+              <a:ext uri="{FF2B5EF4-FFF2-40B4-BE49-F238E27FC236}">
+                <a16:creationId xmlns:a16="http://schemas.microsoft.com/office/drawing/2014/main" id="{5065A11B-CB6D-9644-A7CE-1A5C069C1748}"/>
+              </a:ext>
+            </a:extLst>
+          </p:cNvPr>
+          <p:cNvPicPr>
+            <a:picLocks noChangeAspect="1"/>
+          </p:cNvPicPr>
+          <p:nvPr/>
+        </p:nvPicPr>
+        <p:blipFill>
+          <a:blip r:embed="rId3"/>
+          <a:stretch>
+            <a:fillRect/>
+          </a:stretch>
+        </p:blipFill>
+        <p:spPr>
+          <a:xfrm>
+            <a:off x="2404547" y="1180786"/>
+            <a:ext cx="7382905" cy="4496427"/>
+          </a:xfrm>
+          <a:prstGeom prst="rect">
+            <a:avLst/>
+          </a:prstGeom>
+        </p:spPr>
+      </p:pic>
+      <p:sp>
+        <p:nvSpPr>
+          <p:cNvPr id="3" name="Rectangle 2">
+            <a:extLst>
+              <a:ext uri="{FF2B5EF4-FFF2-40B4-BE49-F238E27FC236}">
+                <a16:creationId xmlns:a16="http://schemas.microsoft.com/office/drawing/2014/main" id="{ECA11B55-30C9-1235-C2B0-C250FF4B382D}"/>
+              </a:ext>
+            </a:extLst>
+          </p:cNvPr>
+          <p:cNvSpPr/>
+          <p:nvPr/>
+        </p:nvSpPr>
+        <p:spPr>
+          <a:xfrm>
+            <a:off x="2404548" y="1106424"/>
+            <a:ext cx="3420180" cy="502920"/>
+          </a:xfrm>
+          <a:prstGeom prst="rect">
+            <a:avLst/>
+          </a:prstGeom>
+          <a:solidFill>
+            <a:schemeClr val="bg1">
+              <a:alpha val="67000"/>
+            </a:schemeClr>
+          </a:solidFill>
+          <a:ln>
+            <a:noFill/>
+          </a:ln>
+        </p:spPr>
+        <p:style>
+          <a:lnRef idx="2">
+            <a:schemeClr val="accent1">
+              <a:shade val="15000"/>
+            </a:schemeClr>
+          </a:lnRef>
+          <a:fillRef idx="1">
+            <a:schemeClr val="accent1"/>
+          </a:fillRef>
+          <a:effectRef idx="0">
+            <a:schemeClr val="accent1"/>
+          </a:effectRef>
+          <a:fontRef idx="minor">
+            <a:schemeClr val="lt1"/>
+          </a:fontRef>
+        </p:style>
+        <p:txBody>
+          <a:bodyPr rtlCol="0" anchor="ctr"/>
+          <a:lstStyle/>
+          <a:p>
+            <a:pPr algn="ctr"/>
+            <a:endParaRPr lang="en-US"/>
+          </a:p>
+        </p:txBody>
+      </p:sp>
+      <p:sp>
+        <p:nvSpPr>
+          <p:cNvPr id="4" name="Rectangle 3">
+            <a:extLst>
+              <a:ext uri="{FF2B5EF4-FFF2-40B4-BE49-F238E27FC236}">
+                <a16:creationId xmlns:a16="http://schemas.microsoft.com/office/drawing/2014/main" id="{E1CA913B-A38B-7853-FDF3-47A66D20FE23}"/>
+              </a:ext>
+            </a:extLst>
+          </p:cNvPr>
+          <p:cNvSpPr/>
+          <p:nvPr/>
+        </p:nvSpPr>
+        <p:spPr>
+          <a:xfrm>
+            <a:off x="5824728" y="758952"/>
+            <a:ext cx="3878245" cy="3037194"/>
+          </a:xfrm>
+          <a:prstGeom prst="rect">
+            <a:avLst/>
+          </a:prstGeom>
+          <a:solidFill>
+            <a:schemeClr val="bg1">
+              <a:alpha val="67000"/>
+            </a:schemeClr>
+          </a:solidFill>
+          <a:ln>
+            <a:noFill/>
+          </a:ln>
+        </p:spPr>
+        <p:style>
+          <a:lnRef idx="2">
+            <a:schemeClr val="accent1">
+              <a:shade val="15000"/>
+            </a:schemeClr>
+          </a:lnRef>
+          <a:fillRef idx="1">
+            <a:schemeClr val="accent1"/>
+          </a:fillRef>
+          <a:effectRef idx="0">
+            <a:schemeClr val="accent1"/>
+          </a:effectRef>
+          <a:fontRef idx="minor">
+            <a:schemeClr val="lt1"/>
+          </a:fontRef>
+        </p:style>
+        <p:txBody>
+          <a:bodyPr rtlCol="0" anchor="ctr"/>
+          <a:lstStyle/>
+          <a:p>
+            <a:pPr algn="ctr"/>
+            <a:endParaRPr lang="en-US"/>
+          </a:p>
+        </p:txBody>
+      </p:sp>
+      <p:sp>
+        <p:nvSpPr>
+          <p:cNvPr id="5" name="Rectangle 4">
+            <a:extLst>
+              <a:ext uri="{FF2B5EF4-FFF2-40B4-BE49-F238E27FC236}">
+                <a16:creationId xmlns:a16="http://schemas.microsoft.com/office/drawing/2014/main" id="{85B46A3C-1A43-565A-AD43-FA8F47B1AB6D}"/>
+              </a:ext>
+            </a:extLst>
+          </p:cNvPr>
+          <p:cNvSpPr/>
+          <p:nvPr/>
+        </p:nvSpPr>
+        <p:spPr>
+          <a:xfrm>
+            <a:off x="2011680" y="1673035"/>
+            <a:ext cx="3813047" cy="4078539"/>
+          </a:xfrm>
+          <a:prstGeom prst="rect">
+            <a:avLst/>
+          </a:prstGeom>
+          <a:solidFill>
+            <a:schemeClr val="bg1">
+              <a:alpha val="67000"/>
+            </a:schemeClr>
+          </a:solidFill>
+          <a:ln>
+            <a:noFill/>
+          </a:ln>
+        </p:spPr>
+        <p:style>
+          <a:lnRef idx="2">
+            <a:schemeClr val="accent1">
+              <a:shade val="15000"/>
+            </a:schemeClr>
+          </a:lnRef>
+          <a:fillRef idx="1">
+            <a:schemeClr val="accent1"/>
+          </a:fillRef>
+          <a:effectRef idx="0">
+            <a:schemeClr val="accent1"/>
+          </a:effectRef>
+          <a:fontRef idx="minor">
+            <a:schemeClr val="lt1"/>
+          </a:fontRef>
+        </p:style>
+        <p:txBody>
+          <a:bodyPr rtlCol="0" anchor="ctr"/>
+          <a:lstStyle/>
+          <a:p>
+            <a:pPr algn="ctr"/>
+            <a:endParaRPr lang="en-US"/>
+          </a:p>
+        </p:txBody>
+      </p:sp>
+    </p:spTree>
+    <p:extLst>
+      <p:ext uri="{BB962C8B-B14F-4D97-AF65-F5344CB8AC3E}">
+        <p14:creationId xmlns:p14="http://schemas.microsoft.com/office/powerpoint/2010/main" val="1342548138"/>
+      </p:ext>
+    </p:extLst>
+  </p:cSld>
+  <p:clrMapOvr>
+    <a:masterClrMapping/>
+  </p:clrMapOvr>
+</p:sld>
+</file>
+
+<file path=ppt/slides/slide7.xml><?xml version="1.0" encoding="utf-8"?>
+<p:sld xmlns:a="http://schemas.openxmlformats.org/drawingml/2006/main" xmlns:r="http://schemas.openxmlformats.org/officeDocument/2006/relationships" xmlns:p="http://schemas.openxmlformats.org/presentationml/2006/main">
+  <p:cSld>
+    <p:spTree>
+      <p:nvGrpSpPr>
+        <p:cNvPr id="1" name=""/>
+        <p:cNvGrpSpPr/>
+        <p:nvPr/>
+      </p:nvGrpSpPr>
+      <p:grpSpPr>
+        <a:xfrm>
+          <a:off x="0" y="0"/>
+          <a:ext cx="0" cy="0"/>
+          <a:chOff x="0" y="0"/>
+          <a:chExt cx="0" cy="0"/>
+        </a:xfrm>
+      </p:grpSpPr>
+      <p:sp>
+        <p:nvSpPr>
+          <p:cNvPr id="2" name="Title 1">
+            <a:extLst>
+              <a:ext uri="{FF2B5EF4-FFF2-40B4-BE49-F238E27FC236}">
+                <a16:creationId xmlns:a16="http://schemas.microsoft.com/office/drawing/2014/main" id="{B525207E-764D-A68A-2324-98DF94948AA1}"/>
+              </a:ext>
+            </a:extLst>
+          </p:cNvPr>
+          <p:cNvSpPr>
+            <a:spLocks noGrp="1"/>
+          </p:cNvSpPr>
+          <p:nvPr>
+            <p:ph type="title"/>
+          </p:nvPr>
+        </p:nvSpPr>
+        <p:spPr>
+          <a:xfrm>
+            <a:off x="838200" y="0"/>
+            <a:ext cx="10515600" cy="1325563"/>
+          </a:xfrm>
+        </p:spPr>
+        <p:txBody>
+          <a:bodyPr>
+            <a:normAutofit/>
+          </a:bodyPr>
+          <a:lstStyle/>
+          <a:p>
+            <a:r>
+              <a:rPr lang="en-US" dirty="0">
+                <a:solidFill>
+                  <a:schemeClr val="bg1">
+                    <a:lumMod val="75000"/>
+                  </a:schemeClr>
+                </a:solidFill>
+              </a:rPr>
+              <a:t>Fig. 2 (Models)</a:t>
+            </a:r>
+          </a:p>
+        </p:txBody>
+      </p:sp>
+      <p:pic>
+        <p:nvPicPr>
+          <p:cNvPr id="6" name="Picture 5">
+            <a:extLst>
+              <a:ext uri="{FF2B5EF4-FFF2-40B4-BE49-F238E27FC236}">
+                <a16:creationId xmlns:a16="http://schemas.microsoft.com/office/drawing/2014/main" id="{EB7C1CE4-A930-BB04-FA14-D379BBA9AAEC}"/>
+              </a:ext>
+            </a:extLst>
+          </p:cNvPr>
+          <p:cNvPicPr>
+            <a:picLocks noChangeAspect="1"/>
+          </p:cNvPicPr>
+          <p:nvPr/>
+        </p:nvPicPr>
+        <p:blipFill>
+          <a:blip r:embed="rId3"/>
           <a:stretch>
             <a:fillRect/>
           </a:stretch>
@@ -4286,465 +9687,6 @@
 </p:sld>
 </file>
 
-<file path=ppt/slides/slide5.xml><?xml version="1.0" encoding="utf-8"?>
-<p:sld xmlns:a="http://schemas.openxmlformats.org/drawingml/2006/main" xmlns:r="http://schemas.openxmlformats.org/officeDocument/2006/relationships" xmlns:p="http://schemas.openxmlformats.org/presentationml/2006/main">
-  <p:cSld>
-    <p:spTree>
-      <p:nvGrpSpPr>
-        <p:cNvPr id="1" name=""/>
-        <p:cNvGrpSpPr/>
-        <p:nvPr/>
-      </p:nvGrpSpPr>
-      <p:grpSpPr>
-        <a:xfrm>
-          <a:off x="0" y="0"/>
-          <a:ext cx="0" cy="0"/>
-          <a:chOff x="0" y="0"/>
-          <a:chExt cx="0" cy="0"/>
-        </a:xfrm>
-      </p:grpSpPr>
-      <p:sp>
-        <p:nvSpPr>
-          <p:cNvPr id="2" name="Title 1">
-            <a:extLst>
-              <a:ext uri="{FF2B5EF4-FFF2-40B4-BE49-F238E27FC236}">
-                <a16:creationId xmlns:a16="http://schemas.microsoft.com/office/drawing/2014/main" id="{B525207E-764D-A68A-2324-98DF94948AA1}"/>
-              </a:ext>
-            </a:extLst>
-          </p:cNvPr>
-          <p:cNvSpPr>
-            <a:spLocks noGrp="1"/>
-          </p:cNvSpPr>
-          <p:nvPr>
-            <p:ph type="title"/>
-          </p:nvPr>
-        </p:nvSpPr>
-        <p:spPr>
-          <a:xfrm>
-            <a:off x="838200" y="0"/>
-            <a:ext cx="10515600" cy="1325563"/>
-          </a:xfrm>
-        </p:spPr>
-        <p:txBody>
-          <a:bodyPr>
-            <a:normAutofit/>
-          </a:bodyPr>
-          <a:lstStyle/>
-          <a:p>
-            <a:r>
-              <a:rPr lang="en-US" dirty="0">
-                <a:solidFill>
-                  <a:schemeClr val="bg1">
-                    <a:lumMod val="75000"/>
-                  </a:schemeClr>
-                </a:solidFill>
-              </a:rPr>
-              <a:t>Fig. 2</a:t>
-            </a:r>
-          </a:p>
-        </p:txBody>
-      </p:sp>
-      <p:pic>
-        <p:nvPicPr>
-          <p:cNvPr id="8" name="Picture 7">
-            <a:extLst>
-              <a:ext uri="{FF2B5EF4-FFF2-40B4-BE49-F238E27FC236}">
-                <a16:creationId xmlns:a16="http://schemas.microsoft.com/office/drawing/2014/main" id="{B35D2DE0-39D9-9D39-750A-7CDDC8CCB8E2}"/>
-              </a:ext>
-            </a:extLst>
-          </p:cNvPr>
-          <p:cNvPicPr>
-            <a:picLocks noChangeAspect="1"/>
-          </p:cNvPicPr>
-          <p:nvPr/>
-        </p:nvPicPr>
-        <p:blipFill>
-          <a:blip r:embed="rId2"/>
-          <a:stretch>
-            <a:fillRect/>
-          </a:stretch>
-        </p:blipFill>
-        <p:spPr>
-          <a:xfrm>
-            <a:off x="808887" y="2375150"/>
-            <a:ext cx="10574226" cy="2107700"/>
-          </a:xfrm>
-          <a:prstGeom prst="rect">
-            <a:avLst/>
-          </a:prstGeom>
-        </p:spPr>
-      </p:pic>
-      <p:sp>
-        <p:nvSpPr>
-          <p:cNvPr id="3" name="Rectangle 2">
-            <a:extLst>
-              <a:ext uri="{FF2B5EF4-FFF2-40B4-BE49-F238E27FC236}">
-                <a16:creationId xmlns:a16="http://schemas.microsoft.com/office/drawing/2014/main" id="{A62A4687-2383-3DA3-50C8-443EE1EEBC16}"/>
-              </a:ext>
-            </a:extLst>
-          </p:cNvPr>
-          <p:cNvSpPr/>
-          <p:nvPr/>
-        </p:nvSpPr>
-        <p:spPr>
-          <a:xfrm>
-            <a:off x="5394036" y="4211782"/>
-            <a:ext cx="2078182" cy="387927"/>
-          </a:xfrm>
-          <a:prstGeom prst="rect">
-            <a:avLst/>
-          </a:prstGeom>
-          <a:solidFill>
-            <a:schemeClr val="bg1"/>
-          </a:solidFill>
-          <a:ln>
-            <a:noFill/>
-          </a:ln>
-        </p:spPr>
-        <p:style>
-          <a:lnRef idx="2">
-            <a:schemeClr val="accent1">
-              <a:shade val="15000"/>
-            </a:schemeClr>
-          </a:lnRef>
-          <a:fillRef idx="1">
-            <a:schemeClr val="accent1"/>
-          </a:fillRef>
-          <a:effectRef idx="0">
-            <a:schemeClr val="accent1"/>
-          </a:effectRef>
-          <a:fontRef idx="minor">
-            <a:schemeClr val="lt1"/>
-          </a:fontRef>
-        </p:style>
-        <p:txBody>
-          <a:bodyPr rtlCol="0" anchor="ctr"/>
-          <a:lstStyle/>
-          <a:p>
-            <a:pPr algn="ctr"/>
-            <a:endParaRPr lang="en-US"/>
-          </a:p>
-        </p:txBody>
-      </p:sp>
-    </p:spTree>
-    <p:extLst>
-      <p:ext uri="{BB962C8B-B14F-4D97-AF65-F5344CB8AC3E}">
-        <p14:creationId xmlns:p14="http://schemas.microsoft.com/office/powerpoint/2010/main" val="1007435924"/>
-      </p:ext>
-    </p:extLst>
-  </p:cSld>
-  <p:clrMapOvr>
-    <a:masterClrMapping/>
-  </p:clrMapOvr>
-</p:sld>
-</file>
-
-<file path=ppt/slides/slide6.xml><?xml version="1.0" encoding="utf-8"?>
-<p:sld xmlns:a="http://schemas.openxmlformats.org/drawingml/2006/main" xmlns:r="http://schemas.openxmlformats.org/officeDocument/2006/relationships" xmlns:p="http://schemas.openxmlformats.org/presentationml/2006/main">
-  <p:cSld>
-    <p:spTree>
-      <p:nvGrpSpPr>
-        <p:cNvPr id="1" name=""/>
-        <p:cNvGrpSpPr/>
-        <p:nvPr/>
-      </p:nvGrpSpPr>
-      <p:grpSpPr>
-        <a:xfrm>
-          <a:off x="0" y="0"/>
-          <a:ext cx="0" cy="0"/>
-          <a:chOff x="0" y="0"/>
-          <a:chExt cx="0" cy="0"/>
-        </a:xfrm>
-      </p:grpSpPr>
-      <p:sp>
-        <p:nvSpPr>
-          <p:cNvPr id="2" name="Title 1">
-            <a:extLst>
-              <a:ext uri="{FF2B5EF4-FFF2-40B4-BE49-F238E27FC236}">
-                <a16:creationId xmlns:a16="http://schemas.microsoft.com/office/drawing/2014/main" id="{B525207E-764D-A68A-2324-98DF94948AA1}"/>
-              </a:ext>
-            </a:extLst>
-          </p:cNvPr>
-          <p:cNvSpPr>
-            <a:spLocks noGrp="1"/>
-          </p:cNvSpPr>
-          <p:nvPr>
-            <p:ph type="title"/>
-          </p:nvPr>
-        </p:nvSpPr>
-        <p:spPr>
-          <a:xfrm>
-            <a:off x="838200" y="0"/>
-            <a:ext cx="10515600" cy="1325563"/>
-          </a:xfrm>
-        </p:spPr>
-        <p:txBody>
-          <a:bodyPr>
-            <a:normAutofit/>
-          </a:bodyPr>
-          <a:lstStyle/>
-          <a:p>
-            <a:r>
-              <a:rPr lang="en-US" dirty="0">
-                <a:solidFill>
-                  <a:schemeClr val="bg1">
-                    <a:lumMod val="75000"/>
-                  </a:schemeClr>
-                </a:solidFill>
-              </a:rPr>
-              <a:t>Fig. 2</a:t>
-            </a:r>
-          </a:p>
-        </p:txBody>
-      </p:sp>
-      <p:pic>
-        <p:nvPicPr>
-          <p:cNvPr id="10" name="Picture 9">
-            <a:extLst>
-              <a:ext uri="{FF2B5EF4-FFF2-40B4-BE49-F238E27FC236}">
-                <a16:creationId xmlns:a16="http://schemas.microsoft.com/office/drawing/2014/main" id="{95BEE857-B119-ED4A-BBEC-7AABD445F489}"/>
-              </a:ext>
-            </a:extLst>
-          </p:cNvPr>
-          <p:cNvPicPr>
-            <a:picLocks noChangeAspect="1"/>
-          </p:cNvPicPr>
-          <p:nvPr/>
-        </p:nvPicPr>
-        <p:blipFill>
-          <a:blip r:embed="rId2"/>
-          <a:stretch>
-            <a:fillRect/>
-          </a:stretch>
-        </p:blipFill>
-        <p:spPr>
-          <a:xfrm>
-            <a:off x="829588" y="1325563"/>
-            <a:ext cx="10524212" cy="4815560"/>
-          </a:xfrm>
-          <a:prstGeom prst="rect">
-            <a:avLst/>
-          </a:prstGeom>
-        </p:spPr>
-      </p:pic>
-      <p:sp>
-        <p:nvSpPr>
-          <p:cNvPr id="3" name="Rectangle 2">
-            <a:extLst>
-              <a:ext uri="{FF2B5EF4-FFF2-40B4-BE49-F238E27FC236}">
-                <a16:creationId xmlns:a16="http://schemas.microsoft.com/office/drawing/2014/main" id="{3E9F228C-0BBA-1E23-C39F-BFC88E005EB2}"/>
-              </a:ext>
-            </a:extLst>
-          </p:cNvPr>
-          <p:cNvSpPr/>
-          <p:nvPr/>
-        </p:nvSpPr>
-        <p:spPr>
-          <a:xfrm>
-            <a:off x="2623127" y="1034473"/>
-            <a:ext cx="2050473" cy="572654"/>
-          </a:xfrm>
-          <a:prstGeom prst="rect">
-            <a:avLst/>
-          </a:prstGeom>
-          <a:solidFill>
-            <a:schemeClr val="bg1"/>
-          </a:solidFill>
-          <a:ln>
-            <a:noFill/>
-          </a:ln>
-        </p:spPr>
-        <p:style>
-          <a:lnRef idx="2">
-            <a:schemeClr val="accent1">
-              <a:shade val="15000"/>
-            </a:schemeClr>
-          </a:lnRef>
-          <a:fillRef idx="1">
-            <a:schemeClr val="accent1"/>
-          </a:fillRef>
-          <a:effectRef idx="0">
-            <a:schemeClr val="accent1"/>
-          </a:effectRef>
-          <a:fontRef idx="minor">
-            <a:schemeClr val="lt1"/>
-          </a:fontRef>
-        </p:style>
-        <p:txBody>
-          <a:bodyPr rtlCol="0" anchor="ctr"/>
-          <a:lstStyle/>
-          <a:p>
-            <a:pPr algn="ctr"/>
-            <a:endParaRPr lang="en-US"/>
-          </a:p>
-        </p:txBody>
-      </p:sp>
-      <p:sp>
-        <p:nvSpPr>
-          <p:cNvPr id="4" name="Rectangle 3">
-            <a:extLst>
-              <a:ext uri="{FF2B5EF4-FFF2-40B4-BE49-F238E27FC236}">
-                <a16:creationId xmlns:a16="http://schemas.microsoft.com/office/drawing/2014/main" id="{3DF0115A-1120-25D0-0E61-4B9DC8B31CBA}"/>
-              </a:ext>
-            </a:extLst>
-          </p:cNvPr>
-          <p:cNvSpPr/>
-          <p:nvPr/>
-        </p:nvSpPr>
-        <p:spPr>
-          <a:xfrm>
-            <a:off x="8114146" y="1043999"/>
-            <a:ext cx="3248266" cy="572654"/>
-          </a:xfrm>
-          <a:prstGeom prst="rect">
-            <a:avLst/>
-          </a:prstGeom>
-          <a:solidFill>
-            <a:schemeClr val="bg1"/>
-          </a:solidFill>
-          <a:ln>
-            <a:noFill/>
-          </a:ln>
-        </p:spPr>
-        <p:style>
-          <a:lnRef idx="2">
-            <a:schemeClr val="accent1">
-              <a:shade val="15000"/>
-            </a:schemeClr>
-          </a:lnRef>
-          <a:fillRef idx="1">
-            <a:schemeClr val="accent1"/>
-          </a:fillRef>
-          <a:effectRef idx="0">
-            <a:schemeClr val="accent1"/>
-          </a:effectRef>
-          <a:fontRef idx="minor">
-            <a:schemeClr val="lt1"/>
-          </a:fontRef>
-        </p:style>
-        <p:txBody>
-          <a:bodyPr rtlCol="0" anchor="ctr"/>
-          <a:lstStyle/>
-          <a:p>
-            <a:pPr algn="ctr"/>
-            <a:endParaRPr lang="en-US"/>
-          </a:p>
-        </p:txBody>
-      </p:sp>
-    </p:spTree>
-    <p:extLst>
-      <p:ext uri="{BB962C8B-B14F-4D97-AF65-F5344CB8AC3E}">
-        <p14:creationId xmlns:p14="http://schemas.microsoft.com/office/powerpoint/2010/main" val="1906488060"/>
-      </p:ext>
-    </p:extLst>
-  </p:cSld>
-  <p:clrMapOvr>
-    <a:masterClrMapping/>
-  </p:clrMapOvr>
-</p:sld>
-</file>
-
-<file path=ppt/slides/slide7.xml><?xml version="1.0" encoding="utf-8"?>
-<p:sld xmlns:a="http://schemas.openxmlformats.org/drawingml/2006/main" xmlns:r="http://schemas.openxmlformats.org/officeDocument/2006/relationships" xmlns:p="http://schemas.openxmlformats.org/presentationml/2006/main">
-  <p:cSld>
-    <p:spTree>
-      <p:nvGrpSpPr>
-        <p:cNvPr id="1" name=""/>
-        <p:cNvGrpSpPr/>
-        <p:nvPr/>
-      </p:nvGrpSpPr>
-      <p:grpSpPr>
-        <a:xfrm>
-          <a:off x="0" y="0"/>
-          <a:ext cx="0" cy="0"/>
-          <a:chOff x="0" y="0"/>
-          <a:chExt cx="0" cy="0"/>
-        </a:xfrm>
-      </p:grpSpPr>
-      <p:sp>
-        <p:nvSpPr>
-          <p:cNvPr id="2" name="Title 1">
-            <a:extLst>
-              <a:ext uri="{FF2B5EF4-FFF2-40B4-BE49-F238E27FC236}">
-                <a16:creationId xmlns:a16="http://schemas.microsoft.com/office/drawing/2014/main" id="{B525207E-764D-A68A-2324-98DF94948AA1}"/>
-              </a:ext>
-            </a:extLst>
-          </p:cNvPr>
-          <p:cNvSpPr>
-            <a:spLocks noGrp="1"/>
-          </p:cNvSpPr>
-          <p:nvPr>
-            <p:ph type="title"/>
-          </p:nvPr>
-        </p:nvSpPr>
-        <p:spPr>
-          <a:xfrm>
-            <a:off x="838200" y="0"/>
-            <a:ext cx="10515600" cy="1325563"/>
-          </a:xfrm>
-        </p:spPr>
-        <p:txBody>
-          <a:bodyPr>
-            <a:normAutofit/>
-          </a:bodyPr>
-          <a:lstStyle/>
-          <a:p>
-            <a:r>
-              <a:rPr lang="en-US" dirty="0">
-                <a:solidFill>
-                  <a:schemeClr val="bg1">
-                    <a:lumMod val="75000"/>
-                  </a:schemeClr>
-                </a:solidFill>
-              </a:rPr>
-              <a:t>Fig. 3</a:t>
-            </a:r>
-          </a:p>
-        </p:txBody>
-      </p:sp>
-      <p:pic>
-        <p:nvPicPr>
-          <p:cNvPr id="20" name="Picture 19">
-            <a:extLst>
-              <a:ext uri="{FF2B5EF4-FFF2-40B4-BE49-F238E27FC236}">
-                <a16:creationId xmlns:a16="http://schemas.microsoft.com/office/drawing/2014/main" id="{2D9FB82C-C849-EE90-1F4A-DC958F530C14}"/>
-              </a:ext>
-            </a:extLst>
-          </p:cNvPr>
-          <p:cNvPicPr>
-            <a:picLocks noChangeAspect="1"/>
-          </p:cNvPicPr>
-          <p:nvPr/>
-        </p:nvPicPr>
-        <p:blipFill>
-          <a:blip r:embed="rId2"/>
-          <a:stretch>
-            <a:fillRect/>
-          </a:stretch>
-        </p:blipFill>
-        <p:spPr>
-          <a:xfrm>
-            <a:off x="838200" y="1159309"/>
-            <a:ext cx="10792651" cy="4733492"/>
-          </a:xfrm>
-          <a:prstGeom prst="rect">
-            <a:avLst/>
-          </a:prstGeom>
-        </p:spPr>
-      </p:pic>
-    </p:spTree>
-    <p:extLst>
-      <p:ext uri="{BB962C8B-B14F-4D97-AF65-F5344CB8AC3E}">
-        <p14:creationId xmlns:p14="http://schemas.microsoft.com/office/powerpoint/2010/main" val="3144333463"/>
-      </p:ext>
-    </p:extLst>
-  </p:cSld>
-  <p:clrMapOvr>
-    <a:masterClrMapping/>
-  </p:clrMapOvr>
-</p:sld>
-</file>
-
 <file path=ppt/slides/slide8.xml><?xml version="1.0" encoding="utf-8"?>
 <p:sld xmlns:a="http://schemas.openxmlformats.org/drawingml/2006/main" xmlns:r="http://schemas.openxmlformats.org/officeDocument/2006/relationships" xmlns:p="http://schemas.openxmlformats.org/presentationml/2006/main">
   <p:cSld>
@@ -4762,53 +9704,12 @@
           <a:chExt cx="0" cy="0"/>
         </a:xfrm>
       </p:grpSpPr>
-      <p:sp>
-        <p:nvSpPr>
-          <p:cNvPr id="2" name="Title 1">
-            <a:extLst>
-              <a:ext uri="{FF2B5EF4-FFF2-40B4-BE49-F238E27FC236}">
-                <a16:creationId xmlns:a16="http://schemas.microsoft.com/office/drawing/2014/main" id="{B525207E-764D-A68A-2324-98DF94948AA1}"/>
-              </a:ext>
-            </a:extLst>
-          </p:cNvPr>
-          <p:cNvSpPr>
-            <a:spLocks noGrp="1"/>
-          </p:cNvSpPr>
-          <p:nvPr>
-            <p:ph type="title"/>
-          </p:nvPr>
-        </p:nvSpPr>
-        <p:spPr>
-          <a:xfrm>
-            <a:off x="838200" y="0"/>
-            <a:ext cx="10515600" cy="1325563"/>
-          </a:xfrm>
-        </p:spPr>
-        <p:txBody>
-          <a:bodyPr>
-            <a:normAutofit/>
-          </a:bodyPr>
-          <a:lstStyle/>
-          <a:p>
-            <a:r>
-              <a:rPr lang="en-US" dirty="0">
-                <a:solidFill>
-                  <a:schemeClr val="bg1">
-                    <a:lumMod val="75000"/>
-                  </a:schemeClr>
-                </a:solidFill>
-              </a:rPr>
-              <a:t>Fig. 3</a:t>
-            </a:r>
-          </a:p>
-        </p:txBody>
-      </p:sp>
       <p:pic>
         <p:nvPicPr>
-          <p:cNvPr id="4" name="Picture 3">
-            <a:extLst>
-              <a:ext uri="{FF2B5EF4-FFF2-40B4-BE49-F238E27FC236}">
-                <a16:creationId xmlns:a16="http://schemas.microsoft.com/office/drawing/2014/main" id="{2E5C039D-BC81-0D44-BD71-E3BBAB957A30}"/>
+          <p:cNvPr id="8" name="Picture 7">
+            <a:extLst>
+              <a:ext uri="{FF2B5EF4-FFF2-40B4-BE49-F238E27FC236}">
+                <a16:creationId xmlns:a16="http://schemas.microsoft.com/office/drawing/2014/main" id="{12FA49F2-383A-0B61-8F0A-1C64EA18F72A}"/>
               </a:ext>
             </a:extLst>
           </p:cNvPr>
@@ -4817,16 +9718,15 @@
           </p:cNvPicPr>
           <p:nvPr/>
         </p:nvPicPr>
-        <p:blipFill>
-          <a:blip r:embed="rId2"/>
-          <a:stretch>
-            <a:fillRect/>
-          </a:stretch>
+        <p:blipFill rotWithShape="1">
+          <a:blip r:embed="rId3"/>
+          <a:srcRect t="24674"/>
+          <a:stretch/>
         </p:blipFill>
         <p:spPr>
           <a:xfrm>
-            <a:off x="920708" y="2137835"/>
-            <a:ext cx="10627633" cy="3108420"/>
+            <a:off x="2375968" y="2047657"/>
+            <a:ext cx="7440063" cy="2762686"/>
           </a:xfrm>
           <a:prstGeom prst="rect">
             <a:avLst/>
@@ -4836,7 +9736,7 @@
     </p:spTree>
     <p:extLst>
       <p:ext uri="{BB962C8B-B14F-4D97-AF65-F5344CB8AC3E}">
-        <p14:creationId xmlns:p14="http://schemas.microsoft.com/office/powerpoint/2010/main" val="2762384141"/>
+        <p14:creationId xmlns:p14="http://schemas.microsoft.com/office/powerpoint/2010/main" val="1906488060"/>
       </p:ext>
     </p:extLst>
   </p:cSld>
@@ -4863,53 +9763,12 @@
           <a:chExt cx="0" cy="0"/>
         </a:xfrm>
       </p:grpSpPr>
-      <p:sp>
-        <p:nvSpPr>
-          <p:cNvPr id="2" name="Title 1">
-            <a:extLst>
-              <a:ext uri="{FF2B5EF4-FFF2-40B4-BE49-F238E27FC236}">
-                <a16:creationId xmlns:a16="http://schemas.microsoft.com/office/drawing/2014/main" id="{B525207E-764D-A68A-2324-98DF94948AA1}"/>
-              </a:ext>
-            </a:extLst>
-          </p:cNvPr>
-          <p:cNvSpPr>
-            <a:spLocks noGrp="1"/>
-          </p:cNvSpPr>
-          <p:nvPr>
-            <p:ph type="title"/>
-          </p:nvPr>
-        </p:nvSpPr>
-        <p:spPr>
-          <a:xfrm>
-            <a:off x="838200" y="0"/>
-            <a:ext cx="10515600" cy="1325563"/>
-          </a:xfrm>
-        </p:spPr>
-        <p:txBody>
-          <a:bodyPr>
-            <a:normAutofit/>
-          </a:bodyPr>
-          <a:lstStyle/>
-          <a:p>
-            <a:r>
-              <a:rPr lang="en-US" dirty="0">
-                <a:solidFill>
-                  <a:schemeClr val="bg1">
-                    <a:lumMod val="75000"/>
-                  </a:schemeClr>
-                </a:solidFill>
-              </a:rPr>
-              <a:t>Fig. 4</a:t>
-            </a:r>
-          </a:p>
-        </p:txBody>
-      </p:sp>
       <p:pic>
         <p:nvPicPr>
-          <p:cNvPr id="18" name="Picture 17">
-            <a:extLst>
-              <a:ext uri="{FF2B5EF4-FFF2-40B4-BE49-F238E27FC236}">
-                <a16:creationId xmlns:a16="http://schemas.microsoft.com/office/drawing/2014/main" id="{DB2FC70C-172B-B05E-2B04-32E32398FD6A}"/>
+          <p:cNvPr id="8" name="Picture 7">
+            <a:extLst>
+              <a:ext uri="{FF2B5EF4-FFF2-40B4-BE49-F238E27FC236}">
+                <a16:creationId xmlns:a16="http://schemas.microsoft.com/office/drawing/2014/main" id="{12FA49F2-383A-0B61-8F0A-1C64EA18F72A}"/>
               </a:ext>
             </a:extLst>
           </p:cNvPr>
@@ -4918,26 +9777,241 @@
           </p:cNvPicPr>
           <p:nvPr/>
         </p:nvPicPr>
-        <p:blipFill>
-          <a:blip r:embed="rId2"/>
-          <a:stretch>
-            <a:fillRect/>
-          </a:stretch>
+        <p:blipFill rotWithShape="1">
+          <a:blip r:embed="rId3"/>
+          <a:srcRect t="24674"/>
+          <a:stretch/>
         </p:blipFill>
         <p:spPr>
           <a:xfrm>
-            <a:off x="728472" y="995745"/>
-            <a:ext cx="10081430" cy="5739208"/>
+            <a:off x="2375968" y="2047657"/>
+            <a:ext cx="7440063" cy="2762686"/>
           </a:xfrm>
           <a:prstGeom prst="rect">
             <a:avLst/>
           </a:prstGeom>
         </p:spPr>
       </p:pic>
+      <p:sp>
+        <p:nvSpPr>
+          <p:cNvPr id="11" name="Rectangle 10">
+            <a:extLst>
+              <a:ext uri="{FF2B5EF4-FFF2-40B4-BE49-F238E27FC236}">
+                <a16:creationId xmlns:a16="http://schemas.microsoft.com/office/drawing/2014/main" id="{F6D6067B-BE49-542B-EDD8-15CEE280C6E3}"/>
+              </a:ext>
+            </a:extLst>
+          </p:cNvPr>
+          <p:cNvSpPr/>
+          <p:nvPr/>
+        </p:nvSpPr>
+        <p:spPr>
+          <a:xfrm>
+            <a:off x="1805651" y="1122744"/>
+            <a:ext cx="1643605" cy="4386805"/>
+          </a:xfrm>
+          <a:prstGeom prst="rect">
+            <a:avLst/>
+          </a:prstGeom>
+          <a:solidFill>
+            <a:schemeClr val="bg1">
+              <a:alpha val="67000"/>
+            </a:schemeClr>
+          </a:solidFill>
+          <a:ln>
+            <a:noFill/>
+          </a:ln>
+        </p:spPr>
+        <p:style>
+          <a:lnRef idx="2">
+            <a:schemeClr val="accent1">
+              <a:shade val="15000"/>
+            </a:schemeClr>
+          </a:lnRef>
+          <a:fillRef idx="1">
+            <a:schemeClr val="accent1"/>
+          </a:fillRef>
+          <a:effectRef idx="0">
+            <a:schemeClr val="accent1"/>
+          </a:effectRef>
+          <a:fontRef idx="minor">
+            <a:schemeClr val="lt1"/>
+          </a:fontRef>
+        </p:style>
+        <p:txBody>
+          <a:bodyPr rtlCol="0" anchor="ctr"/>
+          <a:lstStyle/>
+          <a:p>
+            <a:pPr algn="ctr"/>
+            <a:endParaRPr lang="en-US"/>
+          </a:p>
+        </p:txBody>
+      </p:sp>
+      <p:sp>
+        <p:nvSpPr>
+          <p:cNvPr id="12" name="Rectangle 11">
+            <a:extLst>
+              <a:ext uri="{FF2B5EF4-FFF2-40B4-BE49-F238E27FC236}">
+                <a16:creationId xmlns:a16="http://schemas.microsoft.com/office/drawing/2014/main" id="{9C8DAA9B-F644-6D14-F8AF-002A5946AB42}"/>
+              </a:ext>
+            </a:extLst>
+          </p:cNvPr>
+          <p:cNvSpPr/>
+          <p:nvPr/>
+        </p:nvSpPr>
+        <p:spPr>
+          <a:xfrm>
+            <a:off x="3449256" y="1122744"/>
+            <a:ext cx="6562845" cy="1794076"/>
+          </a:xfrm>
+          <a:prstGeom prst="rect">
+            <a:avLst/>
+          </a:prstGeom>
+          <a:solidFill>
+            <a:schemeClr val="bg1">
+              <a:alpha val="67000"/>
+            </a:schemeClr>
+          </a:solidFill>
+          <a:ln>
+            <a:noFill/>
+          </a:ln>
+        </p:spPr>
+        <p:style>
+          <a:lnRef idx="2">
+            <a:schemeClr val="accent1">
+              <a:shade val="15000"/>
+            </a:schemeClr>
+          </a:lnRef>
+          <a:fillRef idx="1">
+            <a:schemeClr val="accent1"/>
+          </a:fillRef>
+          <a:effectRef idx="0">
+            <a:schemeClr val="accent1"/>
+          </a:effectRef>
+          <a:fontRef idx="minor">
+            <a:schemeClr val="lt1"/>
+          </a:fontRef>
+        </p:style>
+        <p:txBody>
+          <a:bodyPr rtlCol="0" anchor="ctr"/>
+          <a:lstStyle/>
+          <a:p>
+            <a:pPr algn="ctr"/>
+            <a:endParaRPr lang="en-US"/>
+          </a:p>
+        </p:txBody>
+      </p:sp>
+      <p:sp>
+        <p:nvSpPr>
+          <p:cNvPr id="13" name="Rectangle 12">
+            <a:extLst>
+              <a:ext uri="{FF2B5EF4-FFF2-40B4-BE49-F238E27FC236}">
+                <a16:creationId xmlns:a16="http://schemas.microsoft.com/office/drawing/2014/main" id="{41661C26-DF24-8FF3-10B7-6D5B95D2D6B0}"/>
+              </a:ext>
+            </a:extLst>
+          </p:cNvPr>
+          <p:cNvSpPr/>
+          <p:nvPr/>
+        </p:nvSpPr>
+        <p:spPr>
+          <a:xfrm>
+            <a:off x="4606724" y="2916820"/>
+            <a:ext cx="5405377" cy="289367"/>
+          </a:xfrm>
+          <a:prstGeom prst="rect">
+            <a:avLst/>
+          </a:prstGeom>
+          <a:solidFill>
+            <a:schemeClr val="bg1">
+              <a:alpha val="67000"/>
+            </a:schemeClr>
+          </a:solidFill>
+          <a:ln>
+            <a:noFill/>
+          </a:ln>
+        </p:spPr>
+        <p:style>
+          <a:lnRef idx="2">
+            <a:schemeClr val="accent1">
+              <a:shade val="15000"/>
+            </a:schemeClr>
+          </a:lnRef>
+          <a:fillRef idx="1">
+            <a:schemeClr val="accent1"/>
+          </a:fillRef>
+          <a:effectRef idx="0">
+            <a:schemeClr val="accent1"/>
+          </a:effectRef>
+          <a:fontRef idx="minor">
+            <a:schemeClr val="lt1"/>
+          </a:fontRef>
+        </p:style>
+        <p:txBody>
+          <a:bodyPr rtlCol="0" anchor="ctr"/>
+          <a:lstStyle/>
+          <a:p>
+            <a:pPr algn="ctr"/>
+            <a:endParaRPr lang="en-US"/>
+          </a:p>
+        </p:txBody>
+      </p:sp>
+      <p:sp>
+        <p:nvSpPr>
+          <p:cNvPr id="14" name="Rectangle 13">
+            <a:extLst>
+              <a:ext uri="{FF2B5EF4-FFF2-40B4-BE49-F238E27FC236}">
+                <a16:creationId xmlns:a16="http://schemas.microsoft.com/office/drawing/2014/main" id="{B8D9E840-C132-4B74-990B-EEF563F6A056}"/>
+              </a:ext>
+            </a:extLst>
+          </p:cNvPr>
+          <p:cNvSpPr/>
+          <p:nvPr/>
+        </p:nvSpPr>
+        <p:spPr>
+          <a:xfrm>
+            <a:off x="3449255" y="3206187"/>
+            <a:ext cx="3680749" cy="1956122"/>
+          </a:xfrm>
+          <a:prstGeom prst="rect">
+            <a:avLst/>
+          </a:prstGeom>
+          <a:solidFill>
+            <a:schemeClr val="bg1">
+              <a:alpha val="67000"/>
+            </a:schemeClr>
+          </a:solidFill>
+          <a:ln>
+            <a:noFill/>
+          </a:ln>
+        </p:spPr>
+        <p:style>
+          <a:lnRef idx="2">
+            <a:schemeClr val="accent1">
+              <a:shade val="15000"/>
+            </a:schemeClr>
+          </a:lnRef>
+          <a:fillRef idx="1">
+            <a:schemeClr val="accent1"/>
+          </a:fillRef>
+          <a:effectRef idx="0">
+            <a:schemeClr val="accent1"/>
+          </a:effectRef>
+          <a:fontRef idx="minor">
+            <a:schemeClr val="lt1"/>
+          </a:fontRef>
+        </p:style>
+        <p:txBody>
+          <a:bodyPr rtlCol="0" anchor="ctr"/>
+          <a:lstStyle/>
+          <a:p>
+            <a:pPr algn="ctr"/>
+            <a:endParaRPr lang="en-US"/>
+          </a:p>
+        </p:txBody>
+      </p:sp>
     </p:spTree>
     <p:extLst>
       <p:ext uri="{BB962C8B-B14F-4D97-AF65-F5344CB8AC3E}">
-        <p14:creationId xmlns:p14="http://schemas.microsoft.com/office/powerpoint/2010/main" val="2719926111"/>
+        <p14:creationId xmlns:p14="http://schemas.microsoft.com/office/powerpoint/2010/main" val="2264138178"/>
       </p:ext>
     </p:extLst>
   </p:cSld>
@@ -5260,4 +10334,319 @@
     </a:ext>
   </a:extLst>
 </a:theme>
+</file>
+
+<file path=ppt/theme/theme2.xml><?xml version="1.0" encoding="utf-8"?>
+<a:theme xmlns:a="http://schemas.openxmlformats.org/drawingml/2006/main" name="Office Theme">
+  <a:themeElements>
+    <a:clrScheme name="Office">
+      <a:dk1>
+        <a:sysClr val="windowText" lastClr="000000"/>
+      </a:dk1>
+      <a:lt1>
+        <a:sysClr val="window" lastClr="FFFFFF"/>
+      </a:lt1>
+      <a:dk2>
+        <a:srgbClr val="0E2841"/>
+      </a:dk2>
+      <a:lt2>
+        <a:srgbClr val="E8E8E8"/>
+      </a:lt2>
+      <a:accent1>
+        <a:srgbClr val="156082"/>
+      </a:accent1>
+      <a:accent2>
+        <a:srgbClr val="E97132"/>
+      </a:accent2>
+      <a:accent3>
+        <a:srgbClr val="196B24"/>
+      </a:accent3>
+      <a:accent4>
+        <a:srgbClr val="0F9ED5"/>
+      </a:accent4>
+      <a:accent5>
+        <a:srgbClr val="A02B93"/>
+      </a:accent5>
+      <a:accent6>
+        <a:srgbClr val="4EA72E"/>
+      </a:accent6>
+      <a:hlink>
+        <a:srgbClr val="467886"/>
+      </a:hlink>
+      <a:folHlink>
+        <a:srgbClr val="96607D"/>
+      </a:folHlink>
+    </a:clrScheme>
+    <a:fontScheme name="Office">
+      <a:majorFont>
+        <a:latin typeface="Aptos Display" panose="02110004020202020204"/>
+        <a:ea typeface=""/>
+        <a:cs typeface=""/>
+        <a:font script="Jpan" typeface="游ゴシック Light"/>
+        <a:font script="Hang" typeface="맑은 고딕"/>
+        <a:font script="Hans" typeface="等线 Light"/>
+        <a:font script="Hant" typeface="新細明體"/>
+        <a:font script="Arab" typeface="Times New Roman"/>
+        <a:font script="Hebr" typeface="Times New Roman"/>
+        <a:font script="Thai" typeface="Angsana New"/>
+        <a:font script="Ethi" typeface="Nyala"/>
+        <a:font script="Beng" typeface="Vrinda"/>
+        <a:font script="Gujr" typeface="Shruti"/>
+        <a:font script="Khmr" typeface="MoolBoran"/>
+        <a:font script="Knda" typeface="Tunga"/>
+        <a:font script="Guru" typeface="Raavi"/>
+        <a:font script="Cans" typeface="Euphemia"/>
+        <a:font script="Cher" typeface="Plantagenet Cherokee"/>
+        <a:font script="Yiii" typeface="Microsoft Yi Baiti"/>
+        <a:font script="Tibt" typeface="Microsoft Himalaya"/>
+        <a:font script="Thaa" typeface="MV Boli"/>
+        <a:font script="Deva" typeface="Mangal"/>
+        <a:font script="Telu" typeface="Gautami"/>
+        <a:font script="Taml" typeface="Latha"/>
+        <a:font script="Syrc" typeface="Estrangelo Edessa"/>
+        <a:font script="Orya" typeface="Kalinga"/>
+        <a:font script="Mlym" typeface="Kartika"/>
+        <a:font script="Laoo" typeface="DokChampa"/>
+        <a:font script="Sinh" typeface="Iskoola Pota"/>
+        <a:font script="Mong" typeface="Mongolian Baiti"/>
+        <a:font script="Viet" typeface="Times New Roman"/>
+        <a:font script="Uigh" typeface="Microsoft Uighur"/>
+        <a:font script="Geor" typeface="Sylfaen"/>
+        <a:font script="Armn" typeface="Arial"/>
+        <a:font script="Bugi" typeface="Leelawadee UI"/>
+        <a:font script="Bopo" typeface="Microsoft JhengHei"/>
+        <a:font script="Java" typeface="Javanese Text"/>
+        <a:font script="Lisu" typeface="Segoe UI"/>
+        <a:font script="Mymr" typeface="Myanmar Text"/>
+        <a:font script="Nkoo" typeface="Ebrima"/>
+        <a:font script="Olck" typeface="Nirmala UI"/>
+        <a:font script="Osma" typeface="Ebrima"/>
+        <a:font script="Phag" typeface="Phagspa"/>
+        <a:font script="Syrn" typeface="Estrangelo Edessa"/>
+        <a:font script="Syrj" typeface="Estrangelo Edessa"/>
+        <a:font script="Syre" typeface="Estrangelo Edessa"/>
+        <a:font script="Sora" typeface="Nirmala UI"/>
+        <a:font script="Tale" typeface="Microsoft Tai Le"/>
+        <a:font script="Talu" typeface="Microsoft New Tai Lue"/>
+        <a:font script="Tfng" typeface="Ebrima"/>
+      </a:majorFont>
+      <a:minorFont>
+        <a:latin typeface="Aptos" panose="02110004020202020204"/>
+        <a:ea typeface=""/>
+        <a:cs typeface=""/>
+        <a:font script="Jpan" typeface="游ゴシック"/>
+        <a:font script="Hang" typeface="맑은 고딕"/>
+        <a:font script="Hans" typeface="等线"/>
+        <a:font script="Hant" typeface="新細明體"/>
+        <a:font script="Arab" typeface="Arial"/>
+        <a:font script="Hebr" typeface="Arial"/>
+        <a:font script="Thai" typeface="Cordia New"/>
+        <a:font script="Ethi" typeface="Nyala"/>
+        <a:font script="Beng" typeface="Vrinda"/>
+        <a:font script="Gujr" typeface="Shruti"/>
+        <a:font script="Khmr" typeface="DaunPenh"/>
+        <a:font script="Knda" typeface="Tunga"/>
+        <a:font script="Guru" typeface="Raavi"/>
+        <a:font script="Cans" typeface="Euphemia"/>
+        <a:font script="Cher" typeface="Plantagenet Cherokee"/>
+        <a:font script="Yiii" typeface="Microsoft Yi Baiti"/>
+        <a:font script="Tibt" typeface="Microsoft Himalaya"/>
+        <a:font script="Thaa" typeface="MV Boli"/>
+        <a:font script="Deva" typeface="Mangal"/>
+        <a:font script="Telu" typeface="Gautami"/>
+        <a:font script="Taml" typeface="Latha"/>
+        <a:font script="Syrc" typeface="Estrangelo Edessa"/>
+        <a:font script="Orya" typeface="Kalinga"/>
+        <a:font script="Mlym" typeface="Kartika"/>
+        <a:font script="Laoo" typeface="DokChampa"/>
+        <a:font script="Sinh" typeface="Iskoola Pota"/>
+        <a:font script="Mong" typeface="Mongolian Baiti"/>
+        <a:font script="Viet" typeface="Arial"/>
+        <a:font script="Uigh" typeface="Microsoft Uighur"/>
+        <a:font script="Geor" typeface="Sylfaen"/>
+        <a:font script="Armn" typeface="Arial"/>
+        <a:font script="Bugi" typeface="Leelawadee UI"/>
+        <a:font script="Bopo" typeface="Microsoft JhengHei"/>
+        <a:font script="Java" typeface="Javanese Text"/>
+        <a:font script="Lisu" typeface="Segoe UI"/>
+        <a:font script="Mymr" typeface="Myanmar Text"/>
+        <a:font script="Nkoo" typeface="Ebrima"/>
+        <a:font script="Olck" typeface="Nirmala UI"/>
+        <a:font script="Osma" typeface="Ebrima"/>
+        <a:font script="Phag" typeface="Phagspa"/>
+        <a:font script="Syrn" typeface="Estrangelo Edessa"/>
+        <a:font script="Syrj" typeface="Estrangelo Edessa"/>
+        <a:font script="Syre" typeface="Estrangelo Edessa"/>
+        <a:font script="Sora" typeface="Nirmala UI"/>
+        <a:font script="Tale" typeface="Microsoft Tai Le"/>
+        <a:font script="Talu" typeface="Microsoft New Tai Lue"/>
+        <a:font script="Tfng" typeface="Ebrima"/>
+      </a:minorFont>
+    </a:fontScheme>
+    <a:fmtScheme name="Office">
+      <a:fillStyleLst>
+        <a:solidFill>
+          <a:schemeClr val="phClr"/>
+        </a:solidFill>
+        <a:gradFill rotWithShape="1">
+          <a:gsLst>
+            <a:gs pos="0">
+              <a:schemeClr val="phClr">
+                <a:lumMod val="110000"/>
+                <a:satMod val="105000"/>
+                <a:tint val="67000"/>
+              </a:schemeClr>
+            </a:gs>
+            <a:gs pos="50000">
+              <a:schemeClr val="phClr">
+                <a:lumMod val="105000"/>
+                <a:satMod val="103000"/>
+                <a:tint val="73000"/>
+              </a:schemeClr>
+            </a:gs>
+            <a:gs pos="100000">
+              <a:schemeClr val="phClr">
+                <a:lumMod val="105000"/>
+                <a:satMod val="109000"/>
+                <a:tint val="81000"/>
+              </a:schemeClr>
+            </a:gs>
+          </a:gsLst>
+          <a:lin ang="5400000" scaled="0"/>
+        </a:gradFill>
+        <a:gradFill rotWithShape="1">
+          <a:gsLst>
+            <a:gs pos="0">
+              <a:schemeClr val="phClr">
+                <a:satMod val="103000"/>
+                <a:lumMod val="102000"/>
+                <a:tint val="94000"/>
+              </a:schemeClr>
+            </a:gs>
+            <a:gs pos="50000">
+              <a:schemeClr val="phClr">
+                <a:satMod val="110000"/>
+                <a:lumMod val="100000"/>
+                <a:shade val="100000"/>
+              </a:schemeClr>
+            </a:gs>
+            <a:gs pos="100000">
+              <a:schemeClr val="phClr">
+                <a:lumMod val="99000"/>
+                <a:satMod val="120000"/>
+                <a:shade val="78000"/>
+              </a:schemeClr>
+            </a:gs>
+          </a:gsLst>
+          <a:lin ang="5400000" scaled="0"/>
+        </a:gradFill>
+      </a:fillStyleLst>
+      <a:lnStyleLst>
+        <a:ln w="12700" cap="flat" cmpd="sng" algn="ctr">
+          <a:solidFill>
+            <a:schemeClr val="phClr"/>
+          </a:solidFill>
+          <a:prstDash val="solid"/>
+          <a:miter lim="800000"/>
+        </a:ln>
+        <a:ln w="19050" cap="flat" cmpd="sng" algn="ctr">
+          <a:solidFill>
+            <a:schemeClr val="phClr"/>
+          </a:solidFill>
+          <a:prstDash val="solid"/>
+          <a:miter lim="800000"/>
+        </a:ln>
+        <a:ln w="25400" cap="flat" cmpd="sng" algn="ctr">
+          <a:solidFill>
+            <a:schemeClr val="phClr"/>
+          </a:solidFill>
+          <a:prstDash val="solid"/>
+          <a:miter lim="800000"/>
+        </a:ln>
+      </a:lnStyleLst>
+      <a:effectStyleLst>
+        <a:effectStyle>
+          <a:effectLst/>
+        </a:effectStyle>
+        <a:effectStyle>
+          <a:effectLst/>
+        </a:effectStyle>
+        <a:effectStyle>
+          <a:effectLst>
+            <a:outerShdw blurRad="57150" dist="19050" dir="5400000" algn="ctr" rotWithShape="0">
+              <a:srgbClr val="000000">
+                <a:alpha val="63000"/>
+              </a:srgbClr>
+            </a:outerShdw>
+          </a:effectLst>
+        </a:effectStyle>
+      </a:effectStyleLst>
+      <a:bgFillStyleLst>
+        <a:solidFill>
+          <a:schemeClr val="phClr"/>
+        </a:solidFill>
+        <a:solidFill>
+          <a:schemeClr val="phClr">
+            <a:tint val="95000"/>
+            <a:satMod val="170000"/>
+          </a:schemeClr>
+        </a:solidFill>
+        <a:gradFill rotWithShape="1">
+          <a:gsLst>
+            <a:gs pos="0">
+              <a:schemeClr val="phClr">
+                <a:tint val="93000"/>
+                <a:satMod val="150000"/>
+                <a:shade val="98000"/>
+                <a:lumMod val="102000"/>
+              </a:schemeClr>
+            </a:gs>
+            <a:gs pos="50000">
+              <a:schemeClr val="phClr">
+                <a:tint val="98000"/>
+                <a:satMod val="130000"/>
+                <a:shade val="90000"/>
+                <a:lumMod val="103000"/>
+              </a:schemeClr>
+            </a:gs>
+            <a:gs pos="100000">
+              <a:schemeClr val="phClr">
+                <a:shade val="63000"/>
+                <a:satMod val="120000"/>
+              </a:schemeClr>
+            </a:gs>
+          </a:gsLst>
+          <a:lin ang="5400000" scaled="0"/>
+        </a:gradFill>
+      </a:bgFillStyleLst>
+    </a:fmtScheme>
+  </a:themeElements>
+  <a:objectDefaults>
+    <a:lnDef>
+      <a:spPr/>
+      <a:bodyPr/>
+      <a:lstStyle/>
+      <a:style>
+        <a:lnRef idx="2">
+          <a:schemeClr val="accent1"/>
+        </a:lnRef>
+        <a:fillRef idx="0">
+          <a:schemeClr val="accent1"/>
+        </a:fillRef>
+        <a:effectRef idx="1">
+          <a:schemeClr val="accent1"/>
+        </a:effectRef>
+        <a:fontRef idx="minor">
+          <a:schemeClr val="tx1"/>
+        </a:fontRef>
+      </a:style>
+    </a:lnDef>
+  </a:objectDefaults>
+  <a:extraClrSchemeLst/>
+  <a:extLst>
+    <a:ext uri="{05A4C25C-085E-4340-85A3-A5531E510DB2}">
+      <thm15:themeFamily xmlns:thm15="http://schemas.microsoft.com/office/thememl/2012/main" name="Office Theme" id="{2E142A2C-CD16-42D6-873A-C26D2A0506FA}" vid="{1BDDFF52-6CD6-40A5-AB3C-68EB2F1E4D0A}"/>
+    </a:ext>
+  </a:extLst>
+</a:theme>
 </file>
--- a/presentation/st_yves_2023.pptx
+++ b/presentation/st_yves_2023.pptx
@@ -5,7 +5,7 @@
     <p:sldMasterId id="2147483648" r:id="rId1"/>
   </p:sldMasterIdLst>
   <p:notesMasterIdLst>
-    <p:notesMasterId r:id="rId25"/>
+    <p:notesMasterId r:id="rId27"/>
   </p:notesMasterIdLst>
   <p:sldIdLst>
     <p:sldId id="256" r:id="rId2"/>
@@ -20,17 +20,19 @@
     <p:sldId id="276" r:id="rId11"/>
     <p:sldId id="267" r:id="rId12"/>
     <p:sldId id="275" r:id="rId13"/>
-    <p:sldId id="274" r:id="rId14"/>
-    <p:sldId id="265" r:id="rId15"/>
-    <p:sldId id="264" r:id="rId16"/>
-    <p:sldId id="263" r:id="rId17"/>
-    <p:sldId id="262" r:id="rId18"/>
-    <p:sldId id="278" r:id="rId19"/>
+    <p:sldId id="265" r:id="rId14"/>
+    <p:sldId id="264" r:id="rId15"/>
+    <p:sldId id="263" r:id="rId16"/>
+    <p:sldId id="262" r:id="rId17"/>
+    <p:sldId id="278" r:id="rId18"/>
+    <p:sldId id="274" r:id="rId19"/>
     <p:sldId id="261" r:id="rId20"/>
     <p:sldId id="260" r:id="rId21"/>
     <p:sldId id="273" r:id="rId22"/>
     <p:sldId id="259" r:id="rId23"/>
     <p:sldId id="258" r:id="rId24"/>
+    <p:sldId id="280" r:id="rId25"/>
+    <p:sldId id="279" r:id="rId26"/>
   </p:sldIdLst>
   <p:sldSz cx="12192000" cy="6858000"/>
   <p:notesSz cx="6858000" cy="9144000"/>
@@ -219,7 +221,7 @@
           <a:p>
             <a:fld id="{7D022BE0-21E4-471E-9045-21BC545996DF}" type="datetimeFigureOut">
               <a:rPr lang="en-US" smtClean="0"/>
-              <a:t>4/30/2024</a:t>
+              <a:t>5/1/2024</a:t>
             </a:fld>
             <a:endParaRPr lang="en-US"/>
           </a:p>
@@ -834,43 +836,21 @@
           <a:p>
             <a:r>
               <a:rPr lang="en-US" dirty="0" err="1"/>
-              <a:t>Xt</a:t>
+              <a:t>Gpf</a:t>
             </a:r>
             <a:r>
               <a:rPr lang="en-US" dirty="0"/>
-              <a:t> = stimulus for trial t</a:t>
-            </a:r>
-          </a:p>
-          <a:p>
+              <a:t> = gaussian pooling field</a:t>
+            </a:r>
+          </a:p>
+          <a:p>
+            <a:r>
+              <a:rPr lang="en-US" dirty="0" err="1"/>
+              <a:t>Fpf</a:t>
+            </a:r>
             <a:r>
               <a:rPr lang="en-US" dirty="0"/>
-              <a:t>Eta layers</a:t>
-            </a:r>
-          </a:p>
-          <a:p>
-            <a:r>
-              <a:rPr lang="en-US" dirty="0"/>
-              <a:t>G is the pooling field for each voxel, size as position selected from a fixed grid of candidates</a:t>
-            </a:r>
-          </a:p>
-          <a:p>
-            <a:r>
-              <a:rPr lang="en-US" dirty="0"/>
-              <a:t>Grey boxes are feature maps, which are multiplied and summed to obtain a single value for each voxel</a:t>
-            </a:r>
-          </a:p>
-          <a:p>
-            <a:r>
-              <a:rPr lang="en-US" dirty="0"/>
-              <a:t>These are multiplied by weight and biases to get a prediction </a:t>
-            </a:r>
-            <a:r>
-              <a:rPr lang="en-US" dirty="0" err="1"/>
-              <a:t>r_tv</a:t>
-            </a:r>
-            <a:r>
-              <a:rPr lang="en-US" dirty="0"/>
-              <a:t> for brain activity on the trial</a:t>
+              <a:t> = flexible pooling field</a:t>
             </a:r>
           </a:p>
         </p:txBody>
@@ -901,7 +881,7 @@
     </p:spTree>
     <p:extLst>
       <p:ext uri="{BB962C8B-B14F-4D97-AF65-F5344CB8AC3E}">
-        <p14:creationId xmlns:p14="http://schemas.microsoft.com/office/powerpoint/2010/main" val="4087956710"/>
+        <p14:creationId xmlns:p14="http://schemas.microsoft.com/office/powerpoint/2010/main" val="856299702"/>
       </p:ext>
     </p:extLst>
   </p:cSld>
@@ -956,22 +936,125 @@
           <a:lstStyle/>
           <a:p>
             <a:r>
+              <a:rPr lang="en-US" b="0" i="0" dirty="0">
+                <a:solidFill>
+                  <a:srgbClr val="ECECEC"/>
+                </a:solidFill>
+                <a:effectLst/>
+                <a:highlight>
+                  <a:srgbClr val="212121"/>
+                </a:highlight>
+                <a:latin typeface="Söhne"/>
+              </a:rPr>
+              <a:t>Noise ceiling: upper limit of model performance determined by the inherent noise in the data</a:t>
+            </a:r>
+            <a:endParaRPr lang="en-US" dirty="0"/>
+          </a:p>
+          <a:p>
+            <a:endParaRPr lang="en-US" dirty="0"/>
+          </a:p>
+          <a:p>
+            <a:r>
+              <a:rPr lang="en-US" dirty="0"/>
+              <a:t>The takeaway at this point in the paper is that the </a:t>
+            </a:r>
+            <a:r>
               <a:rPr lang="en-US" dirty="0" err="1"/>
-              <a:t>Gpf</a:t>
+              <a:t>Gnet</a:t>
             </a:r>
             <a:r>
               <a:rPr lang="en-US" dirty="0"/>
-              <a:t> = gaussian pooling field</a:t>
-            </a:r>
-          </a:p>
-          <a:p>
+              <a:t> model outperforms </a:t>
+            </a:r>
             <a:r>
               <a:rPr lang="en-US" dirty="0" err="1"/>
-              <a:t>Fpf</a:t>
+              <a:t>Alexnet</a:t>
             </a:r>
             <a:r>
               <a:rPr lang="en-US" dirty="0"/>
-              <a:t> = flexible pooling field</a:t>
+              <a:t> and is a trustworthy tool for predicting stimulus-triggered brain activity </a:t>
+            </a:r>
+          </a:p>
+          <a:p>
+            <a:endParaRPr lang="en-US" dirty="0"/>
+          </a:p>
+          <a:p>
+            <a:r>
+              <a:rPr lang="en-US" dirty="0" err="1"/>
+              <a:t>Poportion</a:t>
+            </a:r>
+            <a:r>
+              <a:rPr lang="en-US" dirty="0"/>
+              <a:t> of </a:t>
+            </a:r>
+            <a:r>
+              <a:rPr lang="en-US" dirty="0" err="1"/>
+              <a:t>exaplainable</a:t>
+            </a:r>
+            <a:r>
+              <a:rPr lang="en-US" dirty="0"/>
+              <a:t> variance explained = R^2_model/R^2_noiseceiling</a:t>
+            </a:r>
+          </a:p>
+          <a:p>
+            <a:endParaRPr lang="en-US" dirty="0"/>
+          </a:p>
+          <a:p>
+            <a:r>
+              <a:rPr lang="en-US" dirty="0"/>
+              <a:t>Gabor wavelet model is a control</a:t>
+            </a:r>
+          </a:p>
+          <a:p>
+            <a:endParaRPr lang="en-US" dirty="0"/>
+          </a:p>
+          <a:p>
+            <a:r>
+              <a:rPr lang="en-US" dirty="0"/>
+              <a:t>We conclude that our encoding models based upon brain</a:t>
+            </a:r>
+          </a:p>
+          <a:p>
+            <a:r>
+              <a:rPr lang="en-US" dirty="0"/>
+              <a:t>Optimized networks are as trustworthy a tool for testing hypotheses</a:t>
+            </a:r>
+          </a:p>
+          <a:p>
+            <a:r>
+              <a:rPr lang="en-US" dirty="0"/>
+              <a:t>about representations encoded in human brain activity as any currently</a:t>
+            </a:r>
+          </a:p>
+          <a:p>
+            <a:r>
+              <a:rPr lang="en-US" dirty="0"/>
+              <a:t>existing network-based encoding model</a:t>
+            </a:r>
+          </a:p>
+          <a:p>
+            <a:endParaRPr lang="en-US" dirty="0"/>
+          </a:p>
+          <a:p>
+            <a:r>
+              <a:rPr lang="en-US" dirty="0"/>
+              <a:t>What is </a:t>
+            </a:r>
+            <a:r>
+              <a:rPr lang="en-US" dirty="0" err="1"/>
+              <a:t>gpf</a:t>
+            </a:r>
+            <a:r>
+              <a:rPr lang="en-US" dirty="0"/>
+              <a:t> and </a:t>
+            </a:r>
+            <a:r>
+              <a:rPr lang="en-US" dirty="0" err="1"/>
+              <a:t>fpf</a:t>
+            </a:r>
+            <a:r>
+              <a:rPr lang="en-US" dirty="0"/>
+              <a:t>?: gaussian pooling field and flexible pooling field</a:t>
             </a:r>
           </a:p>
         </p:txBody>
@@ -1002,7 +1085,7 @@
     </p:spTree>
     <p:extLst>
       <p:ext uri="{BB962C8B-B14F-4D97-AF65-F5344CB8AC3E}">
-        <p14:creationId xmlns:p14="http://schemas.microsoft.com/office/powerpoint/2010/main" val="856299702"/>
+        <p14:creationId xmlns:p14="http://schemas.microsoft.com/office/powerpoint/2010/main" val="2795279614"/>
       </p:ext>
     </p:extLst>
   </p:cSld>
@@ -1057,125 +1140,65 @@
           <a:lstStyle/>
           <a:p>
             <a:r>
-              <a:rPr lang="en-US" b="0" i="0" dirty="0">
-                <a:solidFill>
-                  <a:srgbClr val="ECECEC"/>
-                </a:solidFill>
-                <a:effectLst/>
-                <a:highlight>
-                  <a:srgbClr val="212121"/>
-                </a:highlight>
-                <a:latin typeface="Söhne"/>
+              <a:rPr lang="en-US" dirty="0"/>
+              <a:t>The relationship between DNN architecture and representation can be quite tenuous: Fig 4 shows that DNNs with very different architectures (jointly trained versus ROI-trained)</a:t>
+            </a:r>
+          </a:p>
+          <a:p>
+            <a:r>
+              <a:rPr lang="en-US" dirty="0"/>
+              <a:t>and objective functions yield nearly identical accuracy when read-out into predictions of brain activity. Though it’s worth nothing that win rate was 68.9% in V4</a:t>
+            </a:r>
+          </a:p>
+          <a:p>
+            <a:endParaRPr lang="en-US" dirty="0"/>
+          </a:p>
+          <a:p>
+            <a:pPr algn="l"/>
+            <a:r>
+              <a:rPr lang="en-US" dirty="0"/>
+              <a:t>From text: “</a:t>
+            </a:r>
+            <a:r>
+              <a:rPr lang="en-US" sz="1800" b="0" i="0" u="none" strike="noStrike" baseline="0" dirty="0">
+                <a:latin typeface="AdvOTdd63dae3"/>
               </a:rPr>
-              <a:t>Noise ceiling: upper limit of model performance determined by the inherent noise in the data</a:t>
+              <a:t>although GNet8r and GNet8j have very different architecture, they are equally plausible models of </a:t>
+            </a:r>
+            <a:r>
+              <a:rPr lang="en-US" sz="1800" b="0" i="0" u="none" strike="noStrike" baseline="0" dirty="0">
+                <a:latin typeface="AdvOTcc1f6510.I"/>
+              </a:rPr>
+              <a:t>representation </a:t>
+            </a:r>
+            <a:r>
+              <a:rPr lang="en-US" sz="1800" b="0" i="0" u="none" strike="noStrike" baseline="0" dirty="0">
+                <a:latin typeface="AdvOTdd63dae3"/>
+              </a:rPr>
+              <a:t>in V1</a:t>
+            </a:r>
+            <a:r>
+              <a:rPr lang="en-US" sz="1800" b="0" i="0" u="none" strike="noStrike" baseline="0" dirty="0">
+                <a:latin typeface="AdvOTdd63dae3+20"/>
+              </a:rPr>
+              <a:t>–</a:t>
+            </a:r>
+            <a:r>
+              <a:rPr lang="en-US" sz="1800" b="0" i="0" u="none" strike="noStrike" baseline="0" dirty="0">
+                <a:latin typeface="AdvOTdd63dae3"/>
+              </a:rPr>
+              <a:t>V4”</a:t>
             </a:r>
             <a:endParaRPr lang="en-US" dirty="0"/>
           </a:p>
           <a:p>
-            <a:endParaRPr lang="en-US" dirty="0"/>
-          </a:p>
-          <a:p>
+            <a:r>
+              <a:rPr lang="en-US" dirty="0" err="1"/>
+              <a:t>Fpf</a:t>
+            </a:r>
             <a:r>
               <a:rPr lang="en-US" dirty="0"/>
-              <a:t>The takeaway at this point in the paper is that the </a:t>
-            </a:r>
-            <a:r>
-              <a:rPr lang="en-US" dirty="0" err="1"/>
-              <a:t>Gnet</a:t>
-            </a:r>
-            <a:r>
-              <a:rPr lang="en-US" dirty="0"/>
-              <a:t> model outperforms </a:t>
-            </a:r>
-            <a:r>
-              <a:rPr lang="en-US" dirty="0" err="1"/>
-              <a:t>Alexnet</a:t>
-            </a:r>
-            <a:r>
-              <a:rPr lang="en-US" dirty="0"/>
-              <a:t> and is a trustworthy tool for predicting stimulus-triggered brain activity </a:t>
-            </a:r>
-          </a:p>
-          <a:p>
-            <a:endParaRPr lang="en-US" dirty="0"/>
-          </a:p>
-          <a:p>
-            <a:r>
-              <a:rPr lang="en-US" dirty="0" err="1"/>
-              <a:t>Poportion</a:t>
-            </a:r>
-            <a:r>
-              <a:rPr lang="en-US" dirty="0"/>
-              <a:t> of </a:t>
-            </a:r>
-            <a:r>
-              <a:rPr lang="en-US" dirty="0" err="1"/>
-              <a:t>exaplainable</a:t>
-            </a:r>
-            <a:r>
-              <a:rPr lang="en-US" dirty="0"/>
-              <a:t> variance explained = R^2_model/R^2_noiseceiling</a:t>
-            </a:r>
-          </a:p>
-          <a:p>
-            <a:endParaRPr lang="en-US" dirty="0"/>
-          </a:p>
-          <a:p>
-            <a:r>
-              <a:rPr lang="en-US" dirty="0"/>
-              <a:t>Gabor wavelet model is a control</a:t>
-            </a:r>
-          </a:p>
-          <a:p>
-            <a:endParaRPr lang="en-US" dirty="0"/>
-          </a:p>
-          <a:p>
-            <a:r>
-              <a:rPr lang="en-US" dirty="0"/>
-              <a:t>We conclude that our encoding models based upon brain</a:t>
-            </a:r>
-          </a:p>
-          <a:p>
-            <a:r>
-              <a:rPr lang="en-US" dirty="0"/>
-              <a:t>Optimized networks are as trustworthy a tool for testing hypotheses</a:t>
-            </a:r>
-          </a:p>
-          <a:p>
-            <a:r>
-              <a:rPr lang="en-US" dirty="0"/>
-              <a:t>about representations encoded in human brain activity as any currently</a:t>
-            </a:r>
-          </a:p>
-          <a:p>
-            <a:r>
-              <a:rPr lang="en-US" dirty="0"/>
-              <a:t>existing network-based encoding model</a:t>
-            </a:r>
-          </a:p>
-          <a:p>
-            <a:endParaRPr lang="en-US" dirty="0"/>
-          </a:p>
-          <a:p>
-            <a:r>
-              <a:rPr lang="en-US" dirty="0"/>
-              <a:t>What is </a:t>
-            </a:r>
-            <a:r>
-              <a:rPr lang="en-US" dirty="0" err="1"/>
-              <a:t>gpf</a:t>
-            </a:r>
-            <a:r>
-              <a:rPr lang="en-US" dirty="0"/>
-              <a:t> and </a:t>
-            </a:r>
-            <a:r>
-              <a:rPr lang="en-US" dirty="0" err="1"/>
-              <a:t>fpf</a:t>
-            </a:r>
-            <a:r>
-              <a:rPr lang="en-US" dirty="0"/>
-              <a:t>?: gaussian pooling field and flexible pooling field</a:t>
+              <a:t> = flexible pooling field</a:t>
             </a:r>
           </a:p>
         </p:txBody>
@@ -1206,7 +1229,7 @@
     </p:spTree>
     <p:extLst>
       <p:ext uri="{BB962C8B-B14F-4D97-AF65-F5344CB8AC3E}">
-        <p14:creationId xmlns:p14="http://schemas.microsoft.com/office/powerpoint/2010/main" val="2795279614"/>
+        <p14:creationId xmlns:p14="http://schemas.microsoft.com/office/powerpoint/2010/main" val="3332932732"/>
       </p:ext>
     </p:extLst>
   </p:cSld>
@@ -1262,64 +1285,7 @@
           <a:p>
             <a:r>
               <a:rPr lang="en-US" dirty="0"/>
-              <a:t>The relationship between DNN architecture and representation can be quite tenuous: Fig 4 shows that DNNs with very different architectures (jointly trained versus ROI-trained)</a:t>
-            </a:r>
-          </a:p>
-          <a:p>
-            <a:r>
-              <a:rPr lang="en-US" dirty="0"/>
-              <a:t>and objective functions yield nearly identical accuracy when read-out into predictions of brain activity. Though it’s worth nothing that win rate was 68.9% in V4</a:t>
-            </a:r>
-          </a:p>
-          <a:p>
-            <a:endParaRPr lang="en-US" dirty="0"/>
-          </a:p>
-          <a:p>
-            <a:pPr algn="l"/>
-            <a:r>
-              <a:rPr lang="en-US" dirty="0"/>
-              <a:t>From text: “</a:t>
-            </a:r>
-            <a:r>
-              <a:rPr lang="en-US" sz="1800" b="0" i="0" u="none" strike="noStrike" baseline="0" dirty="0">
-                <a:latin typeface="AdvOTdd63dae3"/>
-              </a:rPr>
-              <a:t>although GNet8r and GNet8j have very different architecture, they are equally plausible models of </a:t>
-            </a:r>
-            <a:r>
-              <a:rPr lang="en-US" sz="1800" b="0" i="0" u="none" strike="noStrike" baseline="0" dirty="0">
-                <a:latin typeface="AdvOTcc1f6510.I"/>
-              </a:rPr>
-              <a:t>representation </a:t>
-            </a:r>
-            <a:r>
-              <a:rPr lang="en-US" sz="1800" b="0" i="0" u="none" strike="noStrike" baseline="0" dirty="0">
-                <a:latin typeface="AdvOTdd63dae3"/>
-              </a:rPr>
-              <a:t>in V1</a:t>
-            </a:r>
-            <a:r>
-              <a:rPr lang="en-US" sz="1800" b="0" i="0" u="none" strike="noStrike" baseline="0" dirty="0">
-                <a:latin typeface="AdvOTdd63dae3+20"/>
-              </a:rPr>
-              <a:t>–</a:t>
-            </a:r>
-            <a:r>
-              <a:rPr lang="en-US" sz="1800" b="0" i="0" u="none" strike="noStrike" baseline="0" dirty="0">
-                <a:latin typeface="AdvOTdd63dae3"/>
-              </a:rPr>
-              <a:t>V4”</a:t>
-            </a:r>
-            <a:endParaRPr lang="en-US" dirty="0"/>
-          </a:p>
-          <a:p>
-            <a:r>
-              <a:rPr lang="en-US" dirty="0" err="1"/>
-              <a:t>Fpf</a:t>
-            </a:r>
-            <a:r>
-              <a:rPr lang="en-US" dirty="0"/>
-              <a:t> = flexible pooling field</a:t>
+              <a:t>Retinotopic maps reconstructed, maybe get the grid search image</a:t>
             </a:r>
           </a:p>
         </p:txBody>
@@ -1350,7 +1316,7 @@
     </p:spTree>
     <p:extLst>
       <p:ext uri="{BB962C8B-B14F-4D97-AF65-F5344CB8AC3E}">
-        <p14:creationId xmlns:p14="http://schemas.microsoft.com/office/powerpoint/2010/main" val="3332932732"/>
+        <p14:creationId xmlns:p14="http://schemas.microsoft.com/office/powerpoint/2010/main" val="820205771"/>
       </p:ext>
     </p:extLst>
   </p:cSld>
@@ -1437,7 +1403,7 @@
     </p:spTree>
     <p:extLst>
       <p:ext uri="{BB962C8B-B14F-4D97-AF65-F5344CB8AC3E}">
-        <p14:creationId xmlns:p14="http://schemas.microsoft.com/office/powerpoint/2010/main" val="820205771"/>
+        <p14:creationId xmlns:p14="http://schemas.microsoft.com/office/powerpoint/2010/main" val="519902038"/>
       </p:ext>
     </p:extLst>
   </p:cSld>
@@ -1492,8 +1458,44 @@
           <a:lstStyle/>
           <a:p>
             <a:r>
+              <a:rPr lang="en-US" dirty="0" err="1"/>
+              <a:t>Xt</a:t>
+            </a:r>
+            <a:r>
               <a:rPr lang="en-US" dirty="0"/>
-              <a:t>Retinotopic maps reconstructed, maybe get the grid search image</a:t>
+              <a:t> = stimulus for trial t</a:t>
+            </a:r>
+          </a:p>
+          <a:p>
+            <a:r>
+              <a:rPr lang="en-US" dirty="0"/>
+              <a:t>Eta layers</a:t>
+            </a:r>
+          </a:p>
+          <a:p>
+            <a:r>
+              <a:rPr lang="en-US" dirty="0"/>
+              <a:t>G is the pooling field for each voxel, size as position selected from a fixed grid of candidates</a:t>
+            </a:r>
+          </a:p>
+          <a:p>
+            <a:r>
+              <a:rPr lang="en-US" dirty="0"/>
+              <a:t>Grey boxes are feature maps, which are multiplied and summed to obtain a single value for each voxel</a:t>
+            </a:r>
+          </a:p>
+          <a:p>
+            <a:r>
+              <a:rPr lang="en-US" dirty="0"/>
+              <a:t>These are multiplied by weight and biases to get a prediction </a:t>
+            </a:r>
+            <a:r>
+              <a:rPr lang="en-US" dirty="0" err="1"/>
+              <a:t>r_tv</a:t>
+            </a:r>
+            <a:r>
+              <a:rPr lang="en-US" dirty="0"/>
+              <a:t> for brain activity on the trial</a:t>
             </a:r>
           </a:p>
         </p:txBody>
@@ -1524,7 +1526,7 @@
     </p:spTree>
     <p:extLst>
       <p:ext uri="{BB962C8B-B14F-4D97-AF65-F5344CB8AC3E}">
-        <p14:creationId xmlns:p14="http://schemas.microsoft.com/office/powerpoint/2010/main" val="519902038"/>
+        <p14:creationId xmlns:p14="http://schemas.microsoft.com/office/powerpoint/2010/main" val="4087956710"/>
       </p:ext>
     </p:extLst>
   </p:cSld>
@@ -1535,6 +1537,109 @@
 </file>
 
 <file path=ppt/notesSlides/notesSlide18.xml><?xml version="1.0" encoding="utf-8"?>
+<p:notes xmlns:a="http://schemas.openxmlformats.org/drawingml/2006/main" xmlns:r="http://schemas.openxmlformats.org/officeDocument/2006/relationships" xmlns:p="http://schemas.openxmlformats.org/presentationml/2006/main">
+  <p:cSld>
+    <p:spTree>
+      <p:nvGrpSpPr>
+        <p:cNvPr id="1" name=""/>
+        <p:cNvGrpSpPr/>
+        <p:nvPr/>
+      </p:nvGrpSpPr>
+      <p:grpSpPr>
+        <a:xfrm>
+          <a:off x="0" y="0"/>
+          <a:ext cx="0" cy="0"/>
+          <a:chOff x="0" y="0"/>
+          <a:chExt cx="0" cy="0"/>
+        </a:xfrm>
+      </p:grpSpPr>
+      <p:sp>
+        <p:nvSpPr>
+          <p:cNvPr id="2" name="Slide Image Placeholder 1"/>
+          <p:cNvSpPr>
+            <a:spLocks noGrp="1" noRot="1" noChangeAspect="1"/>
+          </p:cNvSpPr>
+          <p:nvPr>
+            <p:ph type="sldImg"/>
+          </p:nvPr>
+        </p:nvSpPr>
+        <p:spPr/>
+      </p:sp>
+      <p:sp>
+        <p:nvSpPr>
+          <p:cNvPr id="3" name="Notes Placeholder 2"/>
+          <p:cNvSpPr>
+            <a:spLocks noGrp="1"/>
+          </p:cNvSpPr>
+          <p:nvPr>
+            <p:ph type="body" idx="1"/>
+          </p:nvPr>
+        </p:nvSpPr>
+        <p:spPr/>
+        <p:txBody>
+          <a:bodyPr/>
+          <a:lstStyle/>
+          <a:p>
+            <a:r>
+              <a:rPr lang="en-US" dirty="0"/>
+              <a:t>We see here that chopping off the top half of layers reduces prediction performance for higher layers for </a:t>
+            </a:r>
+            <a:r>
+              <a:rPr lang="en-US" dirty="0" err="1"/>
+              <a:t>alexnets</a:t>
+            </a:r>
+            <a:r>
+              <a:rPr lang="en-US" dirty="0"/>
+              <a:t> and jointly-trained GNet8. However, ROI-trained Gnet8 shows no such </a:t>
+            </a:r>
+            <a:r>
+              <a:rPr lang="en-US" dirty="0" err="1"/>
+              <a:t>dropoff</a:t>
+            </a:r>
+            <a:r>
+              <a:rPr lang="en-US" dirty="0"/>
+              <a:t> at hV4</a:t>
+            </a:r>
+          </a:p>
+        </p:txBody>
+      </p:sp>
+      <p:sp>
+        <p:nvSpPr>
+          <p:cNvPr id="4" name="Slide Number Placeholder 3"/>
+          <p:cNvSpPr>
+            <a:spLocks noGrp="1"/>
+          </p:cNvSpPr>
+          <p:nvPr>
+            <p:ph type="sldNum" sz="quarter" idx="5"/>
+          </p:nvPr>
+        </p:nvSpPr>
+        <p:spPr/>
+        <p:txBody>
+          <a:bodyPr/>
+          <a:lstStyle/>
+          <a:p>
+            <a:fld id="{A8FDC817-106E-4BF9-A5B2-12D71C6A70B5}" type="slidenum">
+              <a:rPr lang="en-US" smtClean="0"/>
+              <a:t>19</a:t>
+            </a:fld>
+            <a:endParaRPr lang="en-US"/>
+          </a:p>
+        </p:txBody>
+      </p:sp>
+    </p:spTree>
+    <p:extLst>
+      <p:ext uri="{BB962C8B-B14F-4D97-AF65-F5344CB8AC3E}">
+        <p14:creationId xmlns:p14="http://schemas.microsoft.com/office/powerpoint/2010/main" val="3107892102"/>
+      </p:ext>
+    </p:extLst>
+  </p:cSld>
+  <p:clrMapOvr>
+    <a:masterClrMapping/>
+  </p:clrMapOvr>
+</p:notes>
+</file>
+
+<file path=ppt/notesSlides/notesSlide19.xml><?xml version="1.0" encoding="utf-8"?>
 <p:notes xmlns:a="http://schemas.openxmlformats.org/drawingml/2006/main" xmlns:r="http://schemas.openxmlformats.org/officeDocument/2006/relationships" xmlns:p="http://schemas.openxmlformats.org/presentationml/2006/main">
   <p:cSld>
     <p:spTree>
@@ -1829,6 +1934,393 @@
     <p:extLst>
       <p:ext uri="{BB962C8B-B14F-4D97-AF65-F5344CB8AC3E}">
         <p14:creationId xmlns:p14="http://schemas.microsoft.com/office/powerpoint/2010/main" val="85827541"/>
+      </p:ext>
+    </p:extLst>
+  </p:cSld>
+  <p:clrMapOvr>
+    <a:masterClrMapping/>
+  </p:clrMapOvr>
+</p:notes>
+</file>
+
+<file path=ppt/notesSlides/notesSlide20.xml><?xml version="1.0" encoding="utf-8"?>
+<p:notes xmlns:a="http://schemas.openxmlformats.org/drawingml/2006/main" xmlns:r="http://schemas.openxmlformats.org/officeDocument/2006/relationships" xmlns:p="http://schemas.openxmlformats.org/presentationml/2006/main">
+  <p:cSld>
+    <p:spTree>
+      <p:nvGrpSpPr>
+        <p:cNvPr id="1" name=""/>
+        <p:cNvGrpSpPr/>
+        <p:nvPr/>
+      </p:nvGrpSpPr>
+      <p:grpSpPr>
+        <a:xfrm>
+          <a:off x="0" y="0"/>
+          <a:ext cx="0" cy="0"/>
+          <a:chOff x="0" y="0"/>
+          <a:chExt cx="0" cy="0"/>
+        </a:xfrm>
+      </p:grpSpPr>
+      <p:sp>
+        <p:nvSpPr>
+          <p:cNvPr id="2" name="Slide Image Placeholder 1"/>
+          <p:cNvSpPr>
+            <a:spLocks noGrp="1" noRot="1" noChangeAspect="1"/>
+          </p:cNvSpPr>
+          <p:nvPr>
+            <p:ph type="sldImg"/>
+          </p:nvPr>
+        </p:nvSpPr>
+        <p:spPr/>
+      </p:sp>
+      <p:sp>
+        <p:nvSpPr>
+          <p:cNvPr id="3" name="Notes Placeholder 2"/>
+          <p:cNvSpPr>
+            <a:spLocks noGrp="1"/>
+          </p:cNvSpPr>
+          <p:nvPr>
+            <p:ph type="body" idx="1"/>
+          </p:nvPr>
+        </p:nvSpPr>
+        <p:spPr/>
+        <p:txBody>
+          <a:bodyPr/>
+          <a:lstStyle/>
+          <a:p>
+            <a:r>
+              <a:rPr lang="en-US" dirty="0" err="1"/>
+              <a:t>Alexnet</a:t>
+            </a:r>
+            <a:r>
+              <a:rPr lang="en-US" dirty="0"/>
+              <a:t> and Gnet8-joint show </a:t>
+            </a:r>
+            <a:r>
+              <a:rPr lang="en-US" dirty="0" err="1"/>
+              <a:t>show</a:t>
+            </a:r>
+            <a:r>
+              <a:rPr lang="en-US" dirty="0"/>
+              <a:t> entailment hierarchies</a:t>
+            </a:r>
+          </a:p>
+          <a:p>
+            <a:endParaRPr lang="en-US" dirty="0"/>
+          </a:p>
+          <a:p>
+            <a:r>
+              <a:rPr lang="en-US" dirty="0"/>
+              <a:t>Gnet8-ROI and Brain activity do not.</a:t>
+            </a:r>
+          </a:p>
+        </p:txBody>
+      </p:sp>
+      <p:sp>
+        <p:nvSpPr>
+          <p:cNvPr id="4" name="Slide Number Placeholder 3"/>
+          <p:cNvSpPr>
+            <a:spLocks noGrp="1"/>
+          </p:cNvSpPr>
+          <p:nvPr>
+            <p:ph type="sldNum" sz="quarter" idx="5"/>
+          </p:nvPr>
+        </p:nvSpPr>
+        <p:spPr/>
+        <p:txBody>
+          <a:bodyPr/>
+          <a:lstStyle/>
+          <a:p>
+            <a:fld id="{A8FDC817-106E-4BF9-A5B2-12D71C6A70B5}" type="slidenum">
+              <a:rPr lang="en-US" smtClean="0"/>
+              <a:t>22</a:t>
+            </a:fld>
+            <a:endParaRPr lang="en-US"/>
+          </a:p>
+        </p:txBody>
+      </p:sp>
+    </p:spTree>
+    <p:extLst>
+      <p:ext uri="{BB962C8B-B14F-4D97-AF65-F5344CB8AC3E}">
+        <p14:creationId xmlns:p14="http://schemas.microsoft.com/office/powerpoint/2010/main" val="3240402371"/>
+      </p:ext>
+    </p:extLst>
+  </p:cSld>
+  <p:clrMapOvr>
+    <a:masterClrMapping/>
+  </p:clrMapOvr>
+</p:notes>
+</file>
+
+<file path=ppt/notesSlides/notesSlide21.xml><?xml version="1.0" encoding="utf-8"?>
+<p:notes xmlns:a="http://schemas.openxmlformats.org/drawingml/2006/main" xmlns:r="http://schemas.openxmlformats.org/officeDocument/2006/relationships" xmlns:p="http://schemas.openxmlformats.org/presentationml/2006/main">
+  <p:cSld>
+    <p:spTree>
+      <p:nvGrpSpPr>
+        <p:cNvPr id="1" name=""/>
+        <p:cNvGrpSpPr/>
+        <p:nvPr/>
+      </p:nvGrpSpPr>
+      <p:grpSpPr>
+        <a:xfrm>
+          <a:off x="0" y="0"/>
+          <a:ext cx="0" cy="0"/>
+          <a:chOff x="0" y="0"/>
+          <a:chExt cx="0" cy="0"/>
+        </a:xfrm>
+      </p:grpSpPr>
+      <p:sp>
+        <p:nvSpPr>
+          <p:cNvPr id="2" name="Slide Image Placeholder 1"/>
+          <p:cNvSpPr>
+            <a:spLocks noGrp="1" noRot="1" noChangeAspect="1"/>
+          </p:cNvSpPr>
+          <p:nvPr>
+            <p:ph type="sldImg"/>
+          </p:nvPr>
+        </p:nvSpPr>
+        <p:spPr/>
+      </p:sp>
+      <p:sp>
+        <p:nvSpPr>
+          <p:cNvPr id="3" name="Notes Placeholder 2"/>
+          <p:cNvSpPr>
+            <a:spLocks noGrp="1"/>
+          </p:cNvSpPr>
+          <p:nvPr>
+            <p:ph type="body" idx="1"/>
+          </p:nvPr>
+        </p:nvSpPr>
+        <p:spPr/>
+        <p:txBody>
+          <a:bodyPr/>
+          <a:lstStyle/>
+          <a:p>
+            <a:r>
+              <a:rPr lang="en-US" dirty="0"/>
+              <a:t>This is showing that the two Gnet8 models had very high agreement in their predictions, despite having much different architecture (And representations)</a:t>
+            </a:r>
+          </a:p>
+          <a:p>
+            <a:endParaRPr lang="en-US" dirty="0"/>
+          </a:p>
+          <a:p>
+            <a:r>
+              <a:rPr lang="en-US" dirty="0"/>
+              <a:t>Median correlation decreases with progression toward higher layers</a:t>
+            </a:r>
+          </a:p>
+        </p:txBody>
+      </p:sp>
+      <p:sp>
+        <p:nvSpPr>
+          <p:cNvPr id="4" name="Slide Number Placeholder 3"/>
+          <p:cNvSpPr>
+            <a:spLocks noGrp="1"/>
+          </p:cNvSpPr>
+          <p:nvPr>
+            <p:ph type="sldNum" sz="quarter" idx="5"/>
+          </p:nvPr>
+        </p:nvSpPr>
+        <p:spPr/>
+        <p:txBody>
+          <a:bodyPr/>
+          <a:lstStyle/>
+          <a:p>
+            <a:fld id="{A8FDC817-106E-4BF9-A5B2-12D71C6A70B5}" type="slidenum">
+              <a:rPr lang="en-US" smtClean="0"/>
+              <a:t>23</a:t>
+            </a:fld>
+            <a:endParaRPr lang="en-US"/>
+          </a:p>
+        </p:txBody>
+      </p:sp>
+    </p:spTree>
+    <p:extLst>
+      <p:ext uri="{BB962C8B-B14F-4D97-AF65-F5344CB8AC3E}">
+        <p14:creationId xmlns:p14="http://schemas.microsoft.com/office/powerpoint/2010/main" val="1658879328"/>
+      </p:ext>
+    </p:extLst>
+  </p:cSld>
+  <p:clrMapOvr>
+    <a:masterClrMapping/>
+  </p:clrMapOvr>
+</p:notes>
+</file>
+
+<file path=ppt/notesSlides/notesSlide22.xml><?xml version="1.0" encoding="utf-8"?>
+<p:notes xmlns:a="http://schemas.openxmlformats.org/drawingml/2006/main" xmlns:r="http://schemas.openxmlformats.org/officeDocument/2006/relationships" xmlns:p="http://schemas.openxmlformats.org/presentationml/2006/main">
+  <p:cSld>
+    <p:spTree>
+      <p:nvGrpSpPr>
+        <p:cNvPr id="1" name=""/>
+        <p:cNvGrpSpPr/>
+        <p:nvPr/>
+      </p:nvGrpSpPr>
+      <p:grpSpPr>
+        <a:xfrm>
+          <a:off x="0" y="0"/>
+          <a:ext cx="0" cy="0"/>
+          <a:chOff x="0" y="0"/>
+          <a:chExt cx="0" cy="0"/>
+        </a:xfrm>
+      </p:grpSpPr>
+      <p:sp>
+        <p:nvSpPr>
+          <p:cNvPr id="2" name="Slide Image Placeholder 1"/>
+          <p:cNvSpPr>
+            <a:spLocks noGrp="1" noRot="1" noChangeAspect="1"/>
+          </p:cNvSpPr>
+          <p:nvPr>
+            <p:ph type="sldImg"/>
+          </p:nvPr>
+        </p:nvSpPr>
+        <p:spPr/>
+      </p:sp>
+      <p:sp>
+        <p:nvSpPr>
+          <p:cNvPr id="3" name="Notes Placeholder 2"/>
+          <p:cNvSpPr>
+            <a:spLocks noGrp="1"/>
+          </p:cNvSpPr>
+          <p:nvPr>
+            <p:ph type="body" idx="1"/>
+          </p:nvPr>
+        </p:nvSpPr>
+        <p:spPr/>
+        <p:txBody>
+          <a:bodyPr/>
+          <a:lstStyle/>
+          <a:p>
+            <a:r>
+              <a:rPr lang="en-US" dirty="0"/>
+              <a:t>This is showing that the two Gnet8 models had very high agreement in their predictions, despite having much different architecture (And representations)</a:t>
+            </a:r>
+          </a:p>
+          <a:p>
+            <a:endParaRPr lang="en-US" dirty="0"/>
+          </a:p>
+          <a:p>
+            <a:r>
+              <a:rPr lang="en-US" dirty="0"/>
+              <a:t>Median correlation decreases with progression toward higher layers</a:t>
+            </a:r>
+          </a:p>
+        </p:txBody>
+      </p:sp>
+      <p:sp>
+        <p:nvSpPr>
+          <p:cNvPr id="4" name="Slide Number Placeholder 3"/>
+          <p:cNvSpPr>
+            <a:spLocks noGrp="1"/>
+          </p:cNvSpPr>
+          <p:nvPr>
+            <p:ph type="sldNum" sz="quarter" idx="5"/>
+          </p:nvPr>
+        </p:nvSpPr>
+        <p:spPr/>
+        <p:txBody>
+          <a:bodyPr/>
+          <a:lstStyle/>
+          <a:p>
+            <a:fld id="{A8FDC817-106E-4BF9-A5B2-12D71C6A70B5}" type="slidenum">
+              <a:rPr lang="en-US" smtClean="0"/>
+              <a:t>24</a:t>
+            </a:fld>
+            <a:endParaRPr lang="en-US"/>
+          </a:p>
+        </p:txBody>
+      </p:sp>
+    </p:spTree>
+    <p:extLst>
+      <p:ext uri="{BB962C8B-B14F-4D97-AF65-F5344CB8AC3E}">
+        <p14:creationId xmlns:p14="http://schemas.microsoft.com/office/powerpoint/2010/main" val="4209841165"/>
+      </p:ext>
+    </p:extLst>
+  </p:cSld>
+  <p:clrMapOvr>
+    <a:masterClrMapping/>
+  </p:clrMapOvr>
+</p:notes>
+</file>
+
+<file path=ppt/notesSlides/notesSlide23.xml><?xml version="1.0" encoding="utf-8"?>
+<p:notes xmlns:a="http://schemas.openxmlformats.org/drawingml/2006/main" xmlns:r="http://schemas.openxmlformats.org/officeDocument/2006/relationships" xmlns:p="http://schemas.openxmlformats.org/presentationml/2006/main">
+  <p:cSld>
+    <p:spTree>
+      <p:nvGrpSpPr>
+        <p:cNvPr id="1" name=""/>
+        <p:cNvGrpSpPr/>
+        <p:nvPr/>
+      </p:nvGrpSpPr>
+      <p:grpSpPr>
+        <a:xfrm>
+          <a:off x="0" y="0"/>
+          <a:ext cx="0" cy="0"/>
+          <a:chOff x="0" y="0"/>
+          <a:chExt cx="0" cy="0"/>
+        </a:xfrm>
+      </p:grpSpPr>
+      <p:sp>
+        <p:nvSpPr>
+          <p:cNvPr id="2" name="Slide Image Placeholder 1"/>
+          <p:cNvSpPr>
+            <a:spLocks noGrp="1" noRot="1" noChangeAspect="1"/>
+          </p:cNvSpPr>
+          <p:nvPr>
+            <p:ph type="sldImg"/>
+          </p:nvPr>
+        </p:nvSpPr>
+        <p:spPr/>
+      </p:sp>
+      <p:sp>
+        <p:nvSpPr>
+          <p:cNvPr id="3" name="Notes Placeholder 2"/>
+          <p:cNvSpPr>
+            <a:spLocks noGrp="1"/>
+          </p:cNvSpPr>
+          <p:nvPr>
+            <p:ph type="body" idx="1"/>
+          </p:nvPr>
+        </p:nvSpPr>
+        <p:spPr/>
+        <p:txBody>
+          <a:bodyPr/>
+          <a:lstStyle/>
+          <a:p>
+            <a:r>
+              <a:rPr lang="en-US" dirty="0"/>
+              <a:t>This is showing that the two Gnet8 models had very high agreement in their predictions, despite having much different architecture (And representations)</a:t>
+            </a:r>
+          </a:p>
+        </p:txBody>
+      </p:sp>
+      <p:sp>
+        <p:nvSpPr>
+          <p:cNvPr id="4" name="Slide Number Placeholder 3"/>
+          <p:cNvSpPr>
+            <a:spLocks noGrp="1"/>
+          </p:cNvSpPr>
+          <p:nvPr>
+            <p:ph type="sldNum" sz="quarter" idx="5"/>
+          </p:nvPr>
+        </p:nvSpPr>
+        <p:spPr/>
+        <p:txBody>
+          <a:bodyPr/>
+          <a:lstStyle/>
+          <a:p>
+            <a:fld id="{A8FDC817-106E-4BF9-A5B2-12D71C6A70B5}" type="slidenum">
+              <a:rPr lang="en-US" smtClean="0"/>
+              <a:t>25</a:t>
+            </a:fld>
+            <a:endParaRPr lang="en-US"/>
+          </a:p>
+        </p:txBody>
+      </p:sp>
+    </p:spTree>
+    <p:extLst>
+      <p:ext uri="{BB962C8B-B14F-4D97-AF65-F5344CB8AC3E}">
+        <p14:creationId xmlns:p14="http://schemas.microsoft.com/office/powerpoint/2010/main" val="1968467518"/>
       </p:ext>
     </p:extLst>
   </p:cSld>
@@ -2978,7 +3470,7 @@
           <a:p>
             <a:fld id="{D4DD3164-AB71-46BF-ABF7-D5851E719574}" type="datetimeFigureOut">
               <a:rPr lang="en-US" smtClean="0"/>
-              <a:t>4/30/2024</a:t>
+              <a:t>5/1/2024</a:t>
             </a:fld>
             <a:endParaRPr lang="en-US"/>
           </a:p>
@@ -3176,7 +3668,7 @@
           <a:p>
             <a:fld id="{D4DD3164-AB71-46BF-ABF7-D5851E719574}" type="datetimeFigureOut">
               <a:rPr lang="en-US" smtClean="0"/>
-              <a:t>4/30/2024</a:t>
+              <a:t>5/1/2024</a:t>
             </a:fld>
             <a:endParaRPr lang="en-US"/>
           </a:p>
@@ -3384,7 +3876,7 @@
           <a:p>
             <a:fld id="{D4DD3164-AB71-46BF-ABF7-D5851E719574}" type="datetimeFigureOut">
               <a:rPr lang="en-US" smtClean="0"/>
-              <a:t>4/30/2024</a:t>
+              <a:t>5/1/2024</a:t>
             </a:fld>
             <a:endParaRPr lang="en-US"/>
           </a:p>
@@ -3582,7 +4074,7 @@
           <a:p>
             <a:fld id="{D4DD3164-AB71-46BF-ABF7-D5851E719574}" type="datetimeFigureOut">
               <a:rPr lang="en-US" smtClean="0"/>
-              <a:t>4/30/2024</a:t>
+              <a:t>5/1/2024</a:t>
             </a:fld>
             <a:endParaRPr lang="en-US"/>
           </a:p>
@@ -3857,7 +4349,7 @@
           <a:p>
             <a:fld id="{D4DD3164-AB71-46BF-ABF7-D5851E719574}" type="datetimeFigureOut">
               <a:rPr lang="en-US" smtClean="0"/>
-              <a:t>4/30/2024</a:t>
+              <a:t>5/1/2024</a:t>
             </a:fld>
             <a:endParaRPr lang="en-US"/>
           </a:p>
@@ -4122,7 +4614,7 @@
           <a:p>
             <a:fld id="{D4DD3164-AB71-46BF-ABF7-D5851E719574}" type="datetimeFigureOut">
               <a:rPr lang="en-US" smtClean="0"/>
-              <a:t>4/30/2024</a:t>
+              <a:t>5/1/2024</a:t>
             </a:fld>
             <a:endParaRPr lang="en-US"/>
           </a:p>
@@ -4534,7 +5026,7 @@
           <a:p>
             <a:fld id="{D4DD3164-AB71-46BF-ABF7-D5851E719574}" type="datetimeFigureOut">
               <a:rPr lang="en-US" smtClean="0"/>
-              <a:t>4/30/2024</a:t>
+              <a:t>5/1/2024</a:t>
             </a:fld>
             <a:endParaRPr lang="en-US"/>
           </a:p>
@@ -4675,7 +5167,7 @@
           <a:p>
             <a:fld id="{D4DD3164-AB71-46BF-ABF7-D5851E719574}" type="datetimeFigureOut">
               <a:rPr lang="en-US" smtClean="0"/>
-              <a:t>4/30/2024</a:t>
+              <a:t>5/1/2024</a:t>
             </a:fld>
             <a:endParaRPr lang="en-US"/>
           </a:p>
@@ -4788,7 +5280,7 @@
           <a:p>
             <a:fld id="{D4DD3164-AB71-46BF-ABF7-D5851E719574}" type="datetimeFigureOut">
               <a:rPr lang="en-US" smtClean="0"/>
-              <a:t>4/30/2024</a:t>
+              <a:t>5/1/2024</a:t>
             </a:fld>
             <a:endParaRPr lang="en-US"/>
           </a:p>
@@ -5099,7 +5591,7 @@
           <a:p>
             <a:fld id="{D4DD3164-AB71-46BF-ABF7-D5851E719574}" type="datetimeFigureOut">
               <a:rPr lang="en-US" smtClean="0"/>
-              <a:t>4/30/2024</a:t>
+              <a:t>5/1/2024</a:t>
             </a:fld>
             <a:endParaRPr lang="en-US"/>
           </a:p>
@@ -5387,7 +5879,7 @@
           <a:p>
             <a:fld id="{D4DD3164-AB71-46BF-ABF7-D5851E719574}" type="datetimeFigureOut">
               <a:rPr lang="en-US" smtClean="0"/>
-              <a:t>4/30/2024</a:t>
+              <a:t>5/1/2024</a:t>
             </a:fld>
             <a:endParaRPr lang="en-US"/>
           </a:p>
@@ -5628,7 +6120,7 @@
           <a:p>
             <a:fld id="{D4DD3164-AB71-46BF-ABF7-D5851E719574}" type="datetimeFigureOut">
               <a:rPr lang="en-US" smtClean="0"/>
-              <a:t>4/30/2024</a:t>
+              <a:t>5/1/2024</a:t>
             </a:fld>
             <a:endParaRPr lang="en-US"/>
           </a:p>
@@ -6839,72 +7331,6 @@
           <a:chExt cx="0" cy="0"/>
         </a:xfrm>
       </p:grpSpPr>
-      <p:pic>
-        <p:nvPicPr>
-          <p:cNvPr id="4" name="Picture 3" descr="A grid of dots with different colored circles&#10;&#10;Description automatically generated">
-            <a:extLst>
-              <a:ext uri="{FF2B5EF4-FFF2-40B4-BE49-F238E27FC236}">
-                <a16:creationId xmlns:a16="http://schemas.microsoft.com/office/drawing/2014/main" id="{B1E34A05-A6FD-43CE-0464-17069D4A7C70}"/>
-              </a:ext>
-            </a:extLst>
-          </p:cNvPr>
-          <p:cNvPicPr>
-            <a:picLocks noChangeAspect="1"/>
-          </p:cNvPicPr>
-          <p:nvPr/>
-        </p:nvPicPr>
-        <p:blipFill>
-          <a:blip r:embed="rId3">
-            <a:extLst>
-              <a:ext uri="{28A0092B-C50C-407E-A947-70E740481C1C}">
-                <a14:useLocalDpi xmlns:a14="http://schemas.microsoft.com/office/drawing/2010/main" val="0"/>
-              </a:ext>
-            </a:extLst>
-          </a:blip>
-          <a:stretch>
-            <a:fillRect/>
-          </a:stretch>
-        </p:blipFill>
-        <p:spPr>
-          <a:xfrm>
-            <a:off x="3537954" y="1325563"/>
-            <a:ext cx="5116091" cy="4773113"/>
-          </a:xfrm>
-          <a:prstGeom prst="rect">
-            <a:avLst/>
-          </a:prstGeom>
-        </p:spPr>
-      </p:pic>
-    </p:spTree>
-    <p:extLst>
-      <p:ext uri="{BB962C8B-B14F-4D97-AF65-F5344CB8AC3E}">
-        <p14:creationId xmlns:p14="http://schemas.microsoft.com/office/powerpoint/2010/main" val="183731470"/>
-      </p:ext>
-    </p:extLst>
-  </p:cSld>
-  <p:clrMapOvr>
-    <a:masterClrMapping/>
-  </p:clrMapOvr>
-</p:sld>
-</file>
-
-<file path=ppt/slides/slide14.xml><?xml version="1.0" encoding="utf-8"?>
-<p:sld xmlns:a="http://schemas.openxmlformats.org/drawingml/2006/main" xmlns:r="http://schemas.openxmlformats.org/officeDocument/2006/relationships" xmlns:p="http://schemas.openxmlformats.org/presentationml/2006/main">
-  <p:cSld>
-    <p:spTree>
-      <p:nvGrpSpPr>
-        <p:cNvPr id="1" name=""/>
-        <p:cNvGrpSpPr/>
-        <p:nvPr/>
-      </p:nvGrpSpPr>
-      <p:grpSpPr>
-        <a:xfrm>
-          <a:off x="0" y="0"/>
-          <a:ext cx="0" cy="0"/>
-          <a:chOff x="0" y="0"/>
-          <a:chExt cx="0" cy="0"/>
-        </a:xfrm>
-      </p:grpSpPr>
       <p:sp>
         <p:nvSpPr>
           <p:cNvPr id="2" name="Title 1">
@@ -6989,7 +7415,7 @@
 </p:sld>
 </file>
 
-<file path=ppt/slides/slide15.xml><?xml version="1.0" encoding="utf-8"?>
+<file path=ppt/slides/slide14.xml><?xml version="1.0" encoding="utf-8"?>
 <p:sld xmlns:a="http://schemas.openxmlformats.org/drawingml/2006/main" xmlns:r="http://schemas.openxmlformats.org/officeDocument/2006/relationships" xmlns:p="http://schemas.openxmlformats.org/presentationml/2006/main">
   <p:cSld>
     <p:spTree>
@@ -7090,7 +7516,7 @@
 </p:sld>
 </file>
 
-<file path=ppt/slides/slide16.xml><?xml version="1.0" encoding="utf-8"?>
+<file path=ppt/slides/slide15.xml><?xml version="1.0" encoding="utf-8"?>
 <p:sld xmlns:a="http://schemas.openxmlformats.org/drawingml/2006/main" xmlns:r="http://schemas.openxmlformats.org/officeDocument/2006/relationships" xmlns:p="http://schemas.openxmlformats.org/presentationml/2006/main">
   <p:cSld>
     <p:spTree>
@@ -7191,7 +7617,7 @@
 </p:sld>
 </file>
 
-<file path=ppt/slides/slide17.xml><?xml version="1.0" encoding="utf-8"?>
+<file path=ppt/slides/slide16.xml><?xml version="1.0" encoding="utf-8"?>
 <p:sld xmlns:a="http://schemas.openxmlformats.org/drawingml/2006/main" xmlns:r="http://schemas.openxmlformats.org/officeDocument/2006/relationships" xmlns:p="http://schemas.openxmlformats.org/presentationml/2006/main">
   <p:cSld>
     <p:spTree>
@@ -7292,7 +7718,7 @@
 </p:sld>
 </file>
 
-<file path=ppt/slides/slide18.xml><?xml version="1.0" encoding="utf-8"?>
+<file path=ppt/slides/slide17.xml><?xml version="1.0" encoding="utf-8"?>
 <p:sld xmlns:a="http://schemas.openxmlformats.org/drawingml/2006/main" xmlns:r="http://schemas.openxmlformats.org/officeDocument/2006/relationships" xmlns:p="http://schemas.openxmlformats.org/presentationml/2006/main">
   <p:cSld>
     <p:spTree>
@@ -7651,6 +8077,72 @@
 </p:sld>
 </file>
 
+<file path=ppt/slides/slide18.xml><?xml version="1.0" encoding="utf-8"?>
+<p:sld xmlns:a="http://schemas.openxmlformats.org/drawingml/2006/main" xmlns:r="http://schemas.openxmlformats.org/officeDocument/2006/relationships" xmlns:p="http://schemas.openxmlformats.org/presentationml/2006/main">
+  <p:cSld>
+    <p:spTree>
+      <p:nvGrpSpPr>
+        <p:cNvPr id="1" name=""/>
+        <p:cNvGrpSpPr/>
+        <p:nvPr/>
+      </p:nvGrpSpPr>
+      <p:grpSpPr>
+        <a:xfrm>
+          <a:off x="0" y="0"/>
+          <a:ext cx="0" cy="0"/>
+          <a:chOff x="0" y="0"/>
+          <a:chExt cx="0" cy="0"/>
+        </a:xfrm>
+      </p:grpSpPr>
+      <p:pic>
+        <p:nvPicPr>
+          <p:cNvPr id="4" name="Picture 3" descr="A grid of dots with different colored circles&#10;&#10;Description automatically generated">
+            <a:extLst>
+              <a:ext uri="{FF2B5EF4-FFF2-40B4-BE49-F238E27FC236}">
+                <a16:creationId xmlns:a16="http://schemas.microsoft.com/office/drawing/2014/main" id="{B1E34A05-A6FD-43CE-0464-17069D4A7C70}"/>
+              </a:ext>
+            </a:extLst>
+          </p:cNvPr>
+          <p:cNvPicPr>
+            <a:picLocks noChangeAspect="1"/>
+          </p:cNvPicPr>
+          <p:nvPr/>
+        </p:nvPicPr>
+        <p:blipFill>
+          <a:blip r:embed="rId3">
+            <a:extLst>
+              <a:ext uri="{28A0092B-C50C-407E-A947-70E740481C1C}">
+                <a14:useLocalDpi xmlns:a14="http://schemas.microsoft.com/office/drawing/2010/main" val="0"/>
+              </a:ext>
+            </a:extLst>
+          </a:blip>
+          <a:stretch>
+            <a:fillRect/>
+          </a:stretch>
+        </p:blipFill>
+        <p:spPr>
+          <a:xfrm>
+            <a:off x="3537954" y="1325563"/>
+            <a:ext cx="5116091" cy="4773113"/>
+          </a:xfrm>
+          <a:prstGeom prst="rect">
+            <a:avLst/>
+          </a:prstGeom>
+        </p:spPr>
+      </p:pic>
+    </p:spTree>
+    <p:extLst>
+      <p:ext uri="{BB962C8B-B14F-4D97-AF65-F5344CB8AC3E}">
+        <p14:creationId xmlns:p14="http://schemas.microsoft.com/office/powerpoint/2010/main" val="183731470"/>
+      </p:ext>
+    </p:extLst>
+  </p:cSld>
+  <p:clrMapOvr>
+    <a:masterClrMapping/>
+  </p:clrMapOvr>
+</p:sld>
+</file>
+
 <file path=ppt/slides/slide19.xml><?xml version="1.0" encoding="utf-8"?>
 <p:sld xmlns:a="http://schemas.openxmlformats.org/drawingml/2006/main" xmlns:r="http://schemas.openxmlformats.org/officeDocument/2006/relationships" xmlns:p="http://schemas.openxmlformats.org/presentationml/2006/main">
   <p:cSld>
@@ -7724,7 +8216,7 @@
           <p:nvPr/>
         </p:nvPicPr>
         <p:blipFill>
-          <a:blip r:embed="rId2"/>
+          <a:blip r:embed="rId3"/>
           <a:stretch>
             <a:fillRect/>
           </a:stretch>
@@ -8243,7 +8735,7 @@
           <p:nvPr/>
         </p:nvPicPr>
         <p:blipFill>
-          <a:blip r:embed="rId2"/>
+          <a:blip r:embed="rId3"/>
           <a:stretch>
             <a:fillRect/>
           </a:stretch>
@@ -8344,7 +8836,7 @@
           <p:nvPr/>
         </p:nvPicPr>
         <p:blipFill>
-          <a:blip r:embed="rId2"/>
+          <a:blip r:embed="rId3"/>
           <a:stretch>
             <a:fillRect/>
           </a:stretch>
@@ -8363,6 +8855,232 @@
     <p:extLst>
       <p:ext uri="{BB962C8B-B14F-4D97-AF65-F5344CB8AC3E}">
         <p14:creationId xmlns:p14="http://schemas.microsoft.com/office/powerpoint/2010/main" val="3200093244"/>
+      </p:ext>
+    </p:extLst>
+  </p:cSld>
+  <p:clrMapOvr>
+    <a:masterClrMapping/>
+  </p:clrMapOvr>
+</p:sld>
+</file>
+
+<file path=ppt/slides/slide24.xml><?xml version="1.0" encoding="utf-8"?>
+<p:sld xmlns:a="http://schemas.openxmlformats.org/drawingml/2006/main" xmlns:r="http://schemas.openxmlformats.org/officeDocument/2006/relationships" xmlns:p="http://schemas.openxmlformats.org/presentationml/2006/main">
+  <p:cSld>
+    <p:spTree>
+      <p:nvGrpSpPr>
+        <p:cNvPr id="1" name=""/>
+        <p:cNvGrpSpPr/>
+        <p:nvPr/>
+      </p:nvGrpSpPr>
+      <p:grpSpPr>
+        <a:xfrm>
+          <a:off x="0" y="0"/>
+          <a:ext cx="0" cy="0"/>
+          <a:chOff x="0" y="0"/>
+          <a:chExt cx="0" cy="0"/>
+        </a:xfrm>
+      </p:grpSpPr>
+      <p:sp>
+        <p:nvSpPr>
+          <p:cNvPr id="2" name="Title 1">
+            <a:extLst>
+              <a:ext uri="{FF2B5EF4-FFF2-40B4-BE49-F238E27FC236}">
+                <a16:creationId xmlns:a16="http://schemas.microsoft.com/office/drawing/2014/main" id="{B525207E-764D-A68A-2324-98DF94948AA1}"/>
+              </a:ext>
+            </a:extLst>
+          </p:cNvPr>
+          <p:cNvSpPr>
+            <a:spLocks noGrp="1"/>
+          </p:cNvSpPr>
+          <p:nvPr>
+            <p:ph type="title"/>
+          </p:nvPr>
+        </p:nvSpPr>
+        <p:spPr>
+          <a:xfrm>
+            <a:off x="838200" y="0"/>
+            <a:ext cx="10515600" cy="1325563"/>
+          </a:xfrm>
+        </p:spPr>
+        <p:txBody>
+          <a:bodyPr>
+            <a:normAutofit/>
+          </a:bodyPr>
+          <a:lstStyle/>
+          <a:p>
+            <a:r>
+              <a:rPr lang="en-US" dirty="0">
+                <a:solidFill>
+                  <a:schemeClr val="bg1">
+                    <a:lumMod val="75000"/>
+                  </a:schemeClr>
+                </a:solidFill>
+              </a:rPr>
+              <a:t>Fig. 9</a:t>
+            </a:r>
+          </a:p>
+        </p:txBody>
+      </p:sp>
+      <p:pic>
+        <p:nvPicPr>
+          <p:cNvPr id="5" name="Picture 4">
+            <a:extLst>
+              <a:ext uri="{FF2B5EF4-FFF2-40B4-BE49-F238E27FC236}">
+                <a16:creationId xmlns:a16="http://schemas.microsoft.com/office/drawing/2014/main" id="{7ED7224E-5CB2-3DEE-9ADF-E629A9475C5F}"/>
+              </a:ext>
+            </a:extLst>
+          </p:cNvPr>
+          <p:cNvPicPr>
+            <a:picLocks noChangeAspect="1"/>
+          </p:cNvPicPr>
+          <p:nvPr/>
+        </p:nvPicPr>
+        <p:blipFill>
+          <a:blip r:embed="rId3"/>
+          <a:stretch>
+            <a:fillRect/>
+          </a:stretch>
+        </p:blipFill>
+        <p:spPr>
+          <a:xfrm>
+            <a:off x="838200" y="1733313"/>
+            <a:ext cx="10840963" cy="3391373"/>
+          </a:xfrm>
+          <a:prstGeom prst="rect">
+            <a:avLst/>
+          </a:prstGeom>
+        </p:spPr>
+      </p:pic>
+      <p:sp>
+        <p:nvSpPr>
+          <p:cNvPr id="3" name="Rectangle 2">
+            <a:extLst>
+              <a:ext uri="{FF2B5EF4-FFF2-40B4-BE49-F238E27FC236}">
+                <a16:creationId xmlns:a16="http://schemas.microsoft.com/office/drawing/2014/main" id="{6773EBA1-8926-F68B-5D63-8C459CB7A70C}"/>
+              </a:ext>
+            </a:extLst>
+          </p:cNvPr>
+          <p:cNvSpPr/>
+          <p:nvPr/>
+        </p:nvSpPr>
+        <p:spPr>
+          <a:xfrm>
+            <a:off x="243068" y="1516284"/>
+            <a:ext cx="7199454" cy="4236334"/>
+          </a:xfrm>
+          <a:prstGeom prst="rect">
+            <a:avLst/>
+          </a:prstGeom>
+          <a:solidFill>
+            <a:schemeClr val="bg1">
+              <a:alpha val="67000"/>
+            </a:schemeClr>
+          </a:solidFill>
+          <a:ln>
+            <a:noFill/>
+          </a:ln>
+        </p:spPr>
+        <p:style>
+          <a:lnRef idx="2">
+            <a:schemeClr val="accent1">
+              <a:shade val="15000"/>
+            </a:schemeClr>
+          </a:lnRef>
+          <a:fillRef idx="1">
+            <a:schemeClr val="accent1"/>
+          </a:fillRef>
+          <a:effectRef idx="0">
+            <a:schemeClr val="accent1"/>
+          </a:effectRef>
+          <a:fontRef idx="minor">
+            <a:schemeClr val="lt1"/>
+          </a:fontRef>
+        </p:style>
+        <p:txBody>
+          <a:bodyPr rtlCol="0" anchor="ctr"/>
+          <a:lstStyle/>
+          <a:p>
+            <a:pPr algn="ctr"/>
+            <a:endParaRPr lang="en-US" dirty="0"/>
+          </a:p>
+        </p:txBody>
+      </p:sp>
+    </p:spTree>
+    <p:extLst>
+      <p:ext uri="{BB962C8B-B14F-4D97-AF65-F5344CB8AC3E}">
+        <p14:creationId xmlns:p14="http://schemas.microsoft.com/office/powerpoint/2010/main" val="1445849237"/>
+      </p:ext>
+    </p:extLst>
+  </p:cSld>
+  <p:clrMapOvr>
+    <a:masterClrMapping/>
+  </p:clrMapOvr>
+</p:sld>
+</file>
+
+<file path=ppt/slides/slide25.xml><?xml version="1.0" encoding="utf-8"?>
+<p:sld xmlns:a="http://schemas.openxmlformats.org/drawingml/2006/main" xmlns:r="http://schemas.openxmlformats.org/officeDocument/2006/relationships" xmlns:p="http://schemas.openxmlformats.org/presentationml/2006/main">
+  <p:cSld>
+    <p:spTree>
+      <p:nvGrpSpPr>
+        <p:cNvPr id="1" name=""/>
+        <p:cNvGrpSpPr/>
+        <p:nvPr/>
+      </p:nvGrpSpPr>
+      <p:grpSpPr>
+        <a:xfrm>
+          <a:off x="0" y="0"/>
+          <a:ext cx="0" cy="0"/>
+          <a:chOff x="0" y="0"/>
+          <a:chExt cx="0" cy="0"/>
+        </a:xfrm>
+      </p:grpSpPr>
+      <p:sp>
+        <p:nvSpPr>
+          <p:cNvPr id="2" name="Title 1">
+            <a:extLst>
+              <a:ext uri="{FF2B5EF4-FFF2-40B4-BE49-F238E27FC236}">
+                <a16:creationId xmlns:a16="http://schemas.microsoft.com/office/drawing/2014/main" id="{B525207E-764D-A68A-2324-98DF94948AA1}"/>
+              </a:ext>
+            </a:extLst>
+          </p:cNvPr>
+          <p:cNvSpPr>
+            <a:spLocks noGrp="1"/>
+          </p:cNvSpPr>
+          <p:nvPr>
+            <p:ph type="title"/>
+          </p:nvPr>
+        </p:nvSpPr>
+        <p:spPr>
+          <a:xfrm>
+            <a:off x="838200" y="0"/>
+            <a:ext cx="10515600" cy="1325563"/>
+          </a:xfrm>
+        </p:spPr>
+        <p:txBody>
+          <a:bodyPr>
+            <a:normAutofit/>
+          </a:bodyPr>
+          <a:lstStyle/>
+          <a:p>
+            <a:r>
+              <a:rPr lang="en-US" dirty="0">
+                <a:solidFill>
+                  <a:schemeClr val="bg1">
+                    <a:lumMod val="75000"/>
+                  </a:schemeClr>
+                </a:solidFill>
+              </a:rPr>
+              <a:t>Discussion</a:t>
+            </a:r>
+          </a:p>
+        </p:txBody>
+      </p:sp>
+    </p:spTree>
+    <p:extLst>
+      <p:ext uri="{BB962C8B-B14F-4D97-AF65-F5344CB8AC3E}">
+        <p14:creationId xmlns:p14="http://schemas.microsoft.com/office/powerpoint/2010/main" val="1313145249"/>
       </p:ext>
     </p:extLst>
   </p:cSld>
